--- a/CapstoneFinalPresentation_IPLT20CricketPredictions.pptx
+++ b/CapstoneFinalPresentation_IPLT20CricketPredictions.pptx
@@ -13,9 +13,9 @@
     <p:sldId id="261" r:id="rId7"/>
     <p:sldId id="262" r:id="rId8"/>
     <p:sldId id="263" r:id="rId9"/>
-    <p:sldId id="264" r:id="rId10"/>
+    <p:sldId id="266" r:id="rId10"/>
     <p:sldId id="265" r:id="rId11"/>
-    <p:sldId id="266" r:id="rId12"/>
+    <p:sldId id="264" r:id="rId12"/>
     <p:sldId id="267" r:id="rId13"/>
     <p:sldId id="268" r:id="rId14"/>
     <p:sldId id="269" r:id="rId15"/>
@@ -24,6 +24,7 @@
     <p:sldId id="272" r:id="rId18"/>
     <p:sldId id="273" r:id="rId19"/>
     <p:sldId id="274" r:id="rId20"/>
+    <p:sldId id="275" r:id="rId21"/>
   </p:sldIdLst>
   <p:sldSz cx="12192000" cy="6858000"/>
   <p:notesSz cx="6858000" cy="9144000"/>
@@ -462,7 +463,7 @@
             <a:fld id="{B61BEF0D-F0BB-DE4B-95CE-6DB70DBA9567}" type="datetimeFigureOut">
               <a:rPr lang="en-US" dirty="0"/>
               <a:pPr/>
-              <a:t>10/17/2018</a:t>
+              <a:t>10/18/2018</a:t>
             </a:fld>
             <a:endParaRPr lang="en-US" dirty="0"/>
           </a:p>
@@ -783,7 +784,7 @@
             <a:fld id="{B61BEF0D-F0BB-DE4B-95CE-6DB70DBA9567}" type="datetimeFigureOut">
               <a:rPr lang="en-US" dirty="0"/>
               <a:pPr/>
-              <a:t>10/17/2018</a:t>
+              <a:t>10/18/2018</a:t>
             </a:fld>
             <a:endParaRPr lang="en-US" dirty="0"/>
           </a:p>
@@ -1028,7 +1029,7 @@
             <a:fld id="{B61BEF0D-F0BB-DE4B-95CE-6DB70DBA9567}" type="datetimeFigureOut">
               <a:rPr lang="en-US" dirty="0"/>
               <a:pPr/>
-              <a:t>10/17/2018</a:t>
+              <a:t>10/18/2018</a:t>
             </a:fld>
             <a:endParaRPr lang="en-US" dirty="0"/>
           </a:p>
@@ -1364,7 +1365,7 @@
             <a:fld id="{B61BEF0D-F0BB-DE4B-95CE-6DB70DBA9567}" type="datetimeFigureOut">
               <a:rPr lang="en-US" dirty="0"/>
               <a:pPr/>
-              <a:t>10/17/2018</a:t>
+              <a:t>10/18/2018</a:t>
             </a:fld>
             <a:endParaRPr lang="en-US" dirty="0"/>
           </a:p>
@@ -1708,7 +1709,7 @@
             <a:fld id="{B61BEF0D-F0BB-DE4B-95CE-6DB70DBA9567}" type="datetimeFigureOut">
               <a:rPr lang="en-US" dirty="0"/>
               <a:pPr/>
-              <a:t>10/17/2018</a:t>
+              <a:t>10/18/2018</a:t>
             </a:fld>
             <a:endParaRPr lang="en-US" dirty="0"/>
           </a:p>
@@ -2079,7 +2080,7 @@
             <a:fld id="{B61BEF0D-F0BB-DE4B-95CE-6DB70DBA9567}" type="datetimeFigureOut">
               <a:rPr lang="en-US" dirty="0"/>
               <a:pPr/>
-              <a:t>10/17/2018</a:t>
+              <a:t>10/18/2018</a:t>
             </a:fld>
             <a:endParaRPr lang="en-US" dirty="0"/>
           </a:p>
@@ -2546,7 +2547,7 @@
             <a:fld id="{B61BEF0D-F0BB-DE4B-95CE-6DB70DBA9567}" type="datetimeFigureOut">
               <a:rPr lang="en-US" dirty="0"/>
               <a:pPr/>
-              <a:t>10/17/2018</a:t>
+              <a:t>10/18/2018</a:t>
             </a:fld>
             <a:endParaRPr lang="en-US" dirty="0"/>
           </a:p>
@@ -2748,7 +2749,7 @@
             <a:fld id="{B61BEF0D-F0BB-DE4B-95CE-6DB70DBA9567}" type="datetimeFigureOut">
               <a:rPr lang="en-US" dirty="0"/>
               <a:pPr/>
-              <a:t>10/17/2018</a:t>
+              <a:t>10/18/2018</a:t>
             </a:fld>
             <a:endParaRPr lang="en-US" dirty="0"/>
           </a:p>
@@ -2956,7 +2957,7 @@
             <a:fld id="{B61BEF0D-F0BB-DE4B-95CE-6DB70DBA9567}" type="datetimeFigureOut">
               <a:rPr lang="en-US" dirty="0"/>
               <a:pPr/>
-              <a:t>10/17/2018</a:t>
+              <a:t>10/18/2018</a:t>
             </a:fld>
             <a:endParaRPr lang="en-US" dirty="0"/>
           </a:p>
@@ -3184,7 +3185,7 @@
           <a:p>
             <a:fld id="{05BFA754-D5C3-4E66-96A6-867B257F58DC}" type="datetimeFigureOut">
               <a:rPr lang="en-US" dirty="0"/>
-              <a:t>10/17/2018</a:t>
+              <a:t>10/18/2018</a:t>
             </a:fld>
             <a:endParaRPr lang="en-US" dirty="0"/>
           </a:p>
@@ -3428,7 +3429,7 @@
             <a:fld id="{B61BEF0D-F0BB-DE4B-95CE-6DB70DBA9567}" type="datetimeFigureOut">
               <a:rPr lang="en-US" dirty="0"/>
               <a:pPr/>
-              <a:t>10/17/2018</a:t>
+              <a:t>10/18/2018</a:t>
             </a:fld>
             <a:endParaRPr lang="en-US" dirty="0"/>
           </a:p>
@@ -3691,7 +3692,7 @@
           <a:p>
             <a:fld id="{05BFA754-D5C3-4E66-96A6-867B257F58DC}" type="datetimeFigureOut">
               <a:rPr lang="en-US" dirty="0"/>
-              <a:t>10/17/2018</a:t>
+              <a:t>10/18/2018</a:t>
             </a:fld>
             <a:endParaRPr lang="en-US" dirty="0"/>
           </a:p>
@@ -4100,7 +4101,7 @@
             <a:fld id="{B61BEF0D-F0BB-DE4B-95CE-6DB70DBA9567}" type="datetimeFigureOut">
               <a:rPr lang="en-US" dirty="0"/>
               <a:pPr/>
-              <a:t>10/17/2018</a:t>
+              <a:t>10/18/2018</a:t>
             </a:fld>
             <a:endParaRPr lang="en-US" dirty="0"/>
           </a:p>
@@ -4246,7 +4247,7 @@
             <a:fld id="{B61BEF0D-F0BB-DE4B-95CE-6DB70DBA9567}" type="datetimeFigureOut">
               <a:rPr lang="en-US" dirty="0"/>
               <a:pPr/>
-              <a:t>10/17/2018</a:t>
+              <a:t>10/18/2018</a:t>
             </a:fld>
             <a:endParaRPr lang="en-US" dirty="0"/>
           </a:p>
@@ -4369,7 +4370,7 @@
             <a:fld id="{B61BEF0D-F0BB-DE4B-95CE-6DB70DBA9567}" type="datetimeFigureOut">
               <a:rPr lang="en-US" dirty="0"/>
               <a:pPr/>
-              <a:t>10/17/2018</a:t>
+              <a:t>10/18/2018</a:t>
             </a:fld>
             <a:endParaRPr lang="en-US" dirty="0"/>
           </a:p>
@@ -4621,7 +4622,7 @@
             <a:fld id="{B61BEF0D-F0BB-DE4B-95CE-6DB70DBA9567}" type="datetimeFigureOut">
               <a:rPr lang="en-US" dirty="0"/>
               <a:pPr/>
-              <a:t>10/17/2018</a:t>
+              <a:t>10/18/2018</a:t>
             </a:fld>
             <a:endParaRPr lang="en-US" dirty="0"/>
           </a:p>
@@ -4933,7 +4934,7 @@
             <a:fld id="{B61BEF0D-F0BB-DE4B-95CE-6DB70DBA9567}" type="datetimeFigureOut">
               <a:rPr lang="en-US" dirty="0"/>
               <a:pPr/>
-              <a:t>10/17/2018</a:t>
+              <a:t>10/18/2018</a:t>
             </a:fld>
             <a:endParaRPr lang="en-US" dirty="0"/>
           </a:p>
@@ -5281,7 +5282,7 @@
             <a:fld id="{B61BEF0D-F0BB-DE4B-95CE-6DB70DBA9567}" type="datetimeFigureOut">
               <a:rPr lang="en-US" dirty="0"/>
               <a:pPr/>
-              <a:t>10/17/2018</a:t>
+              <a:t>10/18/2018</a:t>
             </a:fld>
             <a:endParaRPr lang="en-US" dirty="0"/>
           </a:p>
@@ -5876,7 +5877,13 @@
             <a:br>
               <a:rPr lang="en-US" sz="2400" dirty="0"/>
             </a:br>
-            <a:endParaRPr lang="en-US" sz="2400" dirty="0"/>
+            <a:br>
+              <a:rPr lang="en-US" sz="2400" dirty="0"/>
+            </a:br>
+            <a:r>
+              <a:rPr lang="en-US" sz="1600" dirty="0"/>
+              <a:t>https://github.com/asahay001/springboardIntro</a:t>
+            </a:r>
           </a:p>
         </p:txBody>
       </p:sp>
@@ -6079,8 +6086,8 @@
         </p:nvSpPr>
         <p:spPr>
           <a:xfrm>
-            <a:off x="680941" y="725431"/>
-            <a:ext cx="10644838" cy="369332"/>
+            <a:off x="4936749" y="725431"/>
+            <a:ext cx="2133148" cy="369332"/>
           </a:xfrm>
           <a:prstGeom prst="rect">
             <a:avLst/>
@@ -6096,7 +6103,7 @@
             <a:pPr algn="ctr"/>
             <a:r>
               <a:rPr lang="en-US" dirty="0"/>
-              <a:t>Final team scores are clustered in a band, but psychological advantage of winning the toss does not translate into wins</a:t>
+              <a:t>Variable Correlations</a:t>
             </a:r>
           </a:p>
         </p:txBody>
@@ -6106,7 +6113,7 @@
           <p:cNvPr id="4" name="Picture 3">
             <a:extLst>
               <a:ext uri="{FF2B5EF4-FFF2-40B4-BE49-F238E27FC236}">
-                <a16:creationId xmlns:a16="http://schemas.microsoft.com/office/drawing/2014/main" id="{B98CA288-8D8B-4D92-80A6-536C276347CE}"/>
+                <a16:creationId xmlns:a16="http://schemas.microsoft.com/office/drawing/2014/main" id="{6B1CADD4-EECD-4082-B03B-7397FEED3631}"/>
               </a:ext>
             </a:extLst>
           </p:cNvPr>
@@ -6123,8 +6130,8 @@
         </p:blipFill>
         <p:spPr>
           <a:xfrm>
-            <a:off x="792994" y="2365130"/>
-            <a:ext cx="5303006" cy="3563815"/>
+            <a:off x="554478" y="1887165"/>
+            <a:ext cx="6005917" cy="4410773"/>
           </a:xfrm>
           <a:prstGeom prst="rect">
             <a:avLst/>
@@ -6136,7 +6143,7 @@
           <p:cNvPr id="5" name="Picture 4">
             <a:extLst>
               <a:ext uri="{FF2B5EF4-FFF2-40B4-BE49-F238E27FC236}">
-                <a16:creationId xmlns:a16="http://schemas.microsoft.com/office/drawing/2014/main" id="{0B22C2DC-64AA-4927-9F89-2F6DFA980479}"/>
+                <a16:creationId xmlns:a16="http://schemas.microsoft.com/office/drawing/2014/main" id="{9324EA0C-A885-4DCC-9779-F088B60E6372}"/>
               </a:ext>
             </a:extLst>
           </p:cNvPr>
@@ -6153,18 +6160,133 @@
         </p:blipFill>
         <p:spPr>
           <a:xfrm>
-            <a:off x="6726115" y="2365130"/>
-            <a:ext cx="4733441" cy="3417753"/>
+            <a:off x="6692630" y="1921127"/>
+            <a:ext cx="4944892" cy="4376812"/>
           </a:xfrm>
           <a:prstGeom prst="rect">
             <a:avLst/>
           </a:prstGeom>
         </p:spPr>
       </p:pic>
+      <p:sp>
+        <p:nvSpPr>
+          <p:cNvPr id="6" name="TextBox 5">
+            <a:extLst>
+              <a:ext uri="{FF2B5EF4-FFF2-40B4-BE49-F238E27FC236}">
+                <a16:creationId xmlns:a16="http://schemas.microsoft.com/office/drawing/2014/main" id="{E66AE804-A5A0-484D-92FE-B6899046255B}"/>
+              </a:ext>
+            </a:extLst>
+          </p:cNvPr>
+          <p:cNvSpPr txBox="1"/>
+          <p:nvPr/>
+        </p:nvSpPr>
+        <p:spPr>
+          <a:xfrm>
+            <a:off x="896816" y="1046279"/>
+            <a:ext cx="9926515" cy="738664"/>
+          </a:xfrm>
+          <a:prstGeom prst="rect">
+            <a:avLst/>
+          </a:prstGeom>
+          <a:noFill/>
+        </p:spPr>
+        <p:txBody>
+          <a:bodyPr wrap="square" rtlCol="0">
+            <a:spAutoFit/>
+          </a:bodyPr>
+          <a:lstStyle/>
+          <a:p>
+            <a:pPr marL="285750" indent="-285750">
+              <a:buFont typeface="Arial" panose="020B0604020202020204" pitchFamily="34" charset="0"/>
+              <a:buChar char="•"/>
+            </a:pPr>
+            <a:r>
+              <a:rPr lang="en-US" sz="1400" dirty="0"/>
+              <a:t>Not a very high correlation for ‘</a:t>
+            </a:r>
+            <a:r>
+              <a:rPr lang="en-US" sz="1400" b="1" dirty="0"/>
+              <a:t>Team Batting First Won</a:t>
+            </a:r>
+            <a:r>
+              <a:rPr lang="en-US" sz="1400" dirty="0"/>
+              <a:t>’ with other pre-match variables</a:t>
+            </a:r>
+          </a:p>
+          <a:p>
+            <a:pPr marL="285750" indent="-285750">
+              <a:buFont typeface="Arial" panose="020B0604020202020204" pitchFamily="34" charset="0"/>
+              <a:buChar char="•"/>
+            </a:pPr>
+            <a:r>
+              <a:rPr lang="en-US" sz="1400" dirty="0"/>
+              <a:t>A team’s final score (</a:t>
+            </a:r>
+            <a:r>
+              <a:rPr lang="en-US" sz="1400" b="1" dirty="0"/>
+              <a:t>Inn1EOIRuns</a:t>
+            </a:r>
+            <a:r>
+              <a:rPr lang="en-US" sz="1400" dirty="0"/>
+              <a:t>) has higher correlation with runs scored by 15</a:t>
+            </a:r>
+            <a:r>
+              <a:rPr lang="en-US" sz="1400" baseline="30000" dirty="0"/>
+              <a:t>th</a:t>
+            </a:r>
+            <a:r>
+              <a:rPr lang="en-US" sz="1400" dirty="0"/>
+              <a:t> over than by 13</a:t>
+            </a:r>
+            <a:r>
+              <a:rPr lang="en-US" sz="1400" baseline="30000" dirty="0"/>
+              <a:t>th</a:t>
+            </a:r>
+            <a:r>
+              <a:rPr lang="en-US" sz="1400" dirty="0"/>
+              <a:t> over than by 10</a:t>
+            </a:r>
+            <a:r>
+              <a:rPr lang="en-US" sz="1400" baseline="30000" dirty="0"/>
+              <a:t>th</a:t>
+            </a:r>
+            <a:r>
+              <a:rPr lang="en-US" sz="1400" dirty="0"/>
+              <a:t> and 6</a:t>
+            </a:r>
+            <a:r>
+              <a:rPr lang="en-US" sz="1400" baseline="30000" dirty="0"/>
+              <a:t>th</a:t>
+            </a:r>
+            <a:r>
+              <a:rPr lang="en-US" sz="1400" dirty="0"/>
+              <a:t> overs</a:t>
+            </a:r>
+          </a:p>
+          <a:p>
+            <a:pPr marL="285750" indent="-285750">
+              <a:buFont typeface="Arial" panose="020B0604020202020204" pitchFamily="34" charset="0"/>
+              <a:buChar char="•"/>
+            </a:pPr>
+            <a:r>
+              <a:rPr lang="en-US" sz="1400" dirty="0"/>
+              <a:t>These point to </a:t>
+            </a:r>
+            <a:r>
+              <a:rPr lang="en-US" sz="1400" dirty="0">
+                <a:highlight>
+                  <a:srgbClr val="FFFF00"/>
+                </a:highlight>
+              </a:rPr>
+              <a:t>on-field performance today being more dominant than past results, and predictions getting better with each passing over</a:t>
+            </a:r>
+          </a:p>
+        </p:txBody>
+      </p:sp>
     </p:spTree>
     <p:extLst>
       <p:ext uri="{BB962C8B-B14F-4D97-AF65-F5344CB8AC3E}">
-        <p14:creationId xmlns:p14="http://schemas.microsoft.com/office/powerpoint/2010/main" val="2989877785"/>
+        <p14:creationId xmlns:p14="http://schemas.microsoft.com/office/powerpoint/2010/main" val="3728433188"/>
       </p:ext>
     </p:extLst>
   </p:cSld>
@@ -6390,11 +6512,24 @@
           <a:p>
             <a:r>
               <a:rPr lang="en-US" sz="1400" dirty="0"/>
-              <a:t>An automated selection method would be best, given the repeated predictions with variable number of parameters at different stages of the match</a:t>
-            </a:r>
-          </a:p>
-          <a:p>
-            <a:endParaRPr lang="en-US" sz="1400" dirty="0"/>
+              <a:t>An </a:t>
+            </a:r>
+            <a:r>
+              <a:rPr lang="en-US" sz="1400" b="1" dirty="0"/>
+              <a:t>automated selection </a:t>
+            </a:r>
+            <a:r>
+              <a:rPr lang="en-US" sz="1400" dirty="0"/>
+              <a:t>method would be best, given the </a:t>
+            </a:r>
+            <a:r>
+              <a:rPr lang="en-US" sz="1400" b="1" dirty="0"/>
+              <a:t>repeated predictions with variable number of parameters </a:t>
+            </a:r>
+            <a:r>
+              <a:rPr lang="en-US" sz="1400" dirty="0"/>
+              <a:t>at different stages of the match</a:t>
+            </a:r>
           </a:p>
           <a:p>
             <a:pPr lvl="1"/>
@@ -6453,7 +6588,15 @@
             </a:r>
             <a:r>
               <a:rPr lang="en-US" sz="1400" dirty="0"/>
-              <a:t> function to choose a linear model based on lowest AIC was quite appropriate:</a:t>
+              <a:t> function to choose a linear model based on </a:t>
+            </a:r>
+            <a:r>
+              <a:rPr lang="en-US" sz="1400" b="1" dirty="0"/>
+              <a:t>lowest AIC </a:t>
+            </a:r>
+            <a:r>
+              <a:rPr lang="en-US" sz="1400" dirty="0"/>
+              <a:t>was quite appropriate:</a:t>
             </a:r>
           </a:p>
           <a:p>
@@ -6701,8 +6844,8 @@
           <a:p>
             <a:pPr algn="ctr"/>
             <a:r>
-              <a:rPr lang="en-US" dirty="0"/>
-              <a:t>Not something that would have been easy to pick manually</a:t>
+              <a:rPr lang="en-US" b="1" dirty="0"/>
+              <a:t>Not easy to pick manually</a:t>
             </a:r>
           </a:p>
           <a:p>
@@ -6724,10 +6867,10 @@
       </p:sp>
       <p:graphicFrame>
         <p:nvGraphicFramePr>
-          <p:cNvPr id="4" name="Table 3">
+          <p:cNvPr id="5" name="Table 4">
             <a:extLst>
               <a:ext uri="{FF2B5EF4-FFF2-40B4-BE49-F238E27FC236}">
-                <a16:creationId xmlns:a16="http://schemas.microsoft.com/office/drawing/2014/main" id="{2242F237-0947-4407-8284-C72D0DE7E8CC}"/>
+                <a16:creationId xmlns:a16="http://schemas.microsoft.com/office/drawing/2014/main" id="{20E468B0-2EFD-412C-A4BA-628C205D9772}"/>
               </a:ext>
             </a:extLst>
           </p:cNvPr>
@@ -6737,260 +6880,260 @@
           <p:nvPr>
             <p:extLst>
               <p:ext uri="{D42A27DB-BD31-4B8C-83A1-F6EECF244321}">
-                <p14:modId xmlns:p14="http://schemas.microsoft.com/office/powerpoint/2010/main" val="3358086055"/>
+                <p14:modId xmlns:p14="http://schemas.microsoft.com/office/powerpoint/2010/main" val="1726497239"/>
               </p:ext>
             </p:extLst>
           </p:nvPr>
         </p:nvGraphicFramePr>
         <p:xfrm>
-          <a:off x="677008" y="1582615"/>
-          <a:ext cx="10814535" cy="4448911"/>
+          <a:off x="696286" y="1582615"/>
+          <a:ext cx="10771459" cy="4616104"/>
         </p:xfrm>
         <a:graphic>
           <a:graphicData uri="http://schemas.openxmlformats.org/drawingml/2006/table">
             <a:tbl>
               <a:tblPr/>
               <a:tblGrid>
-                <a:gridCol w="461420">
+                <a:gridCol w="458568">
                   <a:extLst>
                     <a:ext uri="{9D8B030D-6E8A-4147-A177-3AD203B41FA5}">
-                      <a16:colId xmlns:a16="http://schemas.microsoft.com/office/drawing/2014/main" val="2609030204"/>
+                      <a16:colId xmlns:a16="http://schemas.microsoft.com/office/drawing/2014/main" val="3192109144"/>
                     </a:ext>
                   </a:extLst>
                 </a:gridCol>
-                <a:gridCol w="605614">
+                <a:gridCol w="604920">
                   <a:extLst>
                     <a:ext uri="{9D8B030D-6E8A-4147-A177-3AD203B41FA5}">
-                      <a16:colId xmlns:a16="http://schemas.microsoft.com/office/drawing/2014/main" val="2150443976"/>
+                      <a16:colId xmlns:a16="http://schemas.microsoft.com/office/drawing/2014/main" val="857284658"/>
                     </a:ext>
                   </a:extLst>
                 </a:gridCol>
-                <a:gridCol w="605614">
+                <a:gridCol w="604920">
                   <a:extLst>
                     <a:ext uri="{9D8B030D-6E8A-4147-A177-3AD203B41FA5}">
-                      <a16:colId xmlns:a16="http://schemas.microsoft.com/office/drawing/2014/main" val="3072923759"/>
+                      <a16:colId xmlns:a16="http://schemas.microsoft.com/office/drawing/2014/main" val="2967566224"/>
                     </a:ext>
                   </a:extLst>
                 </a:gridCol>
-                <a:gridCol w="442195">
+                <a:gridCol w="431737">
                   <a:extLst>
                     <a:ext uri="{9D8B030D-6E8A-4147-A177-3AD203B41FA5}">
-                      <a16:colId xmlns:a16="http://schemas.microsoft.com/office/drawing/2014/main" val="2471411815"/>
+                      <a16:colId xmlns:a16="http://schemas.microsoft.com/office/drawing/2014/main" val="1572473244"/>
                     </a:ext>
                   </a:extLst>
                 </a:gridCol>
-                <a:gridCol w="355678">
+                <a:gridCol w="351244">
                   <a:extLst>
                     <a:ext uri="{9D8B030D-6E8A-4147-A177-3AD203B41FA5}">
-                      <a16:colId xmlns:a16="http://schemas.microsoft.com/office/drawing/2014/main" val="2592260493"/>
+                      <a16:colId xmlns:a16="http://schemas.microsoft.com/office/drawing/2014/main" val="384320106"/>
                     </a:ext>
                   </a:extLst>
                 </a:gridCol>
-                <a:gridCol w="346065">
+                <a:gridCol w="343926">
                   <a:extLst>
                     <a:ext uri="{9D8B030D-6E8A-4147-A177-3AD203B41FA5}">
-                      <a16:colId xmlns:a16="http://schemas.microsoft.com/office/drawing/2014/main" val="799593484"/>
+                      <a16:colId xmlns:a16="http://schemas.microsoft.com/office/drawing/2014/main" val="251744308"/>
                     </a:ext>
                   </a:extLst>
                 </a:gridCol>
-                <a:gridCol w="298001">
+                <a:gridCol w="292702">
                   <a:extLst>
                     <a:ext uri="{9D8B030D-6E8A-4147-A177-3AD203B41FA5}">
-                      <a16:colId xmlns:a16="http://schemas.microsoft.com/office/drawing/2014/main" val="3371627837"/>
+                      <a16:colId xmlns:a16="http://schemas.microsoft.com/office/drawing/2014/main" val="1085960699"/>
                     </a:ext>
                   </a:extLst>
                 </a:gridCol>
-                <a:gridCol w="298001">
+                <a:gridCol w="292702">
                   <a:extLst>
                     <a:ext uri="{9D8B030D-6E8A-4147-A177-3AD203B41FA5}">
-                      <a16:colId xmlns:a16="http://schemas.microsoft.com/office/drawing/2014/main" val="742643378"/>
+                      <a16:colId xmlns:a16="http://schemas.microsoft.com/office/drawing/2014/main" val="2686727369"/>
                     </a:ext>
                   </a:extLst>
                 </a:gridCol>
-                <a:gridCol w="278774">
+                <a:gridCol w="273190">
                   <a:extLst>
                     <a:ext uri="{9D8B030D-6E8A-4147-A177-3AD203B41FA5}">
-                      <a16:colId xmlns:a16="http://schemas.microsoft.com/office/drawing/2014/main" val="2481950477"/>
+                      <a16:colId xmlns:a16="http://schemas.microsoft.com/office/drawing/2014/main" val="1515436703"/>
                     </a:ext>
                   </a:extLst>
                 </a:gridCol>
-                <a:gridCol w="278774">
+                <a:gridCol w="273190">
                   <a:extLst>
                     <a:ext uri="{9D8B030D-6E8A-4147-A177-3AD203B41FA5}">
-                      <a16:colId xmlns:a16="http://schemas.microsoft.com/office/drawing/2014/main" val="269930746"/>
+                      <a16:colId xmlns:a16="http://schemas.microsoft.com/office/drawing/2014/main" val="3036744634"/>
                     </a:ext>
                   </a:extLst>
                 </a:gridCol>
-                <a:gridCol w="278774">
+                <a:gridCol w="273190">
                   <a:extLst>
                     <a:ext uri="{9D8B030D-6E8A-4147-A177-3AD203B41FA5}">
-                      <a16:colId xmlns:a16="http://schemas.microsoft.com/office/drawing/2014/main" val="3701993880"/>
+                      <a16:colId xmlns:a16="http://schemas.microsoft.com/office/drawing/2014/main" val="626197233"/>
                     </a:ext>
                   </a:extLst>
                 </a:gridCol>
-                <a:gridCol w="269162">
+                <a:gridCol w="273190">
                   <a:extLst>
                     <a:ext uri="{9D8B030D-6E8A-4147-A177-3AD203B41FA5}">
-                      <a16:colId xmlns:a16="http://schemas.microsoft.com/office/drawing/2014/main" val="1059200761"/>
+                      <a16:colId xmlns:a16="http://schemas.microsoft.com/office/drawing/2014/main" val="557632877"/>
                     </a:ext>
                   </a:extLst>
                 </a:gridCol>
-                <a:gridCol w="259548">
+                <a:gridCol w="282946">
                   <a:extLst>
                     <a:ext uri="{9D8B030D-6E8A-4147-A177-3AD203B41FA5}">
-                      <a16:colId xmlns:a16="http://schemas.microsoft.com/office/drawing/2014/main" val="367143621"/>
+                      <a16:colId xmlns:a16="http://schemas.microsoft.com/office/drawing/2014/main" val="715748641"/>
                     </a:ext>
                   </a:extLst>
                 </a:gridCol>
-                <a:gridCol w="269162">
+                <a:gridCol w="285384">
                   <a:extLst>
                     <a:ext uri="{9D8B030D-6E8A-4147-A177-3AD203B41FA5}">
-                      <a16:colId xmlns:a16="http://schemas.microsoft.com/office/drawing/2014/main" val="1219655695"/>
+                      <a16:colId xmlns:a16="http://schemas.microsoft.com/office/drawing/2014/main" val="901129153"/>
                     </a:ext>
                   </a:extLst>
                 </a:gridCol>
-                <a:gridCol w="269162">
+                <a:gridCol w="263432">
                   <a:extLst>
                     <a:ext uri="{9D8B030D-6E8A-4147-A177-3AD203B41FA5}">
-                      <a16:colId xmlns:a16="http://schemas.microsoft.com/office/drawing/2014/main" val="3323357408"/>
+                      <a16:colId xmlns:a16="http://schemas.microsoft.com/office/drawing/2014/main" val="4076364238"/>
                     </a:ext>
                   </a:extLst>
                 </a:gridCol>
-                <a:gridCol w="298001">
+                <a:gridCol w="292702">
                   <a:extLst>
                     <a:ext uri="{9D8B030D-6E8A-4147-A177-3AD203B41FA5}">
-                      <a16:colId xmlns:a16="http://schemas.microsoft.com/office/drawing/2014/main" val="1049057074"/>
+                      <a16:colId xmlns:a16="http://schemas.microsoft.com/office/drawing/2014/main" val="1868366216"/>
                     </a:ext>
                   </a:extLst>
                 </a:gridCol>
-                <a:gridCol w="298001">
+                <a:gridCol w="292702">
                   <a:extLst>
                     <a:ext uri="{9D8B030D-6E8A-4147-A177-3AD203B41FA5}">
-                      <a16:colId xmlns:a16="http://schemas.microsoft.com/office/drawing/2014/main" val="3115975596"/>
+                      <a16:colId xmlns:a16="http://schemas.microsoft.com/office/drawing/2014/main" val="2401974677"/>
                     </a:ext>
                   </a:extLst>
                 </a:gridCol>
-                <a:gridCol w="269162">
+                <a:gridCol w="263432">
                   <a:extLst>
                     <a:ext uri="{9D8B030D-6E8A-4147-A177-3AD203B41FA5}">
-                      <a16:colId xmlns:a16="http://schemas.microsoft.com/office/drawing/2014/main" val="3624268611"/>
+                      <a16:colId xmlns:a16="http://schemas.microsoft.com/office/drawing/2014/main" val="33977456"/>
                     </a:ext>
                   </a:extLst>
                 </a:gridCol>
-                <a:gridCol w="298001">
+                <a:gridCol w="292702">
                   <a:extLst>
                     <a:ext uri="{9D8B030D-6E8A-4147-A177-3AD203B41FA5}">
-                      <a16:colId xmlns:a16="http://schemas.microsoft.com/office/drawing/2014/main" val="1772848321"/>
+                      <a16:colId xmlns:a16="http://schemas.microsoft.com/office/drawing/2014/main" val="4193693568"/>
                     </a:ext>
                   </a:extLst>
                 </a:gridCol>
-                <a:gridCol w="298001">
+                <a:gridCol w="292702">
                   <a:extLst>
                     <a:ext uri="{9D8B030D-6E8A-4147-A177-3AD203B41FA5}">
-                      <a16:colId xmlns:a16="http://schemas.microsoft.com/office/drawing/2014/main" val="4291533980"/>
+                      <a16:colId xmlns:a16="http://schemas.microsoft.com/office/drawing/2014/main" val="2875927143"/>
                     </a:ext>
                   </a:extLst>
                 </a:gridCol>
-                <a:gridCol w="288387">
+                <a:gridCol w="285384">
                   <a:extLst>
                     <a:ext uri="{9D8B030D-6E8A-4147-A177-3AD203B41FA5}">
-                      <a16:colId xmlns:a16="http://schemas.microsoft.com/office/drawing/2014/main" val="1928930185"/>
+                      <a16:colId xmlns:a16="http://schemas.microsoft.com/office/drawing/2014/main" val="1091991429"/>
                     </a:ext>
                   </a:extLst>
                 </a:gridCol>
-                <a:gridCol w="278774">
+                <a:gridCol w="282946">
                   <a:extLst>
                     <a:ext uri="{9D8B030D-6E8A-4147-A177-3AD203B41FA5}">
-                      <a16:colId xmlns:a16="http://schemas.microsoft.com/office/drawing/2014/main" val="2782743258"/>
+                      <a16:colId xmlns:a16="http://schemas.microsoft.com/office/drawing/2014/main" val="3463251027"/>
                     </a:ext>
                   </a:extLst>
                 </a:gridCol>
-                <a:gridCol w="278774">
+                <a:gridCol w="282946">
                   <a:extLst>
                     <a:ext uri="{9D8B030D-6E8A-4147-A177-3AD203B41FA5}">
-                      <a16:colId xmlns:a16="http://schemas.microsoft.com/office/drawing/2014/main" val="3958910043"/>
+                      <a16:colId xmlns:a16="http://schemas.microsoft.com/office/drawing/2014/main" val="1210540223"/>
                     </a:ext>
                   </a:extLst>
                 </a:gridCol>
-                <a:gridCol w="269162">
+                <a:gridCol w="273190">
                   <a:extLst>
                     <a:ext uri="{9D8B030D-6E8A-4147-A177-3AD203B41FA5}">
-                      <a16:colId xmlns:a16="http://schemas.microsoft.com/office/drawing/2014/main" val="2077173251"/>
+                      <a16:colId xmlns:a16="http://schemas.microsoft.com/office/drawing/2014/main" val="1270151784"/>
                     </a:ext>
                   </a:extLst>
                 </a:gridCol>
-                <a:gridCol w="278774">
+                <a:gridCol w="273190">
                   <a:extLst>
                     <a:ext uri="{9D8B030D-6E8A-4147-A177-3AD203B41FA5}">
-                      <a16:colId xmlns:a16="http://schemas.microsoft.com/office/drawing/2014/main" val="569648662"/>
+                      <a16:colId xmlns:a16="http://schemas.microsoft.com/office/drawing/2014/main" val="2733995476"/>
                     </a:ext>
                   </a:extLst>
                 </a:gridCol>
-                <a:gridCol w="278774">
+                <a:gridCol w="273190">
                   <a:extLst>
                     <a:ext uri="{9D8B030D-6E8A-4147-A177-3AD203B41FA5}">
-                      <a16:colId xmlns:a16="http://schemas.microsoft.com/office/drawing/2014/main" val="2049296927"/>
+                      <a16:colId xmlns:a16="http://schemas.microsoft.com/office/drawing/2014/main" val="3357460089"/>
                     </a:ext>
                   </a:extLst>
                 </a:gridCol>
-                <a:gridCol w="298001">
+                <a:gridCol w="292702">
                   <a:extLst>
                     <a:ext uri="{9D8B030D-6E8A-4147-A177-3AD203B41FA5}">
-                      <a16:colId xmlns:a16="http://schemas.microsoft.com/office/drawing/2014/main" val="2650189725"/>
+                      <a16:colId xmlns:a16="http://schemas.microsoft.com/office/drawing/2014/main" val="3793077915"/>
                     </a:ext>
                   </a:extLst>
                 </a:gridCol>
-                <a:gridCol w="298001">
+                <a:gridCol w="292702">
                   <a:extLst>
                     <a:ext uri="{9D8B030D-6E8A-4147-A177-3AD203B41FA5}">
-                      <a16:colId xmlns:a16="http://schemas.microsoft.com/office/drawing/2014/main" val="3214122268"/>
+                      <a16:colId xmlns:a16="http://schemas.microsoft.com/office/drawing/2014/main" val="1298752414"/>
                     </a:ext>
                   </a:extLst>
                 </a:gridCol>
-                <a:gridCol w="278774">
+                <a:gridCol w="282946">
                   <a:extLst>
                     <a:ext uri="{9D8B030D-6E8A-4147-A177-3AD203B41FA5}">
-                      <a16:colId xmlns:a16="http://schemas.microsoft.com/office/drawing/2014/main" val="914840283"/>
+                      <a16:colId xmlns:a16="http://schemas.microsoft.com/office/drawing/2014/main" val="2660285361"/>
                     </a:ext>
                   </a:extLst>
                 </a:gridCol>
-                <a:gridCol w="278774">
+                <a:gridCol w="282946">
                   <a:extLst>
                     <a:ext uri="{9D8B030D-6E8A-4147-A177-3AD203B41FA5}">
-                      <a16:colId xmlns:a16="http://schemas.microsoft.com/office/drawing/2014/main" val="1347468842"/>
+                      <a16:colId xmlns:a16="http://schemas.microsoft.com/office/drawing/2014/main" val="4243955434"/>
                     </a:ext>
                   </a:extLst>
                 </a:gridCol>
-                <a:gridCol w="298001">
+                <a:gridCol w="292702">
                   <a:extLst>
                     <a:ext uri="{9D8B030D-6E8A-4147-A177-3AD203B41FA5}">
-                      <a16:colId xmlns:a16="http://schemas.microsoft.com/office/drawing/2014/main" val="3976355295"/>
+                      <a16:colId xmlns:a16="http://schemas.microsoft.com/office/drawing/2014/main" val="2247172721"/>
                     </a:ext>
                   </a:extLst>
                 </a:gridCol>
-                <a:gridCol w="298001">
+                <a:gridCol w="292702">
                   <a:extLst>
                     <a:ext uri="{9D8B030D-6E8A-4147-A177-3AD203B41FA5}">
-                      <a16:colId xmlns:a16="http://schemas.microsoft.com/office/drawing/2014/main" val="1728525738"/>
+                      <a16:colId xmlns:a16="http://schemas.microsoft.com/office/drawing/2014/main" val="2829214885"/>
                     </a:ext>
                   </a:extLst>
                 </a:gridCol>
-                <a:gridCol w="307614">
+                <a:gridCol w="312216">
                   <a:extLst>
                     <a:ext uri="{9D8B030D-6E8A-4147-A177-3AD203B41FA5}">
-                      <a16:colId xmlns:a16="http://schemas.microsoft.com/office/drawing/2014/main" val="2426771294"/>
+                      <a16:colId xmlns:a16="http://schemas.microsoft.com/office/drawing/2014/main" val="3465261549"/>
                     </a:ext>
                   </a:extLst>
                 </a:gridCol>
-                <a:gridCol w="307614">
+                <a:gridCol w="312216">
                   <a:extLst>
                     <a:ext uri="{9D8B030D-6E8A-4147-A177-3AD203B41FA5}">
-                      <a16:colId xmlns:a16="http://schemas.microsoft.com/office/drawing/2014/main" val="2624481065"/>
+                      <a16:colId xmlns:a16="http://schemas.microsoft.com/office/drawing/2014/main" val="286895006"/>
                     </a:ext>
                   </a:extLst>
                 </a:gridCol>
               </a:tblGrid>
-              <a:tr h="201460">
+              <a:tr h="200265">
                 <a:tc>
                   <a:txBody>
                     <a:bodyPr/>
@@ -7006,7 +7149,7 @@
                       </a:endParaRPr>
                     </a:p>
                   </a:txBody>
-                  <a:tcPr marL="5394" marR="5394" marT="5394" marB="0" anchor="b">
+                  <a:tcPr marL="6825" marR="6825" marT="6825" marB="0" anchor="b">
                     <a:lnL>
                       <a:noFill/>
                     </a:lnL>
@@ -7039,7 +7182,7 @@
                       </a:r>
                     </a:p>
                   </a:txBody>
-                  <a:tcPr marL="5394" marR="5394" marT="5394" marB="0" anchor="b">
+                  <a:tcPr marL="6825" marR="6825" marT="6825" marB="0" anchor="b">
                     <a:lnL>
                       <a:noFill/>
                     </a:lnL>
@@ -7078,7 +7221,7 @@
                       </a:r>
                     </a:p>
                   </a:txBody>
-                  <a:tcPr marL="5394" marR="5394" marT="5394" marB="0" anchor="b">
+                  <a:tcPr marL="6825" marR="6825" marT="6825" marB="0" anchor="b">
                     <a:lnL w="12700" cap="flat" cmpd="sng" algn="ctr">
                       <a:solidFill>
                         <a:srgbClr val="000000"/>
@@ -7429,11 +7572,11 @@
                 </a:tc>
                 <a:extLst>
                   <a:ext uri="{0D108BD9-81ED-4DB2-BD59-A6C34878D82A}">
-                    <a16:rowId xmlns:a16="http://schemas.microsoft.com/office/drawing/2014/main" val="2493132493"/>
+                    <a16:rowId xmlns:a16="http://schemas.microsoft.com/office/drawing/2014/main" val="1643671496"/>
                   </a:ext>
                 </a:extLst>
               </a:tr>
-              <a:tr h="201460">
+              <a:tr h="200265">
                 <a:tc>
                   <a:txBody>
                     <a:bodyPr/>
@@ -7449,7 +7592,7 @@
                       </a:endParaRPr>
                     </a:p>
                   </a:txBody>
-                  <a:tcPr marL="5394" marR="5394" marT="5394" marB="0" anchor="b">
+                  <a:tcPr marL="6825" marR="6825" marT="6825" marB="0" anchor="b">
                     <a:lnL>
                       <a:noFill/>
                     </a:lnL>
@@ -7482,7 +7625,7 @@
                       </a:r>
                     </a:p>
                   </a:txBody>
-                  <a:tcPr marL="5394" marR="5394" marT="5394" marB="0" anchor="b">
+                  <a:tcPr marL="6825" marR="6825" marT="6825" marB="0" anchor="b">
                     <a:lnL>
                       <a:noFill/>
                     </a:lnL>
@@ -7521,7 +7664,7 @@
                       </a:r>
                     </a:p>
                   </a:txBody>
-                  <a:tcPr marL="5394" marR="5394" marT="5394" marB="0" anchor="ctr">
+                  <a:tcPr marL="6825" marR="6825" marT="6825" marB="0" anchor="ctr">
                     <a:lnL w="12700" cap="flat" cmpd="sng" algn="ctr">
                       <a:solidFill>
                         <a:srgbClr val="000000"/>
@@ -7608,7 +7751,7 @@
                       </a:r>
                     </a:p>
                   </a:txBody>
-                  <a:tcPr marL="5394" marR="5394" marT="5394" marB="0" anchor="b">
+                  <a:tcPr marL="6825" marR="6825" marT="6825" marB="0" anchor="b">
                     <a:lnL w="12700" cap="flat" cmpd="sng" algn="ctr">
                       <a:solidFill>
                         <a:srgbClr val="000000"/>
@@ -7795,7 +7938,7 @@
                       </a:r>
                     </a:p>
                   </a:txBody>
-                  <a:tcPr marL="5394" marR="5394" marT="5394" marB="0" anchor="b">
+                  <a:tcPr marL="6825" marR="6825" marT="6825" marB="0" anchor="b">
                     <a:lnL w="12700" cap="flat" cmpd="sng" algn="ctr">
                       <a:solidFill>
                         <a:srgbClr val="000000"/>
@@ -7966,11 +8109,11 @@
                 </a:tc>
                 <a:extLst>
                   <a:ext uri="{0D108BD9-81ED-4DB2-BD59-A6C34878D82A}">
-                    <a16:rowId xmlns:a16="http://schemas.microsoft.com/office/drawing/2014/main" val="970080208"/>
+                    <a16:rowId xmlns:a16="http://schemas.microsoft.com/office/drawing/2014/main" val="2909476051"/>
                   </a:ext>
                 </a:extLst>
               </a:tr>
-              <a:tr h="209854">
+              <a:tr h="200265">
                 <a:tc>
                   <a:txBody>
                     <a:bodyPr/>
@@ -7989,7 +8132,7 @@
                       </a:r>
                     </a:p>
                   </a:txBody>
-                  <a:tcPr marL="5394" marR="5394" marT="5394" marB="0" anchor="b">
+                  <a:tcPr marL="6825" marR="6825" marT="6825" marB="0" anchor="b">
                     <a:lnL>
                       <a:noFill/>
                     </a:lnL>
@@ -8028,7 +8171,7 @@
                       </a:r>
                     </a:p>
                   </a:txBody>
-                  <a:tcPr marL="5394" marR="5394" marT="5394" marB="0" anchor="b">
+                  <a:tcPr marL="6825" marR="6825" marT="6825" marB="0" anchor="b">
                     <a:lnL>
                       <a:noFill/>
                     </a:lnL>
@@ -8113,7 +8256,7 @@
                       </a:r>
                     </a:p>
                   </a:txBody>
-                  <a:tcPr marL="5394" marR="5394" marT="5394" marB="0" anchor="b">
+                  <a:tcPr marL="6825" marR="6825" marT="6825" marB="0" anchor="b">
                     <a:lnL w="12700" cap="flat" cmpd="sng" algn="ctr">
                       <a:solidFill>
                         <a:srgbClr val="000000"/>
@@ -8180,7 +8323,7 @@
                       </a:r>
                     </a:p>
                   </a:txBody>
-                  <a:tcPr marL="5394" marR="5394" marT="5394" marB="0" anchor="b">
+                  <a:tcPr marL="6825" marR="6825" marT="6825" marB="0" anchor="b">
                     <a:lnL w="6350" cap="flat" cmpd="sng" algn="ctr">
                       <a:solidFill>
                         <a:srgbClr val="000000"/>
@@ -8247,7 +8390,7 @@
                       </a:r>
                     </a:p>
                   </a:txBody>
-                  <a:tcPr marL="5394" marR="5394" marT="5394" marB="0" anchor="b">
+                  <a:tcPr marL="6825" marR="6825" marT="6825" marB="0" anchor="b">
                     <a:lnL w="6350" cap="flat" cmpd="sng" algn="ctr">
                       <a:solidFill>
                         <a:srgbClr val="000000"/>
@@ -8314,7 +8457,7 @@
                       </a:r>
                     </a:p>
                   </a:txBody>
-                  <a:tcPr marL="5394" marR="5394" marT="5394" marB="0" anchor="b">
+                  <a:tcPr marL="6825" marR="6825" marT="6825" marB="0" anchor="b">
                     <a:lnL w="6350" cap="flat" cmpd="sng" algn="ctr">
                       <a:solidFill>
                         <a:srgbClr val="000000"/>
@@ -8381,7 +8524,7 @@
                       </a:r>
                     </a:p>
                   </a:txBody>
-                  <a:tcPr marL="5394" marR="5394" marT="5394" marB="0" anchor="b">
+                  <a:tcPr marL="6825" marR="6825" marT="6825" marB="0" anchor="b">
                     <a:lnL w="6350" cap="flat" cmpd="sng" algn="ctr">
                       <a:solidFill>
                         <a:srgbClr val="000000"/>
@@ -8438,7 +8581,7 @@
                       </a:r>
                     </a:p>
                   </a:txBody>
-                  <a:tcPr marL="5394" marR="5394" marT="5394" marB="0" anchor="b">
+                  <a:tcPr marL="6825" marR="6825" marT="6825" marB="0" anchor="b">
                     <a:lnL w="6350" cap="flat" cmpd="sng" algn="ctr">
                       <a:solidFill>
                         <a:srgbClr val="000000"/>
@@ -8505,7 +8648,7 @@
                       </a:r>
                     </a:p>
                   </a:txBody>
-                  <a:tcPr marL="5394" marR="5394" marT="5394" marB="0" anchor="b">
+                  <a:tcPr marL="6825" marR="6825" marT="6825" marB="0" anchor="b">
                     <a:lnL w="6350" cap="flat" cmpd="sng" algn="ctr">
                       <a:solidFill>
                         <a:srgbClr val="000000"/>
@@ -8562,7 +8705,7 @@
                       </a:r>
                     </a:p>
                   </a:txBody>
-                  <a:tcPr marL="5394" marR="5394" marT="5394" marB="0" anchor="b">
+                  <a:tcPr marL="6825" marR="6825" marT="6825" marB="0" anchor="b">
                     <a:lnL w="6350" cap="flat" cmpd="sng" algn="ctr">
                       <a:solidFill>
                         <a:srgbClr val="000000"/>
@@ -8629,7 +8772,7 @@
                       </a:r>
                     </a:p>
                   </a:txBody>
-                  <a:tcPr marL="5394" marR="5394" marT="5394" marB="0" anchor="b">
+                  <a:tcPr marL="6825" marR="6825" marT="6825" marB="0" anchor="b">
                     <a:lnL w="12700" cap="flat" cmpd="sng" algn="ctr">
                       <a:solidFill>
                         <a:srgbClr val="000000"/>
@@ -8686,7 +8829,7 @@
                       </a:r>
                     </a:p>
                   </a:txBody>
-                  <a:tcPr marL="5394" marR="5394" marT="5394" marB="0" anchor="ctr">
+                  <a:tcPr marL="6825" marR="6825" marT="6825" marB="0" anchor="ctr">
                     <a:lnL w="6350" cap="flat" cmpd="sng" algn="ctr">
                       <a:solidFill>
                         <a:srgbClr val="000000"/>
@@ -8753,7 +8896,7 @@
                       </a:r>
                     </a:p>
                   </a:txBody>
-                  <a:tcPr marL="5394" marR="5394" marT="5394" marB="0" anchor="ctr">
+                  <a:tcPr marL="6825" marR="6825" marT="6825" marB="0" anchor="ctr">
                     <a:lnL w="6350" cap="flat" cmpd="sng" algn="ctr">
                       <a:solidFill>
                         <a:srgbClr val="000000"/>
@@ -8810,7 +8953,7 @@
                       </a:r>
                     </a:p>
                   </a:txBody>
-                  <a:tcPr marL="5394" marR="5394" marT="5394" marB="0" anchor="ctr">
+                  <a:tcPr marL="6825" marR="6825" marT="6825" marB="0" anchor="ctr">
                     <a:lnL w="6350" cap="flat" cmpd="sng" algn="ctr">
                       <a:solidFill>
                         <a:srgbClr val="000000"/>
@@ -8877,7 +9020,7 @@
                       </a:r>
                     </a:p>
                   </a:txBody>
-                  <a:tcPr marL="5394" marR="5394" marT="5394" marB="0" anchor="ctr">
+                  <a:tcPr marL="6825" marR="6825" marT="6825" marB="0" anchor="ctr">
                     <a:lnL w="6350" cap="flat" cmpd="sng" algn="ctr">
                       <a:solidFill>
                         <a:srgbClr val="000000"/>
@@ -8944,7 +9087,7 @@
                       </a:r>
                     </a:p>
                   </a:txBody>
-                  <a:tcPr marL="5394" marR="5394" marT="5394" marB="0" anchor="ctr">
+                  <a:tcPr marL="6825" marR="6825" marT="6825" marB="0" anchor="ctr">
                     <a:lnL w="6350" cap="flat" cmpd="sng" algn="ctr">
                       <a:solidFill>
                         <a:srgbClr val="000000"/>
@@ -9011,7 +9154,7 @@
                       </a:r>
                     </a:p>
                   </a:txBody>
-                  <a:tcPr marL="5394" marR="5394" marT="5394" marB="0" anchor="ctr">
+                  <a:tcPr marL="6825" marR="6825" marT="6825" marB="0" anchor="ctr">
                     <a:lnL w="6350" cap="flat" cmpd="sng" algn="ctr">
                       <a:solidFill>
                         <a:srgbClr val="000000"/>
@@ -9078,7 +9221,7 @@
                       </a:r>
                     </a:p>
                   </a:txBody>
-                  <a:tcPr marL="5394" marR="5394" marT="5394" marB="0" anchor="ctr">
+                  <a:tcPr marL="6825" marR="6825" marT="6825" marB="0" anchor="ctr">
                     <a:lnL w="6350" cap="flat" cmpd="sng" algn="ctr">
                       <a:solidFill>
                         <a:srgbClr val="000000"/>
@@ -9129,11 +9272,11 @@
                 </a:tc>
                 <a:extLst>
                   <a:ext uri="{0D108BD9-81ED-4DB2-BD59-A6C34878D82A}">
-                    <a16:rowId xmlns:a16="http://schemas.microsoft.com/office/drawing/2014/main" val="2981257704"/>
+                    <a16:rowId xmlns:a16="http://schemas.microsoft.com/office/drawing/2014/main" val="911043731"/>
                   </a:ext>
                 </a:extLst>
               </a:tr>
-              <a:tr h="1410223">
+              <a:tr h="1602117">
                 <a:tc>
                   <a:txBody>
                     <a:bodyPr/>
@@ -9152,7 +9295,7 @@
                       </a:r>
                     </a:p>
                   </a:txBody>
-                  <a:tcPr marL="5394" marR="5394" marT="5394" marB="0" anchor="b">
+                  <a:tcPr marL="6825" marR="6825" marT="6825" marB="0" anchor="b">
                     <a:lnL w="12700" cap="flat" cmpd="sng" algn="ctr">
                       <a:solidFill>
                         <a:srgbClr val="000000"/>
@@ -9203,7 +9346,7 @@
                       </a:r>
                     </a:p>
                   </a:txBody>
-                  <a:tcPr marL="5394" marR="5394" marT="5394" marB="0" anchor="b">
+                  <a:tcPr marL="6825" marR="6825" marT="6825" marB="0" anchor="b">
                     <a:lnL>
                       <a:noFill/>
                     </a:lnL>
@@ -9254,7 +9397,7 @@
                       </a:r>
                     </a:p>
                   </a:txBody>
-                  <a:tcPr marL="5394" marR="5394" marT="5394" marB="0" anchor="ctr">
+                  <a:tcPr marL="6825" marR="6825" marT="6825" marB="0" anchor="ctr">
                     <a:lnL w="12700" cap="flat" cmpd="sng" algn="ctr">
                       <a:solidFill>
                         <a:srgbClr val="000000"/>
@@ -9311,7 +9454,7 @@
                       </a:r>
                     </a:p>
                   </a:txBody>
-                  <a:tcPr marL="5394" marR="5394" marT="5394" marB="0" anchor="ctr">
+                  <a:tcPr marL="6825" marR="6825" marT="6825" marB="0" anchor="ctr">
                     <a:lnL w="6350" cap="flat" cmpd="sng" algn="ctr">
                       <a:solidFill>
                         <a:srgbClr val="000000"/>
@@ -9368,7 +9511,7 @@
                       </a:r>
                     </a:p>
                   </a:txBody>
-                  <a:tcPr marL="5394" marR="5394" marT="5394" marB="0" anchor="ctr">
+                  <a:tcPr marL="6825" marR="6825" marT="6825" marB="0" anchor="ctr">
                     <a:lnL w="6350" cap="flat" cmpd="sng" algn="ctr">
                       <a:solidFill>
                         <a:srgbClr val="000000"/>
@@ -9425,7 +9568,7 @@
                       </a:r>
                     </a:p>
                   </a:txBody>
-                  <a:tcPr marL="5394" marR="5394" marT="5394" marB="0" anchor="ctr">
+                  <a:tcPr marL="6825" marR="6825" marT="6825" marB="0" anchor="ctr">
                     <a:lnL w="6350" cap="flat" cmpd="sng" algn="ctr">
                       <a:solidFill>
                         <a:srgbClr val="000000"/>
@@ -9482,7 +9625,7 @@
                       </a:r>
                     </a:p>
                   </a:txBody>
-                  <a:tcPr marL="5394" marR="5394" marT="5394" marB="0" anchor="ctr">
+                  <a:tcPr marL="6825" marR="6825" marT="6825" marB="0" anchor="ctr">
                     <a:lnL w="12700" cap="flat" cmpd="sng" algn="ctr">
                       <a:solidFill>
                         <a:srgbClr val="000000"/>
@@ -9542,7 +9685,7 @@
                       </a:r>
                     </a:p>
                   </a:txBody>
-                  <a:tcPr marL="5394" marR="5394" marT="5394" marB="0" anchor="ctr">
+                  <a:tcPr marL="6825" marR="6825" marT="6825" marB="0" anchor="ctr">
                     <a:lnL w="6350" cap="flat" cmpd="sng" algn="ctr">
                       <a:solidFill>
                         <a:srgbClr val="000000"/>
@@ -9599,7 +9742,7 @@
                       </a:r>
                     </a:p>
                   </a:txBody>
-                  <a:tcPr marL="5394" marR="5394" marT="5394" marB="0" anchor="ctr">
+                  <a:tcPr marL="6825" marR="6825" marT="6825" marB="0" anchor="ctr">
                     <a:lnL w="6350" cap="flat" cmpd="sng" algn="ctr">
                       <a:solidFill>
                         <a:srgbClr val="000000"/>
@@ -9659,7 +9802,7 @@
                       </a:r>
                     </a:p>
                   </a:txBody>
-                  <a:tcPr marL="5394" marR="5394" marT="5394" marB="0" anchor="ctr">
+                  <a:tcPr marL="6825" marR="6825" marT="6825" marB="0" anchor="ctr">
                     <a:lnL w="6350" cap="flat" cmpd="sng" algn="ctr">
                       <a:solidFill>
                         <a:srgbClr val="000000"/>
@@ -9716,7 +9859,7 @@
                       </a:r>
                     </a:p>
                   </a:txBody>
-                  <a:tcPr marL="5394" marR="5394" marT="5394" marB="0" anchor="ctr">
+                  <a:tcPr marL="6825" marR="6825" marT="6825" marB="0" anchor="ctr">
                     <a:lnL w="6350" cap="flat" cmpd="sng" algn="ctr">
                       <a:solidFill>
                         <a:srgbClr val="000000"/>
@@ -9776,7 +9919,7 @@
                       </a:r>
                     </a:p>
                   </a:txBody>
-                  <a:tcPr marL="5394" marR="5394" marT="5394" marB="0" anchor="ctr">
+                  <a:tcPr marL="6825" marR="6825" marT="6825" marB="0" anchor="ctr">
                     <a:lnL w="6350" cap="flat" cmpd="sng" algn="ctr">
                       <a:solidFill>
                         <a:srgbClr val="000000"/>
@@ -9833,7 +9976,7 @@
                       </a:r>
                     </a:p>
                   </a:txBody>
-                  <a:tcPr marL="5394" marR="5394" marT="5394" marB="0" anchor="ctr">
+                  <a:tcPr marL="6825" marR="6825" marT="6825" marB="0" anchor="ctr">
                     <a:lnL w="6350" cap="flat" cmpd="sng" algn="ctr">
                       <a:solidFill>
                         <a:srgbClr val="000000"/>
@@ -9893,7 +10036,7 @@
                       </a:r>
                     </a:p>
                   </a:txBody>
-                  <a:tcPr marL="5394" marR="5394" marT="5394" marB="0" anchor="ctr">
+                  <a:tcPr marL="6825" marR="6825" marT="6825" marB="0" anchor="ctr">
                     <a:lnL w="6350" cap="flat" cmpd="sng" algn="ctr">
                       <a:solidFill>
                         <a:srgbClr val="000000"/>
@@ -9950,7 +10093,7 @@
                       </a:r>
                     </a:p>
                   </a:txBody>
-                  <a:tcPr marL="5394" marR="5394" marT="5394" marB="0" anchor="ctr">
+                  <a:tcPr marL="6825" marR="6825" marT="6825" marB="0" anchor="ctr">
                     <a:lnL w="6350" cap="flat" cmpd="sng" algn="ctr">
                       <a:solidFill>
                         <a:srgbClr val="000000"/>
@@ -10007,7 +10150,7 @@
                       </a:r>
                     </a:p>
                   </a:txBody>
-                  <a:tcPr marL="5394" marR="5394" marT="5394" marB="0" anchor="ctr">
+                  <a:tcPr marL="6825" marR="6825" marT="6825" marB="0" anchor="ctr">
                     <a:lnL w="6350" cap="flat" cmpd="sng" algn="ctr">
                       <a:solidFill>
                         <a:srgbClr val="000000"/>
@@ -10067,7 +10210,7 @@
                       </a:r>
                     </a:p>
                   </a:txBody>
-                  <a:tcPr marL="5394" marR="5394" marT="5394" marB="0" anchor="ctr">
+                  <a:tcPr marL="6825" marR="6825" marT="6825" marB="0" anchor="ctr">
                     <a:lnL w="6350" cap="flat" cmpd="sng" algn="ctr">
                       <a:solidFill>
                         <a:srgbClr val="000000"/>
@@ -10124,7 +10267,7 @@
                       </a:r>
                     </a:p>
                   </a:txBody>
-                  <a:tcPr marL="5394" marR="5394" marT="5394" marB="0" anchor="ctr">
+                  <a:tcPr marL="6825" marR="6825" marT="6825" marB="0" anchor="ctr">
                     <a:lnL w="6350" cap="flat" cmpd="sng" algn="ctr">
                       <a:solidFill>
                         <a:srgbClr val="000000"/>
@@ -10184,7 +10327,7 @@
                       </a:r>
                     </a:p>
                   </a:txBody>
-                  <a:tcPr marL="5394" marR="5394" marT="5394" marB="0" anchor="ctr">
+                  <a:tcPr marL="6825" marR="6825" marT="6825" marB="0" anchor="ctr">
                     <a:lnL w="6350" cap="flat" cmpd="sng" algn="ctr">
                       <a:solidFill>
                         <a:srgbClr val="000000"/>
@@ -10241,7 +10384,7 @@
                       </a:r>
                     </a:p>
                   </a:txBody>
-                  <a:tcPr marL="5394" marR="5394" marT="5394" marB="0" anchor="ctr">
+                  <a:tcPr marL="6825" marR="6825" marT="6825" marB="0" anchor="ctr">
                     <a:lnL w="6350" cap="flat" cmpd="sng" algn="ctr">
                       <a:solidFill>
                         <a:srgbClr val="000000"/>
@@ -10301,7 +10444,7 @@
                       </a:r>
                     </a:p>
                   </a:txBody>
-                  <a:tcPr marL="5394" marR="5394" marT="5394" marB="0" anchor="ctr">
+                  <a:tcPr marL="6825" marR="6825" marT="6825" marB="0" anchor="ctr">
                     <a:lnL w="12700" cap="flat" cmpd="sng" algn="ctr">
                       <a:solidFill>
                         <a:srgbClr val="000000"/>
@@ -10358,7 +10501,7 @@
                       </a:r>
                     </a:p>
                   </a:txBody>
-                  <a:tcPr marL="5394" marR="5394" marT="5394" marB="0" anchor="ctr">
+                  <a:tcPr marL="6825" marR="6825" marT="6825" marB="0" anchor="ctr">
                     <a:lnL w="6350" cap="flat" cmpd="sng" algn="ctr">
                       <a:solidFill>
                         <a:srgbClr val="000000"/>
@@ -10418,7 +10561,7 @@
                       </a:r>
                     </a:p>
                   </a:txBody>
-                  <a:tcPr marL="5394" marR="5394" marT="5394" marB="0" anchor="ctr">
+                  <a:tcPr marL="6825" marR="6825" marT="6825" marB="0" anchor="ctr">
                     <a:lnL w="6350" cap="flat" cmpd="sng" algn="ctr">
                       <a:solidFill>
                         <a:srgbClr val="000000"/>
@@ -10475,7 +10618,7 @@
                       </a:r>
                     </a:p>
                   </a:txBody>
-                  <a:tcPr marL="5394" marR="5394" marT="5394" marB="0" anchor="ctr">
+                  <a:tcPr marL="6825" marR="6825" marT="6825" marB="0" anchor="ctr">
                     <a:lnL w="6350" cap="flat" cmpd="sng" algn="ctr">
                       <a:solidFill>
                         <a:srgbClr val="000000"/>
@@ -10532,7 +10675,7 @@
                       </a:r>
                     </a:p>
                   </a:txBody>
-                  <a:tcPr marL="5394" marR="5394" marT="5394" marB="0" anchor="ctr">
+                  <a:tcPr marL="6825" marR="6825" marT="6825" marB="0" anchor="ctr">
                     <a:lnL w="6350" cap="flat" cmpd="sng" algn="ctr">
                       <a:solidFill>
                         <a:srgbClr val="000000"/>
@@ -10592,7 +10735,7 @@
                       </a:r>
                     </a:p>
                   </a:txBody>
-                  <a:tcPr marL="5394" marR="5394" marT="5394" marB="0" anchor="ctr">
+                  <a:tcPr marL="6825" marR="6825" marT="6825" marB="0" anchor="ctr">
                     <a:lnL w="6350" cap="flat" cmpd="sng" algn="ctr">
                       <a:solidFill>
                         <a:srgbClr val="000000"/>
@@ -10649,7 +10792,7 @@
                       </a:r>
                     </a:p>
                   </a:txBody>
-                  <a:tcPr marL="5394" marR="5394" marT="5394" marB="0" anchor="ctr">
+                  <a:tcPr marL="6825" marR="6825" marT="6825" marB="0" anchor="ctr">
                     <a:lnL w="6350" cap="flat" cmpd="sng" algn="ctr">
                       <a:solidFill>
                         <a:srgbClr val="000000"/>
@@ -10709,7 +10852,7 @@
                       </a:r>
                     </a:p>
                   </a:txBody>
-                  <a:tcPr marL="5394" marR="5394" marT="5394" marB="0" anchor="ctr">
+                  <a:tcPr marL="6825" marR="6825" marT="6825" marB="0" anchor="ctr">
                     <a:lnL w="6350" cap="flat" cmpd="sng" algn="ctr">
                       <a:solidFill>
                         <a:srgbClr val="000000"/>
@@ -10766,7 +10909,7 @@
                       </a:r>
                     </a:p>
                   </a:txBody>
-                  <a:tcPr marL="5394" marR="5394" marT="5394" marB="0" anchor="ctr">
+                  <a:tcPr marL="6825" marR="6825" marT="6825" marB="0" anchor="ctr">
                     <a:lnL w="6350" cap="flat" cmpd="sng" algn="ctr">
                       <a:solidFill>
                         <a:srgbClr val="000000"/>
@@ -10826,7 +10969,7 @@
                       </a:r>
                     </a:p>
                   </a:txBody>
-                  <a:tcPr marL="5394" marR="5394" marT="5394" marB="0" anchor="ctr">
+                  <a:tcPr marL="6825" marR="6825" marT="6825" marB="0" anchor="ctr">
                     <a:lnL w="6350" cap="flat" cmpd="sng" algn="ctr">
                       <a:solidFill>
                         <a:srgbClr val="000000"/>
@@ -10883,7 +11026,7 @@
                       </a:r>
                     </a:p>
                   </a:txBody>
-                  <a:tcPr marL="5394" marR="5394" marT="5394" marB="0" anchor="ctr">
+                  <a:tcPr marL="6825" marR="6825" marT="6825" marB="0" anchor="ctr">
                     <a:lnL w="6350" cap="flat" cmpd="sng" algn="ctr">
                       <a:solidFill>
                         <a:srgbClr val="000000"/>
@@ -10943,7 +11086,7 @@
                       </a:r>
                     </a:p>
                   </a:txBody>
-                  <a:tcPr marL="5394" marR="5394" marT="5394" marB="0" anchor="ctr">
+                  <a:tcPr marL="6825" marR="6825" marT="6825" marB="0" anchor="ctr">
                     <a:lnL w="6350" cap="flat" cmpd="sng" algn="ctr">
                       <a:solidFill>
                         <a:srgbClr val="000000"/>
@@ -11000,7 +11143,7 @@
                       </a:r>
                     </a:p>
                   </a:txBody>
-                  <a:tcPr marL="5394" marR="5394" marT="5394" marB="0" anchor="ctr">
+                  <a:tcPr marL="6825" marR="6825" marT="6825" marB="0" anchor="ctr">
                     <a:lnL w="6350" cap="flat" cmpd="sng" algn="ctr">
                       <a:solidFill>
                         <a:srgbClr val="000000"/>
@@ -11060,7 +11203,7 @@
                       </a:r>
                     </a:p>
                   </a:txBody>
-                  <a:tcPr marL="5394" marR="5394" marT="5394" marB="0" anchor="ctr">
+                  <a:tcPr marL="6825" marR="6825" marT="6825" marB="0" anchor="ctr">
                     <a:lnL w="6350" cap="flat" cmpd="sng" algn="ctr">
                       <a:solidFill>
                         <a:srgbClr val="000000"/>
@@ -11101,11 +11244,11 @@
                 </a:tc>
                 <a:extLst>
                   <a:ext uri="{0D108BD9-81ED-4DB2-BD59-A6C34878D82A}">
-                    <a16:rowId xmlns:a16="http://schemas.microsoft.com/office/drawing/2014/main" val="3775959909"/>
+                    <a16:rowId xmlns:a16="http://schemas.microsoft.com/office/drawing/2014/main" val="1770690782"/>
                   </a:ext>
                 </a:extLst>
               </a:tr>
-              <a:tr h="201460">
+              <a:tr h="200265">
                 <a:tc rowSpan="5">
                   <a:txBody>
                     <a:bodyPr/>
@@ -11124,7 +11267,7 @@
                       </a:r>
                     </a:p>
                   </a:txBody>
-                  <a:tcPr marL="5394" marR="5394" marT="5394" marB="0" vert="vert270" anchor="ctr">
+                  <a:tcPr marL="6825" marR="6825" marT="6825" marB="0" vert="vert270" anchor="ctr">
                     <a:lnL w="12700" cap="flat" cmpd="sng" algn="ctr">
                       <a:solidFill>
                         <a:srgbClr val="000000"/>
@@ -11181,7 +11324,7 @@
                       </a:r>
                     </a:p>
                   </a:txBody>
-                  <a:tcPr marL="5394" marR="5394" marT="5394" marB="0" anchor="b">
+                  <a:tcPr marL="6825" marR="6825" marT="6825" marB="0" anchor="b">
                     <a:lnL w="6350" cap="flat" cmpd="sng" algn="ctr">
                       <a:solidFill>
                         <a:srgbClr val="000000"/>
@@ -11241,7 +11384,7 @@
                       </a:r>
                     </a:p>
                   </a:txBody>
-                  <a:tcPr marL="5394" marR="5394" marT="5394" marB="0" anchor="ctr">
+                  <a:tcPr marL="6825" marR="6825" marT="6825" marB="0" anchor="ctr">
                     <a:lnL w="12700" cap="flat" cmpd="sng" algn="ctr">
                       <a:solidFill>
                         <a:srgbClr val="000000"/>
@@ -11301,7 +11444,7 @@
                       </a:r>
                     </a:p>
                   </a:txBody>
-                  <a:tcPr marL="5394" marR="5394" marT="5394" marB="0" anchor="ctr">
+                  <a:tcPr marL="6825" marR="6825" marT="6825" marB="0" anchor="ctr">
                     <a:lnL w="6350" cap="flat" cmpd="sng" algn="ctr">
                       <a:solidFill>
                         <a:srgbClr val="000000"/>
@@ -11361,7 +11504,7 @@
                       </a:r>
                     </a:p>
                   </a:txBody>
-                  <a:tcPr marL="5394" marR="5394" marT="5394" marB="0" anchor="ctr">
+                  <a:tcPr marL="6825" marR="6825" marT="6825" marB="0" anchor="ctr">
                     <a:lnL w="6350" cap="flat" cmpd="sng" algn="ctr">
                       <a:solidFill>
                         <a:srgbClr val="000000"/>
@@ -11421,7 +11564,7 @@
                       </a:r>
                     </a:p>
                   </a:txBody>
-                  <a:tcPr marL="5394" marR="5394" marT="5394" marB="0" anchor="ctr">
+                  <a:tcPr marL="6825" marR="6825" marT="6825" marB="0" anchor="ctr">
                     <a:lnL w="6350" cap="flat" cmpd="sng" algn="ctr">
                       <a:solidFill>
                         <a:srgbClr val="000000"/>
@@ -11481,7 +11624,7 @@
                       </a:r>
                     </a:p>
                   </a:txBody>
-                  <a:tcPr marL="5394" marR="5394" marT="5394" marB="0" anchor="ctr">
+                  <a:tcPr marL="6825" marR="6825" marT="6825" marB="0" anchor="ctr">
                     <a:lnL w="12700" cap="flat" cmpd="sng" algn="ctr">
                       <a:solidFill>
                         <a:srgbClr val="000000"/>
@@ -11541,7 +11684,7 @@
                       </a:r>
                     </a:p>
                   </a:txBody>
-                  <a:tcPr marL="5394" marR="5394" marT="5394" marB="0" anchor="ctr">
+                  <a:tcPr marL="6825" marR="6825" marT="6825" marB="0" anchor="ctr">
                     <a:lnL w="6350" cap="flat" cmpd="sng" algn="ctr">
                       <a:solidFill>
                         <a:srgbClr val="000000"/>
@@ -11601,7 +11744,7 @@
                       </a:r>
                     </a:p>
                   </a:txBody>
-                  <a:tcPr marL="5394" marR="5394" marT="5394" marB="0" anchor="ctr">
+                  <a:tcPr marL="6825" marR="6825" marT="6825" marB="0" anchor="ctr">
                     <a:lnL w="6350" cap="flat" cmpd="sng" algn="ctr">
                       <a:solidFill>
                         <a:srgbClr val="000000"/>
@@ -11661,7 +11804,7 @@
                       </a:r>
                     </a:p>
                   </a:txBody>
-                  <a:tcPr marL="5394" marR="5394" marT="5394" marB="0" anchor="ctr">
+                  <a:tcPr marL="6825" marR="6825" marT="6825" marB="0" anchor="ctr">
                     <a:lnL w="6350" cap="flat" cmpd="sng" algn="ctr">
                       <a:solidFill>
                         <a:srgbClr val="000000"/>
@@ -11721,7 +11864,7 @@
                       </a:r>
                     </a:p>
                   </a:txBody>
-                  <a:tcPr marL="5394" marR="5394" marT="5394" marB="0" anchor="ctr">
+                  <a:tcPr marL="6825" marR="6825" marT="6825" marB="0" anchor="ctr">
                     <a:lnL w="6350" cap="flat" cmpd="sng" algn="ctr">
                       <a:solidFill>
                         <a:srgbClr val="000000"/>
@@ -11781,7 +11924,7 @@
                       </a:r>
                     </a:p>
                   </a:txBody>
-                  <a:tcPr marL="5394" marR="5394" marT="5394" marB="0" anchor="ctr">
+                  <a:tcPr marL="6825" marR="6825" marT="6825" marB="0" anchor="ctr">
                     <a:lnL w="6350" cap="flat" cmpd="sng" algn="ctr">
                       <a:solidFill>
                         <a:srgbClr val="000000"/>
@@ -11841,7 +11984,7 @@
                       </a:r>
                     </a:p>
                   </a:txBody>
-                  <a:tcPr marL="5394" marR="5394" marT="5394" marB="0" anchor="ctr">
+                  <a:tcPr marL="6825" marR="6825" marT="6825" marB="0" anchor="ctr">
                     <a:lnL w="6350" cap="flat" cmpd="sng" algn="ctr">
                       <a:solidFill>
                         <a:srgbClr val="000000"/>
@@ -11901,7 +12044,7 @@
                       </a:r>
                     </a:p>
                   </a:txBody>
-                  <a:tcPr marL="5394" marR="5394" marT="5394" marB="0" anchor="ctr">
+                  <a:tcPr marL="6825" marR="6825" marT="6825" marB="0" anchor="ctr">
                     <a:lnL w="6350" cap="flat" cmpd="sng" algn="ctr">
                       <a:solidFill>
                         <a:srgbClr val="000000"/>
@@ -11961,7 +12104,7 @@
                       </a:r>
                     </a:p>
                   </a:txBody>
-                  <a:tcPr marL="5394" marR="5394" marT="5394" marB="0" anchor="ctr">
+                  <a:tcPr marL="6825" marR="6825" marT="6825" marB="0" anchor="ctr">
                     <a:lnL w="6350" cap="flat" cmpd="sng" algn="ctr">
                       <a:solidFill>
                         <a:srgbClr val="000000"/>
@@ -12021,7 +12164,7 @@
                       </a:r>
                     </a:p>
                   </a:txBody>
-                  <a:tcPr marL="5394" marR="5394" marT="5394" marB="0" anchor="ctr">
+                  <a:tcPr marL="6825" marR="6825" marT="6825" marB="0" anchor="ctr">
                     <a:lnL w="6350" cap="flat" cmpd="sng" algn="ctr">
                       <a:solidFill>
                         <a:srgbClr val="000000"/>
@@ -12081,7 +12224,7 @@
                       </a:r>
                     </a:p>
                   </a:txBody>
-                  <a:tcPr marL="5394" marR="5394" marT="5394" marB="0" anchor="ctr">
+                  <a:tcPr marL="6825" marR="6825" marT="6825" marB="0" anchor="ctr">
                     <a:lnL w="6350" cap="flat" cmpd="sng" algn="ctr">
                       <a:solidFill>
                         <a:srgbClr val="000000"/>
@@ -12141,7 +12284,7 @@
                       </a:r>
                     </a:p>
                   </a:txBody>
-                  <a:tcPr marL="5394" marR="5394" marT="5394" marB="0" anchor="ctr">
+                  <a:tcPr marL="6825" marR="6825" marT="6825" marB="0" anchor="ctr">
                     <a:lnL w="6350" cap="flat" cmpd="sng" algn="ctr">
                       <a:solidFill>
                         <a:srgbClr val="000000"/>
@@ -12201,7 +12344,7 @@
                       </a:r>
                     </a:p>
                   </a:txBody>
-                  <a:tcPr marL="5394" marR="5394" marT="5394" marB="0" anchor="ctr">
+                  <a:tcPr marL="6825" marR="6825" marT="6825" marB="0" anchor="ctr">
                     <a:lnL w="6350" cap="flat" cmpd="sng" algn="ctr">
                       <a:solidFill>
                         <a:srgbClr val="000000"/>
@@ -12261,7 +12404,7 @@
                       </a:r>
                     </a:p>
                   </a:txBody>
-                  <a:tcPr marL="5394" marR="5394" marT="5394" marB="0" anchor="ctr">
+                  <a:tcPr marL="6825" marR="6825" marT="6825" marB="0" anchor="ctr">
                     <a:lnL w="6350" cap="flat" cmpd="sng" algn="ctr">
                       <a:solidFill>
                         <a:srgbClr val="000000"/>
@@ -12321,7 +12464,7 @@
                       </a:r>
                     </a:p>
                   </a:txBody>
-                  <a:tcPr marL="5394" marR="5394" marT="5394" marB="0" anchor="ctr">
+                  <a:tcPr marL="6825" marR="6825" marT="6825" marB="0" anchor="ctr">
                     <a:lnL w="12700" cap="flat" cmpd="sng" algn="ctr">
                       <a:solidFill>
                         <a:srgbClr val="000000"/>
@@ -12381,7 +12524,7 @@
                       </a:r>
                     </a:p>
                   </a:txBody>
-                  <a:tcPr marL="5394" marR="5394" marT="5394" marB="0" anchor="ctr">
+                  <a:tcPr marL="6825" marR="6825" marT="6825" marB="0" anchor="ctr">
                     <a:lnL w="6350" cap="flat" cmpd="sng" algn="ctr">
                       <a:solidFill>
                         <a:srgbClr val="000000"/>
@@ -12441,7 +12584,7 @@
                       </a:r>
                     </a:p>
                   </a:txBody>
-                  <a:tcPr marL="5394" marR="5394" marT="5394" marB="0" anchor="ctr">
+                  <a:tcPr marL="6825" marR="6825" marT="6825" marB="0" anchor="ctr">
                     <a:lnL w="6350" cap="flat" cmpd="sng" algn="ctr">
                       <a:solidFill>
                         <a:srgbClr val="000000"/>
@@ -12501,7 +12644,7 @@
                       </a:r>
                     </a:p>
                   </a:txBody>
-                  <a:tcPr marL="5394" marR="5394" marT="5394" marB="0" anchor="ctr">
+                  <a:tcPr marL="6825" marR="6825" marT="6825" marB="0" anchor="ctr">
                     <a:lnL w="6350" cap="flat" cmpd="sng" algn="ctr">
                       <a:solidFill>
                         <a:srgbClr val="000000"/>
@@ -12561,7 +12704,7 @@
                       </a:r>
                     </a:p>
                   </a:txBody>
-                  <a:tcPr marL="5394" marR="5394" marT="5394" marB="0" anchor="ctr">
+                  <a:tcPr marL="6825" marR="6825" marT="6825" marB="0" anchor="ctr">
                     <a:lnL w="6350" cap="flat" cmpd="sng" algn="ctr">
                       <a:solidFill>
                         <a:srgbClr val="000000"/>
@@ -12621,7 +12764,7 @@
                       </a:r>
                     </a:p>
                   </a:txBody>
-                  <a:tcPr marL="5394" marR="5394" marT="5394" marB="0" anchor="ctr">
+                  <a:tcPr marL="6825" marR="6825" marT="6825" marB="0" anchor="ctr">
                     <a:lnL w="6350" cap="flat" cmpd="sng" algn="ctr">
                       <a:solidFill>
                         <a:srgbClr val="000000"/>
@@ -12681,7 +12824,7 @@
                       </a:r>
                     </a:p>
                   </a:txBody>
-                  <a:tcPr marL="5394" marR="5394" marT="5394" marB="0" anchor="ctr">
+                  <a:tcPr marL="6825" marR="6825" marT="6825" marB="0" anchor="ctr">
                     <a:lnL w="6350" cap="flat" cmpd="sng" algn="ctr">
                       <a:solidFill>
                         <a:srgbClr val="000000"/>
@@ -12741,7 +12884,7 @@
                       </a:r>
                     </a:p>
                   </a:txBody>
-                  <a:tcPr marL="5394" marR="5394" marT="5394" marB="0" anchor="ctr">
+                  <a:tcPr marL="6825" marR="6825" marT="6825" marB="0" anchor="ctr">
                     <a:lnL w="6350" cap="flat" cmpd="sng" algn="ctr">
                       <a:solidFill>
                         <a:srgbClr val="000000"/>
@@ -12801,7 +12944,7 @@
                       </a:r>
                     </a:p>
                   </a:txBody>
-                  <a:tcPr marL="5394" marR="5394" marT="5394" marB="0" anchor="ctr">
+                  <a:tcPr marL="6825" marR="6825" marT="6825" marB="0" anchor="ctr">
                     <a:lnL w="6350" cap="flat" cmpd="sng" algn="ctr">
                       <a:solidFill>
                         <a:srgbClr val="000000"/>
@@ -12861,7 +13004,7 @@
                       </a:r>
                     </a:p>
                   </a:txBody>
-                  <a:tcPr marL="5394" marR="5394" marT="5394" marB="0" anchor="ctr">
+                  <a:tcPr marL="6825" marR="6825" marT="6825" marB="0" anchor="ctr">
                     <a:lnL w="6350" cap="flat" cmpd="sng" algn="ctr">
                       <a:solidFill>
                         <a:srgbClr val="000000"/>
@@ -12921,7 +13064,7 @@
                       </a:r>
                     </a:p>
                   </a:txBody>
-                  <a:tcPr marL="5394" marR="5394" marT="5394" marB="0" anchor="ctr">
+                  <a:tcPr marL="6825" marR="6825" marT="6825" marB="0" anchor="ctr">
                     <a:lnL w="6350" cap="flat" cmpd="sng" algn="ctr">
                       <a:solidFill>
                         <a:srgbClr val="000000"/>
@@ -12981,7 +13124,7 @@
                       </a:r>
                     </a:p>
                   </a:txBody>
-                  <a:tcPr marL="5394" marR="5394" marT="5394" marB="0" anchor="ctr">
+                  <a:tcPr marL="6825" marR="6825" marT="6825" marB="0" anchor="ctr">
                     <a:lnL w="6350" cap="flat" cmpd="sng" algn="ctr">
                       <a:solidFill>
                         <a:srgbClr val="000000"/>
@@ -13041,7 +13184,7 @@
                       </a:r>
                     </a:p>
                   </a:txBody>
-                  <a:tcPr marL="5394" marR="5394" marT="5394" marB="0" anchor="ctr">
+                  <a:tcPr marL="6825" marR="6825" marT="6825" marB="0" anchor="ctr">
                     <a:lnL w="6350" cap="flat" cmpd="sng" algn="ctr">
                       <a:solidFill>
                         <a:srgbClr val="000000"/>
@@ -13101,7 +13244,7 @@
                       </a:r>
                     </a:p>
                   </a:txBody>
-                  <a:tcPr marL="5394" marR="5394" marT="5394" marB="0" anchor="ctr">
+                  <a:tcPr marL="6825" marR="6825" marT="6825" marB="0" anchor="ctr">
                     <a:lnL w="6350" cap="flat" cmpd="sng" algn="ctr">
                       <a:solidFill>
                         <a:srgbClr val="000000"/>
@@ -13145,11 +13288,11 @@
                 </a:tc>
                 <a:extLst>
                   <a:ext uri="{0D108BD9-81ED-4DB2-BD59-A6C34878D82A}">
-                    <a16:rowId xmlns:a16="http://schemas.microsoft.com/office/drawing/2014/main" val="3481841020"/>
+                    <a16:rowId xmlns:a16="http://schemas.microsoft.com/office/drawing/2014/main" val="2254862064"/>
                   </a:ext>
                 </a:extLst>
               </a:tr>
-              <a:tr h="201460">
+              <a:tr h="200265">
                 <a:tc vMerge="1">
                   <a:txBody>
                     <a:bodyPr/>
@@ -13178,7 +13321,7 @@
                       </a:r>
                     </a:p>
                   </a:txBody>
-                  <a:tcPr marL="5394" marR="5394" marT="5394" marB="0" anchor="b">
+                  <a:tcPr marL="6825" marR="6825" marT="6825" marB="0" anchor="b">
                     <a:lnL w="6350" cap="flat" cmpd="sng" algn="ctr">
                       <a:solidFill>
                         <a:srgbClr val="000000"/>
@@ -13235,7 +13378,7 @@
                       </a:r>
                     </a:p>
                   </a:txBody>
-                  <a:tcPr marL="5394" marR="5394" marT="5394" marB="0" anchor="ctr">
+                  <a:tcPr marL="6825" marR="6825" marT="6825" marB="0" anchor="ctr">
                     <a:lnL w="12700" cap="flat" cmpd="sng" algn="ctr">
                       <a:solidFill>
                         <a:srgbClr val="000000"/>
@@ -13292,7 +13435,7 @@
                       </a:r>
                     </a:p>
                   </a:txBody>
-                  <a:tcPr marL="5394" marR="5394" marT="5394" marB="0" anchor="ctr">
+                  <a:tcPr marL="6825" marR="6825" marT="6825" marB="0" anchor="ctr">
                     <a:lnL w="6350" cap="flat" cmpd="sng" algn="ctr">
                       <a:solidFill>
                         <a:srgbClr val="000000"/>
@@ -13349,7 +13492,7 @@
                       </a:r>
                     </a:p>
                   </a:txBody>
-                  <a:tcPr marL="5394" marR="5394" marT="5394" marB="0" anchor="ctr">
+                  <a:tcPr marL="6825" marR="6825" marT="6825" marB="0" anchor="ctr">
                     <a:lnL w="6350" cap="flat" cmpd="sng" algn="ctr">
                       <a:solidFill>
                         <a:srgbClr val="000000"/>
@@ -13406,7 +13549,7 @@
                       </a:r>
                     </a:p>
                   </a:txBody>
-                  <a:tcPr marL="5394" marR="5394" marT="5394" marB="0" anchor="ctr">
+                  <a:tcPr marL="6825" marR="6825" marT="6825" marB="0" anchor="ctr">
                     <a:lnL w="6350" cap="flat" cmpd="sng" algn="ctr">
                       <a:solidFill>
                         <a:srgbClr val="000000"/>
@@ -13463,7 +13606,7 @@
                       </a:r>
                     </a:p>
                   </a:txBody>
-                  <a:tcPr marL="5394" marR="5394" marT="5394" marB="0" anchor="ctr">
+                  <a:tcPr marL="6825" marR="6825" marT="6825" marB="0" anchor="ctr">
                     <a:lnL w="12700" cap="flat" cmpd="sng" algn="ctr">
                       <a:solidFill>
                         <a:srgbClr val="000000"/>
@@ -13523,7 +13666,7 @@
                       </a:r>
                     </a:p>
                   </a:txBody>
-                  <a:tcPr marL="5394" marR="5394" marT="5394" marB="0" anchor="ctr">
+                  <a:tcPr marL="6825" marR="6825" marT="6825" marB="0" anchor="ctr">
                     <a:lnL w="6350" cap="flat" cmpd="sng" algn="ctr">
                       <a:solidFill>
                         <a:srgbClr val="000000"/>
@@ -13580,7 +13723,7 @@
                       </a:r>
                     </a:p>
                   </a:txBody>
-                  <a:tcPr marL="5394" marR="5394" marT="5394" marB="0" anchor="ctr">
+                  <a:tcPr marL="6825" marR="6825" marT="6825" marB="0" anchor="ctr">
                     <a:lnL w="6350" cap="flat" cmpd="sng" algn="ctr">
                       <a:solidFill>
                         <a:srgbClr val="000000"/>
@@ -13640,7 +13783,7 @@
                       </a:r>
                     </a:p>
                   </a:txBody>
-                  <a:tcPr marL="5394" marR="5394" marT="5394" marB="0" anchor="ctr">
+                  <a:tcPr marL="6825" marR="6825" marT="6825" marB="0" anchor="ctr">
                     <a:lnL w="6350" cap="flat" cmpd="sng" algn="ctr">
                       <a:solidFill>
                         <a:srgbClr val="000000"/>
@@ -13697,7 +13840,7 @@
                       </a:r>
                     </a:p>
                   </a:txBody>
-                  <a:tcPr marL="5394" marR="5394" marT="5394" marB="0" anchor="ctr">
+                  <a:tcPr marL="6825" marR="6825" marT="6825" marB="0" anchor="ctr">
                     <a:lnL w="6350" cap="flat" cmpd="sng" algn="ctr">
                       <a:solidFill>
                         <a:srgbClr val="000000"/>
@@ -13757,7 +13900,7 @@
                       </a:r>
                     </a:p>
                   </a:txBody>
-                  <a:tcPr marL="5394" marR="5394" marT="5394" marB="0" anchor="ctr">
+                  <a:tcPr marL="6825" marR="6825" marT="6825" marB="0" anchor="ctr">
                     <a:lnL w="6350" cap="flat" cmpd="sng" algn="ctr">
                       <a:solidFill>
                         <a:srgbClr val="000000"/>
@@ -13814,7 +13957,7 @@
                       </a:r>
                     </a:p>
                   </a:txBody>
-                  <a:tcPr marL="5394" marR="5394" marT="5394" marB="0" anchor="ctr">
+                  <a:tcPr marL="6825" marR="6825" marT="6825" marB="0" anchor="ctr">
                     <a:lnL w="6350" cap="flat" cmpd="sng" algn="ctr">
                       <a:solidFill>
                         <a:srgbClr val="000000"/>
@@ -13874,7 +14017,7 @@
                       </a:r>
                     </a:p>
                   </a:txBody>
-                  <a:tcPr marL="5394" marR="5394" marT="5394" marB="0" anchor="ctr">
+                  <a:tcPr marL="6825" marR="6825" marT="6825" marB="0" anchor="ctr">
                     <a:lnL w="6350" cap="flat" cmpd="sng" algn="ctr">
                       <a:solidFill>
                         <a:srgbClr val="000000"/>
@@ -13931,7 +14074,7 @@
                       </a:r>
                     </a:p>
                   </a:txBody>
-                  <a:tcPr marL="5394" marR="5394" marT="5394" marB="0" anchor="ctr">
+                  <a:tcPr marL="6825" marR="6825" marT="6825" marB="0" anchor="ctr">
                     <a:lnL w="6350" cap="flat" cmpd="sng" algn="ctr">
                       <a:solidFill>
                         <a:srgbClr val="000000"/>
@@ -13988,7 +14131,7 @@
                       </a:r>
                     </a:p>
                   </a:txBody>
-                  <a:tcPr marL="5394" marR="5394" marT="5394" marB="0" anchor="ctr">
+                  <a:tcPr marL="6825" marR="6825" marT="6825" marB="0" anchor="ctr">
                     <a:lnL w="6350" cap="flat" cmpd="sng" algn="ctr">
                       <a:solidFill>
                         <a:srgbClr val="000000"/>
@@ -14048,7 +14191,7 @@
                       </a:r>
                     </a:p>
                   </a:txBody>
-                  <a:tcPr marL="5394" marR="5394" marT="5394" marB="0" anchor="ctr">
+                  <a:tcPr marL="6825" marR="6825" marT="6825" marB="0" anchor="ctr">
                     <a:lnL w="6350" cap="flat" cmpd="sng" algn="ctr">
                       <a:solidFill>
                         <a:srgbClr val="000000"/>
@@ -14105,7 +14248,7 @@
                       </a:r>
                     </a:p>
                   </a:txBody>
-                  <a:tcPr marL="5394" marR="5394" marT="5394" marB="0" anchor="ctr">
+                  <a:tcPr marL="6825" marR="6825" marT="6825" marB="0" anchor="ctr">
                     <a:lnL w="6350" cap="flat" cmpd="sng" algn="ctr">
                       <a:solidFill>
                         <a:srgbClr val="000000"/>
@@ -14165,7 +14308,7 @@
                       </a:r>
                     </a:p>
                   </a:txBody>
-                  <a:tcPr marL="5394" marR="5394" marT="5394" marB="0" anchor="ctr">
+                  <a:tcPr marL="6825" marR="6825" marT="6825" marB="0" anchor="ctr">
                     <a:lnL w="6350" cap="flat" cmpd="sng" algn="ctr">
                       <a:solidFill>
                         <a:srgbClr val="000000"/>
@@ -14222,7 +14365,7 @@
                       </a:r>
                     </a:p>
                   </a:txBody>
-                  <a:tcPr marL="5394" marR="5394" marT="5394" marB="0" anchor="ctr">
+                  <a:tcPr marL="6825" marR="6825" marT="6825" marB="0" anchor="ctr">
                     <a:lnL w="6350" cap="flat" cmpd="sng" algn="ctr">
                       <a:solidFill>
                         <a:srgbClr val="000000"/>
@@ -14282,7 +14425,7 @@
                       </a:r>
                     </a:p>
                   </a:txBody>
-                  <a:tcPr marL="5394" marR="5394" marT="5394" marB="0" anchor="ctr">
+                  <a:tcPr marL="6825" marR="6825" marT="6825" marB="0" anchor="ctr">
                     <a:lnL w="12700" cap="flat" cmpd="sng" algn="ctr">
                       <a:solidFill>
                         <a:srgbClr val="000000"/>
@@ -14339,7 +14482,7 @@
                       </a:r>
                     </a:p>
                   </a:txBody>
-                  <a:tcPr marL="5394" marR="5394" marT="5394" marB="0" anchor="ctr">
+                  <a:tcPr marL="6825" marR="6825" marT="6825" marB="0" anchor="ctr">
                     <a:lnL w="6350" cap="flat" cmpd="sng" algn="ctr">
                       <a:solidFill>
                         <a:srgbClr val="000000"/>
@@ -14399,7 +14542,7 @@
                       </a:r>
                     </a:p>
                   </a:txBody>
-                  <a:tcPr marL="5394" marR="5394" marT="5394" marB="0" anchor="ctr">
+                  <a:tcPr marL="6825" marR="6825" marT="6825" marB="0" anchor="ctr">
                     <a:lnL w="6350" cap="flat" cmpd="sng" algn="ctr">
                       <a:solidFill>
                         <a:srgbClr val="000000"/>
@@ -14456,7 +14599,7 @@
                       </a:r>
                     </a:p>
                   </a:txBody>
-                  <a:tcPr marL="5394" marR="5394" marT="5394" marB="0" anchor="ctr">
+                  <a:tcPr marL="6825" marR="6825" marT="6825" marB="0" anchor="ctr">
                     <a:lnL w="6350" cap="flat" cmpd="sng" algn="ctr">
                       <a:solidFill>
                         <a:srgbClr val="000000"/>
@@ -14513,7 +14656,7 @@
                       </a:r>
                     </a:p>
                   </a:txBody>
-                  <a:tcPr marL="5394" marR="5394" marT="5394" marB="0" anchor="ctr">
+                  <a:tcPr marL="6825" marR="6825" marT="6825" marB="0" anchor="ctr">
                     <a:lnL w="6350" cap="flat" cmpd="sng" algn="ctr">
                       <a:solidFill>
                         <a:srgbClr val="000000"/>
@@ -14573,7 +14716,7 @@
                       </a:r>
                     </a:p>
                   </a:txBody>
-                  <a:tcPr marL="5394" marR="5394" marT="5394" marB="0" anchor="ctr">
+                  <a:tcPr marL="6825" marR="6825" marT="6825" marB="0" anchor="ctr">
                     <a:lnL w="6350" cap="flat" cmpd="sng" algn="ctr">
                       <a:solidFill>
                         <a:srgbClr val="000000"/>
@@ -14630,7 +14773,7 @@
                       </a:r>
                     </a:p>
                   </a:txBody>
-                  <a:tcPr marL="5394" marR="5394" marT="5394" marB="0" anchor="ctr">
+                  <a:tcPr marL="6825" marR="6825" marT="6825" marB="0" anchor="ctr">
                     <a:lnL w="6350" cap="flat" cmpd="sng" algn="ctr">
                       <a:solidFill>
                         <a:srgbClr val="000000"/>
@@ -14690,7 +14833,7 @@
                       </a:r>
                     </a:p>
                   </a:txBody>
-                  <a:tcPr marL="5394" marR="5394" marT="5394" marB="0" anchor="ctr">
+                  <a:tcPr marL="6825" marR="6825" marT="6825" marB="0" anchor="ctr">
                     <a:lnL w="6350" cap="flat" cmpd="sng" algn="ctr">
                       <a:solidFill>
                         <a:srgbClr val="000000"/>
@@ -14747,7 +14890,7 @@
                       </a:r>
                     </a:p>
                   </a:txBody>
-                  <a:tcPr marL="5394" marR="5394" marT="5394" marB="0" anchor="ctr">
+                  <a:tcPr marL="6825" marR="6825" marT="6825" marB="0" anchor="ctr">
                     <a:lnL w="6350" cap="flat" cmpd="sng" algn="ctr">
                       <a:solidFill>
                         <a:srgbClr val="000000"/>
@@ -14807,7 +14950,7 @@
                       </a:r>
                     </a:p>
                   </a:txBody>
-                  <a:tcPr marL="5394" marR="5394" marT="5394" marB="0" anchor="ctr">
+                  <a:tcPr marL="6825" marR="6825" marT="6825" marB="0" anchor="ctr">
                     <a:lnL w="6350" cap="flat" cmpd="sng" algn="ctr">
                       <a:solidFill>
                         <a:srgbClr val="000000"/>
@@ -14864,7 +15007,7 @@
                       </a:r>
                     </a:p>
                   </a:txBody>
-                  <a:tcPr marL="5394" marR="5394" marT="5394" marB="0" anchor="ctr">
+                  <a:tcPr marL="6825" marR="6825" marT="6825" marB="0" anchor="ctr">
                     <a:lnL w="6350" cap="flat" cmpd="sng" algn="ctr">
                       <a:solidFill>
                         <a:srgbClr val="000000"/>
@@ -14924,7 +15067,7 @@
                       </a:r>
                     </a:p>
                   </a:txBody>
-                  <a:tcPr marL="5394" marR="5394" marT="5394" marB="0" anchor="ctr">
+                  <a:tcPr marL="6825" marR="6825" marT="6825" marB="0" anchor="ctr">
                     <a:lnL w="6350" cap="flat" cmpd="sng" algn="ctr">
                       <a:solidFill>
                         <a:srgbClr val="000000"/>
@@ -14981,7 +15124,7 @@
                       </a:r>
                     </a:p>
                   </a:txBody>
-                  <a:tcPr marL="5394" marR="5394" marT="5394" marB="0" anchor="ctr">
+                  <a:tcPr marL="6825" marR="6825" marT="6825" marB="0" anchor="ctr">
                     <a:lnL w="6350" cap="flat" cmpd="sng" algn="ctr">
                       <a:solidFill>
                         <a:srgbClr val="000000"/>
@@ -15041,7 +15184,7 @@
                       </a:r>
                     </a:p>
                   </a:txBody>
-                  <a:tcPr marL="5394" marR="5394" marT="5394" marB="0" anchor="ctr">
+                  <a:tcPr marL="6825" marR="6825" marT="6825" marB="0" anchor="ctr">
                     <a:lnL w="6350" cap="flat" cmpd="sng" algn="ctr">
                       <a:solidFill>
                         <a:srgbClr val="000000"/>
@@ -15082,11 +15225,11 @@
                 </a:tc>
                 <a:extLst>
                   <a:ext uri="{0D108BD9-81ED-4DB2-BD59-A6C34878D82A}">
-                    <a16:rowId xmlns:a16="http://schemas.microsoft.com/office/drawing/2014/main" val="1774934160"/>
+                    <a16:rowId xmlns:a16="http://schemas.microsoft.com/office/drawing/2014/main" val="3933862373"/>
                   </a:ext>
                 </a:extLst>
               </a:tr>
-              <a:tr h="201460">
+              <a:tr h="200265">
                 <a:tc vMerge="1">
                   <a:txBody>
                     <a:bodyPr/>
@@ -15115,7 +15258,7 @@
                       </a:r>
                     </a:p>
                   </a:txBody>
-                  <a:tcPr marL="5394" marR="5394" marT="5394" marB="0" anchor="b">
+                  <a:tcPr marL="6825" marR="6825" marT="6825" marB="0" anchor="b">
                     <a:lnL w="6350" cap="flat" cmpd="sng" algn="ctr">
                       <a:solidFill>
                         <a:srgbClr val="000000"/>
@@ -15175,7 +15318,7 @@
                       </a:r>
                     </a:p>
                   </a:txBody>
-                  <a:tcPr marL="5394" marR="5394" marT="5394" marB="0" anchor="ctr">
+                  <a:tcPr marL="6825" marR="6825" marT="6825" marB="0" anchor="ctr">
                     <a:lnL w="12700" cap="flat" cmpd="sng" algn="ctr">
                       <a:solidFill>
                         <a:srgbClr val="000000"/>
@@ -15235,7 +15378,7 @@
                       </a:r>
                     </a:p>
                   </a:txBody>
-                  <a:tcPr marL="5394" marR="5394" marT="5394" marB="0" anchor="ctr">
+                  <a:tcPr marL="6825" marR="6825" marT="6825" marB="0" anchor="ctr">
                     <a:lnL w="6350" cap="flat" cmpd="sng" algn="ctr">
                       <a:solidFill>
                         <a:srgbClr val="000000"/>
@@ -15295,7 +15438,7 @@
                       </a:r>
                     </a:p>
                   </a:txBody>
-                  <a:tcPr marL="5394" marR="5394" marT="5394" marB="0" anchor="ctr">
+                  <a:tcPr marL="6825" marR="6825" marT="6825" marB="0" anchor="ctr">
                     <a:lnL w="6350" cap="flat" cmpd="sng" algn="ctr">
                       <a:solidFill>
                         <a:srgbClr val="000000"/>
@@ -15355,7 +15498,7 @@
                       </a:r>
                     </a:p>
                   </a:txBody>
-                  <a:tcPr marL="5394" marR="5394" marT="5394" marB="0" anchor="ctr">
+                  <a:tcPr marL="6825" marR="6825" marT="6825" marB="0" anchor="ctr">
                     <a:lnL w="6350" cap="flat" cmpd="sng" algn="ctr">
                       <a:solidFill>
                         <a:srgbClr val="000000"/>
@@ -15415,7 +15558,7 @@
                       </a:r>
                     </a:p>
                   </a:txBody>
-                  <a:tcPr marL="5394" marR="5394" marT="5394" marB="0" anchor="ctr">
+                  <a:tcPr marL="6825" marR="6825" marT="6825" marB="0" anchor="ctr">
                     <a:lnL w="12700" cap="flat" cmpd="sng" algn="ctr">
                       <a:solidFill>
                         <a:srgbClr val="000000"/>
@@ -15475,7 +15618,7 @@
                       </a:r>
                     </a:p>
                   </a:txBody>
-                  <a:tcPr marL="5394" marR="5394" marT="5394" marB="0" anchor="ctr">
+                  <a:tcPr marL="6825" marR="6825" marT="6825" marB="0" anchor="ctr">
                     <a:lnL w="6350" cap="flat" cmpd="sng" algn="ctr">
                       <a:solidFill>
                         <a:srgbClr val="000000"/>
@@ -15535,7 +15678,7 @@
                       </a:r>
                     </a:p>
                   </a:txBody>
-                  <a:tcPr marL="5394" marR="5394" marT="5394" marB="0" anchor="ctr">
+                  <a:tcPr marL="6825" marR="6825" marT="6825" marB="0" anchor="ctr">
                     <a:lnL w="6350" cap="flat" cmpd="sng" algn="ctr">
                       <a:solidFill>
                         <a:srgbClr val="000000"/>
@@ -15595,7 +15738,7 @@
                       </a:r>
                     </a:p>
                   </a:txBody>
-                  <a:tcPr marL="5394" marR="5394" marT="5394" marB="0" anchor="ctr">
+                  <a:tcPr marL="6825" marR="6825" marT="6825" marB="0" anchor="ctr">
                     <a:lnL w="6350" cap="flat" cmpd="sng" algn="ctr">
                       <a:solidFill>
                         <a:srgbClr val="000000"/>
@@ -15655,7 +15798,7 @@
                       </a:r>
                     </a:p>
                   </a:txBody>
-                  <a:tcPr marL="5394" marR="5394" marT="5394" marB="0" anchor="ctr">
+                  <a:tcPr marL="6825" marR="6825" marT="6825" marB="0" anchor="ctr">
                     <a:lnL w="6350" cap="flat" cmpd="sng" algn="ctr">
                       <a:solidFill>
                         <a:srgbClr val="000000"/>
@@ -15715,7 +15858,7 @@
                       </a:r>
                     </a:p>
                   </a:txBody>
-                  <a:tcPr marL="5394" marR="5394" marT="5394" marB="0" anchor="ctr">
+                  <a:tcPr marL="6825" marR="6825" marT="6825" marB="0" anchor="ctr">
                     <a:lnL w="6350" cap="flat" cmpd="sng" algn="ctr">
                       <a:solidFill>
                         <a:srgbClr val="000000"/>
@@ -15775,7 +15918,7 @@
                       </a:r>
                     </a:p>
                   </a:txBody>
-                  <a:tcPr marL="5394" marR="5394" marT="5394" marB="0" anchor="ctr">
+                  <a:tcPr marL="6825" marR="6825" marT="6825" marB="0" anchor="ctr">
                     <a:lnL w="6350" cap="flat" cmpd="sng" algn="ctr">
                       <a:solidFill>
                         <a:srgbClr val="000000"/>
@@ -15835,7 +15978,7 @@
                       </a:r>
                     </a:p>
                   </a:txBody>
-                  <a:tcPr marL="5394" marR="5394" marT="5394" marB="0" anchor="ctr">
+                  <a:tcPr marL="6825" marR="6825" marT="6825" marB="0" anchor="ctr">
                     <a:lnL w="6350" cap="flat" cmpd="sng" algn="ctr">
                       <a:solidFill>
                         <a:srgbClr val="000000"/>
@@ -15895,7 +16038,7 @@
                       </a:r>
                     </a:p>
                   </a:txBody>
-                  <a:tcPr marL="5394" marR="5394" marT="5394" marB="0" anchor="ctr">
+                  <a:tcPr marL="6825" marR="6825" marT="6825" marB="0" anchor="ctr">
                     <a:lnL w="6350" cap="flat" cmpd="sng" algn="ctr">
                       <a:solidFill>
                         <a:srgbClr val="000000"/>
@@ -15955,7 +16098,7 @@
                       </a:r>
                     </a:p>
                   </a:txBody>
-                  <a:tcPr marL="5394" marR="5394" marT="5394" marB="0" anchor="ctr">
+                  <a:tcPr marL="6825" marR="6825" marT="6825" marB="0" anchor="ctr">
                     <a:lnL w="6350" cap="flat" cmpd="sng" algn="ctr">
                       <a:solidFill>
                         <a:srgbClr val="000000"/>
@@ -16015,7 +16158,7 @@
                       </a:r>
                     </a:p>
                   </a:txBody>
-                  <a:tcPr marL="5394" marR="5394" marT="5394" marB="0" anchor="ctr">
+                  <a:tcPr marL="6825" marR="6825" marT="6825" marB="0" anchor="ctr">
                     <a:lnL w="6350" cap="flat" cmpd="sng" algn="ctr">
                       <a:solidFill>
                         <a:srgbClr val="000000"/>
@@ -16071,11 +16214,11 @@
                           <a:effectLst/>
                           <a:latin typeface="Calibri" panose="020F0502020204030204" pitchFamily="34" charset="0"/>
                         </a:rPr>
-                        <a:t> </a:t>
-                      </a:r>
-                    </a:p>
-                  </a:txBody>
-                  <a:tcPr marL="5394" marR="5394" marT="5394" marB="0" anchor="ctr">
+                        <a:t>X</a:t>
+                      </a:r>
+                    </a:p>
+                  </a:txBody>
+                  <a:tcPr marL="6825" marR="6825" marT="6825" marB="0" anchor="ctr">
                     <a:lnL w="6350" cap="flat" cmpd="sng" algn="ctr">
                       <a:solidFill>
                         <a:srgbClr val="000000"/>
@@ -16135,7 +16278,7 @@
                       </a:r>
                     </a:p>
                   </a:txBody>
-                  <a:tcPr marL="5394" marR="5394" marT="5394" marB="0" anchor="ctr">
+                  <a:tcPr marL="6825" marR="6825" marT="6825" marB="0" anchor="ctr">
                     <a:lnL w="6350" cap="flat" cmpd="sng" algn="ctr">
                       <a:solidFill>
                         <a:srgbClr val="000000"/>
@@ -16195,7 +16338,7 @@
                       </a:r>
                     </a:p>
                   </a:txBody>
-                  <a:tcPr marL="5394" marR="5394" marT="5394" marB="0" anchor="ctr">
+                  <a:tcPr marL="6825" marR="6825" marT="6825" marB="0" anchor="ctr">
                     <a:lnL w="6350" cap="flat" cmpd="sng" algn="ctr">
                       <a:solidFill>
                         <a:srgbClr val="000000"/>
@@ -16255,7 +16398,7 @@
                       </a:r>
                     </a:p>
                   </a:txBody>
-                  <a:tcPr marL="5394" marR="5394" marT="5394" marB="0" anchor="ctr">
+                  <a:tcPr marL="6825" marR="6825" marT="6825" marB="0" anchor="ctr">
                     <a:lnL w="12700" cap="flat" cmpd="sng" algn="ctr">
                       <a:solidFill>
                         <a:srgbClr val="000000"/>
@@ -16311,11 +16454,11 @@
                           <a:effectLst/>
                           <a:latin typeface="Calibri" panose="020F0502020204030204" pitchFamily="34" charset="0"/>
                         </a:rPr>
-                        <a:t> </a:t>
-                      </a:r>
-                    </a:p>
-                  </a:txBody>
-                  <a:tcPr marL="5394" marR="5394" marT="5394" marB="0" anchor="ctr">
+                        <a:t>X</a:t>
+                      </a:r>
+                    </a:p>
+                  </a:txBody>
+                  <a:tcPr marL="6825" marR="6825" marT="6825" marB="0" anchor="ctr">
                     <a:lnL w="6350" cap="flat" cmpd="sng" algn="ctr">
                       <a:solidFill>
                         <a:srgbClr val="000000"/>
@@ -16371,11 +16514,11 @@
                           <a:effectLst/>
                           <a:latin typeface="Calibri" panose="020F0502020204030204" pitchFamily="34" charset="0"/>
                         </a:rPr>
-                        <a:t> </a:t>
-                      </a:r>
-                    </a:p>
-                  </a:txBody>
-                  <a:tcPr marL="5394" marR="5394" marT="5394" marB="0" anchor="ctr">
+                        <a:t>X</a:t>
+                      </a:r>
+                    </a:p>
+                  </a:txBody>
+                  <a:tcPr marL="6825" marR="6825" marT="6825" marB="0" anchor="ctr">
                     <a:lnL w="6350" cap="flat" cmpd="sng" algn="ctr">
                       <a:solidFill>
                         <a:srgbClr val="000000"/>
@@ -16435,7 +16578,7 @@
                       </a:r>
                     </a:p>
                   </a:txBody>
-                  <a:tcPr marL="5394" marR="5394" marT="5394" marB="0" anchor="ctr">
+                  <a:tcPr marL="6825" marR="6825" marT="6825" marB="0" anchor="ctr">
                     <a:lnL w="6350" cap="flat" cmpd="sng" algn="ctr">
                       <a:solidFill>
                         <a:srgbClr val="000000"/>
@@ -16495,7 +16638,7 @@
                       </a:r>
                     </a:p>
                   </a:txBody>
-                  <a:tcPr marL="5394" marR="5394" marT="5394" marB="0" anchor="ctr">
+                  <a:tcPr marL="6825" marR="6825" marT="6825" marB="0" anchor="ctr">
                     <a:lnL w="6350" cap="flat" cmpd="sng" algn="ctr">
                       <a:solidFill>
                         <a:srgbClr val="000000"/>
@@ -16555,7 +16698,7 @@
                       </a:r>
                     </a:p>
                   </a:txBody>
-                  <a:tcPr marL="5394" marR="5394" marT="5394" marB="0" anchor="ctr">
+                  <a:tcPr marL="6825" marR="6825" marT="6825" marB="0" anchor="ctr">
                     <a:lnL w="6350" cap="flat" cmpd="sng" algn="ctr">
                       <a:solidFill>
                         <a:srgbClr val="000000"/>
@@ -16615,7 +16758,7 @@
                       </a:r>
                     </a:p>
                   </a:txBody>
-                  <a:tcPr marL="5394" marR="5394" marT="5394" marB="0" anchor="ctr">
+                  <a:tcPr marL="6825" marR="6825" marT="6825" marB="0" anchor="ctr">
                     <a:lnL w="6350" cap="flat" cmpd="sng" algn="ctr">
                       <a:solidFill>
                         <a:srgbClr val="000000"/>
@@ -16675,7 +16818,7 @@
                       </a:r>
                     </a:p>
                   </a:txBody>
-                  <a:tcPr marL="5394" marR="5394" marT="5394" marB="0" anchor="ctr">
+                  <a:tcPr marL="6825" marR="6825" marT="6825" marB="0" anchor="ctr">
                     <a:lnL w="6350" cap="flat" cmpd="sng" algn="ctr">
                       <a:solidFill>
                         <a:srgbClr val="000000"/>
@@ -16735,7 +16878,7 @@
                       </a:r>
                     </a:p>
                   </a:txBody>
-                  <a:tcPr marL="5394" marR="5394" marT="5394" marB="0" anchor="ctr">
+                  <a:tcPr marL="6825" marR="6825" marT="6825" marB="0" anchor="ctr">
                     <a:lnL w="6350" cap="flat" cmpd="sng" algn="ctr">
                       <a:solidFill>
                         <a:srgbClr val="000000"/>
@@ -16795,7 +16938,7 @@
                       </a:r>
                     </a:p>
                   </a:txBody>
-                  <a:tcPr marL="5394" marR="5394" marT="5394" marB="0" anchor="ctr">
+                  <a:tcPr marL="6825" marR="6825" marT="6825" marB="0" anchor="ctr">
                     <a:lnL w="6350" cap="flat" cmpd="sng" algn="ctr">
                       <a:solidFill>
                         <a:srgbClr val="000000"/>
@@ -16855,7 +16998,7 @@
                       </a:r>
                     </a:p>
                   </a:txBody>
-                  <a:tcPr marL="5394" marR="5394" marT="5394" marB="0" anchor="ctr">
+                  <a:tcPr marL="6825" marR="6825" marT="6825" marB="0" anchor="ctr">
                     <a:lnL w="6350" cap="flat" cmpd="sng" algn="ctr">
                       <a:solidFill>
                         <a:srgbClr val="000000"/>
@@ -16915,7 +17058,7 @@
                       </a:r>
                     </a:p>
                   </a:txBody>
-                  <a:tcPr marL="5394" marR="5394" marT="5394" marB="0" anchor="ctr">
+                  <a:tcPr marL="6825" marR="6825" marT="6825" marB="0" anchor="ctr">
                     <a:lnL w="6350" cap="flat" cmpd="sng" algn="ctr">
                       <a:solidFill>
                         <a:srgbClr val="000000"/>
@@ -16975,7 +17118,7 @@
                       </a:r>
                     </a:p>
                   </a:txBody>
-                  <a:tcPr marL="5394" marR="5394" marT="5394" marB="0" anchor="ctr">
+                  <a:tcPr marL="6825" marR="6825" marT="6825" marB="0" anchor="ctr">
                     <a:lnL w="6350" cap="flat" cmpd="sng" algn="ctr">
                       <a:solidFill>
                         <a:srgbClr val="000000"/>
@@ -17035,7 +17178,7 @@
                       </a:r>
                     </a:p>
                   </a:txBody>
-                  <a:tcPr marL="5394" marR="5394" marT="5394" marB="0" anchor="ctr">
+                  <a:tcPr marL="6825" marR="6825" marT="6825" marB="0" anchor="ctr">
                     <a:lnL w="6350" cap="flat" cmpd="sng" algn="ctr">
                       <a:solidFill>
                         <a:srgbClr val="000000"/>
@@ -17079,11 +17222,11 @@
                 </a:tc>
                 <a:extLst>
                   <a:ext uri="{0D108BD9-81ED-4DB2-BD59-A6C34878D82A}">
-                    <a16:rowId xmlns:a16="http://schemas.microsoft.com/office/drawing/2014/main" val="3055788405"/>
+                    <a16:rowId xmlns:a16="http://schemas.microsoft.com/office/drawing/2014/main" val="1315608143"/>
                   </a:ext>
                 </a:extLst>
               </a:tr>
-              <a:tr h="201460">
+              <a:tr h="200265">
                 <a:tc vMerge="1">
                   <a:txBody>
                     <a:bodyPr/>
@@ -17112,7 +17255,7 @@
                       </a:r>
                     </a:p>
                   </a:txBody>
-                  <a:tcPr marL="5394" marR="5394" marT="5394" marB="0" anchor="b">
+                  <a:tcPr marL="6825" marR="6825" marT="6825" marB="0" anchor="b">
                     <a:lnL w="6350" cap="flat" cmpd="sng" algn="ctr">
                       <a:solidFill>
                         <a:srgbClr val="000000"/>
@@ -17169,7 +17312,7 @@
                       </a:r>
                     </a:p>
                   </a:txBody>
-                  <a:tcPr marL="5394" marR="5394" marT="5394" marB="0" anchor="ctr">
+                  <a:tcPr marL="6825" marR="6825" marT="6825" marB="0" anchor="ctr">
                     <a:lnL w="12700" cap="flat" cmpd="sng" algn="ctr">
                       <a:solidFill>
                         <a:srgbClr val="000000"/>
@@ -17226,7 +17369,7 @@
                       </a:r>
                     </a:p>
                   </a:txBody>
-                  <a:tcPr marL="5394" marR="5394" marT="5394" marB="0" anchor="ctr">
+                  <a:tcPr marL="6825" marR="6825" marT="6825" marB="0" anchor="ctr">
                     <a:lnL w="6350" cap="flat" cmpd="sng" algn="ctr">
                       <a:solidFill>
                         <a:srgbClr val="000000"/>
@@ -17283,7 +17426,7 @@
                       </a:r>
                     </a:p>
                   </a:txBody>
-                  <a:tcPr marL="5394" marR="5394" marT="5394" marB="0" anchor="ctr">
+                  <a:tcPr marL="6825" marR="6825" marT="6825" marB="0" anchor="ctr">
                     <a:lnL w="6350" cap="flat" cmpd="sng" algn="ctr">
                       <a:solidFill>
                         <a:srgbClr val="000000"/>
@@ -17340,7 +17483,7 @@
                       </a:r>
                     </a:p>
                   </a:txBody>
-                  <a:tcPr marL="5394" marR="5394" marT="5394" marB="0" anchor="ctr">
+                  <a:tcPr marL="6825" marR="6825" marT="6825" marB="0" anchor="ctr">
                     <a:lnL w="6350" cap="flat" cmpd="sng" algn="ctr">
                       <a:solidFill>
                         <a:srgbClr val="000000"/>
@@ -17397,7 +17540,7 @@
                       </a:r>
                     </a:p>
                   </a:txBody>
-                  <a:tcPr marL="5394" marR="5394" marT="5394" marB="0" anchor="ctr">
+                  <a:tcPr marL="6825" marR="6825" marT="6825" marB="0" anchor="ctr">
                     <a:lnL w="12700" cap="flat" cmpd="sng" algn="ctr">
                       <a:solidFill>
                         <a:srgbClr val="000000"/>
@@ -17457,7 +17600,7 @@
                       </a:r>
                     </a:p>
                   </a:txBody>
-                  <a:tcPr marL="5394" marR="5394" marT="5394" marB="0" anchor="ctr">
+                  <a:tcPr marL="6825" marR="6825" marT="6825" marB="0" anchor="ctr">
                     <a:lnL w="6350" cap="flat" cmpd="sng" algn="ctr">
                       <a:solidFill>
                         <a:srgbClr val="000000"/>
@@ -17514,7 +17657,7 @@
                       </a:r>
                     </a:p>
                   </a:txBody>
-                  <a:tcPr marL="5394" marR="5394" marT="5394" marB="0" anchor="ctr">
+                  <a:tcPr marL="6825" marR="6825" marT="6825" marB="0" anchor="ctr">
                     <a:lnL w="6350" cap="flat" cmpd="sng" algn="ctr">
                       <a:solidFill>
                         <a:srgbClr val="000000"/>
@@ -17574,7 +17717,7 @@
                       </a:r>
                     </a:p>
                   </a:txBody>
-                  <a:tcPr marL="5394" marR="5394" marT="5394" marB="0" anchor="ctr">
+                  <a:tcPr marL="6825" marR="6825" marT="6825" marB="0" anchor="ctr">
                     <a:lnL w="6350" cap="flat" cmpd="sng" algn="ctr">
                       <a:solidFill>
                         <a:srgbClr val="000000"/>
@@ -17631,7 +17774,7 @@
                       </a:r>
                     </a:p>
                   </a:txBody>
-                  <a:tcPr marL="5394" marR="5394" marT="5394" marB="0" anchor="ctr">
+                  <a:tcPr marL="6825" marR="6825" marT="6825" marB="0" anchor="ctr">
                     <a:lnL w="6350" cap="flat" cmpd="sng" algn="ctr">
                       <a:solidFill>
                         <a:srgbClr val="000000"/>
@@ -17691,7 +17834,7 @@
                       </a:r>
                     </a:p>
                   </a:txBody>
-                  <a:tcPr marL="5394" marR="5394" marT="5394" marB="0" anchor="ctr">
+                  <a:tcPr marL="6825" marR="6825" marT="6825" marB="0" anchor="ctr">
                     <a:lnL w="6350" cap="flat" cmpd="sng" algn="ctr">
                       <a:solidFill>
                         <a:srgbClr val="000000"/>
@@ -17748,7 +17891,7 @@
                       </a:r>
                     </a:p>
                   </a:txBody>
-                  <a:tcPr marL="5394" marR="5394" marT="5394" marB="0" anchor="ctr">
+                  <a:tcPr marL="6825" marR="6825" marT="6825" marB="0" anchor="ctr">
                     <a:lnL w="6350" cap="flat" cmpd="sng" algn="ctr">
                       <a:solidFill>
                         <a:srgbClr val="000000"/>
@@ -17808,7 +17951,7 @@
                       </a:r>
                     </a:p>
                   </a:txBody>
-                  <a:tcPr marL="5394" marR="5394" marT="5394" marB="0" anchor="ctr">
+                  <a:tcPr marL="6825" marR="6825" marT="6825" marB="0" anchor="ctr">
                     <a:lnL w="6350" cap="flat" cmpd="sng" algn="ctr">
                       <a:solidFill>
                         <a:srgbClr val="000000"/>
@@ -17865,7 +18008,7 @@
                       </a:r>
                     </a:p>
                   </a:txBody>
-                  <a:tcPr marL="5394" marR="5394" marT="5394" marB="0" anchor="ctr">
+                  <a:tcPr marL="6825" marR="6825" marT="6825" marB="0" anchor="ctr">
                     <a:lnL w="6350" cap="flat" cmpd="sng" algn="ctr">
                       <a:solidFill>
                         <a:srgbClr val="000000"/>
@@ -17922,7 +18065,7 @@
                       </a:r>
                     </a:p>
                   </a:txBody>
-                  <a:tcPr marL="5394" marR="5394" marT="5394" marB="0" anchor="ctr">
+                  <a:tcPr marL="6825" marR="6825" marT="6825" marB="0" anchor="ctr">
                     <a:lnL w="6350" cap="flat" cmpd="sng" algn="ctr">
                       <a:solidFill>
                         <a:srgbClr val="000000"/>
@@ -17982,7 +18125,7 @@
                       </a:r>
                     </a:p>
                   </a:txBody>
-                  <a:tcPr marL="5394" marR="5394" marT="5394" marB="0" anchor="ctr">
+                  <a:tcPr marL="6825" marR="6825" marT="6825" marB="0" anchor="ctr">
                     <a:lnL w="6350" cap="flat" cmpd="sng" algn="ctr">
                       <a:solidFill>
                         <a:srgbClr val="000000"/>
@@ -18039,7 +18182,7 @@
                       </a:r>
                     </a:p>
                   </a:txBody>
-                  <a:tcPr marL="5394" marR="5394" marT="5394" marB="0" anchor="ctr">
+                  <a:tcPr marL="6825" marR="6825" marT="6825" marB="0" anchor="ctr">
                     <a:lnL w="6350" cap="flat" cmpd="sng" algn="ctr">
                       <a:solidFill>
                         <a:srgbClr val="000000"/>
@@ -18099,7 +18242,7 @@
                       </a:r>
                     </a:p>
                   </a:txBody>
-                  <a:tcPr marL="5394" marR="5394" marT="5394" marB="0" anchor="ctr">
+                  <a:tcPr marL="6825" marR="6825" marT="6825" marB="0" anchor="ctr">
                     <a:lnL w="6350" cap="flat" cmpd="sng" algn="ctr">
                       <a:solidFill>
                         <a:srgbClr val="000000"/>
@@ -18156,7 +18299,7 @@
                       </a:r>
                     </a:p>
                   </a:txBody>
-                  <a:tcPr marL="5394" marR="5394" marT="5394" marB="0" anchor="ctr">
+                  <a:tcPr marL="6825" marR="6825" marT="6825" marB="0" anchor="ctr">
                     <a:lnL w="6350" cap="flat" cmpd="sng" algn="ctr">
                       <a:solidFill>
                         <a:srgbClr val="000000"/>
@@ -18216,7 +18359,7 @@
                       </a:r>
                     </a:p>
                   </a:txBody>
-                  <a:tcPr marL="5394" marR="5394" marT="5394" marB="0" anchor="ctr">
+                  <a:tcPr marL="6825" marR="6825" marT="6825" marB="0" anchor="ctr">
                     <a:lnL w="12700" cap="flat" cmpd="sng" algn="ctr">
                       <a:solidFill>
                         <a:srgbClr val="000000"/>
@@ -18273,7 +18416,7 @@
                       </a:r>
                     </a:p>
                   </a:txBody>
-                  <a:tcPr marL="5394" marR="5394" marT="5394" marB="0" anchor="ctr">
+                  <a:tcPr marL="6825" marR="6825" marT="6825" marB="0" anchor="ctr">
                     <a:lnL w="6350" cap="flat" cmpd="sng" algn="ctr">
                       <a:solidFill>
                         <a:srgbClr val="000000"/>
@@ -18329,11 +18472,68 @@
                           <a:effectLst/>
                           <a:latin typeface="Calibri" panose="020F0502020204030204" pitchFamily="34" charset="0"/>
                         </a:rPr>
+                        <a:t>X</a:t>
+                      </a:r>
+                    </a:p>
+                  </a:txBody>
+                  <a:tcPr marL="6825" marR="6825" marT="6825" marB="0" anchor="ctr">
+                    <a:lnL w="6350" cap="flat" cmpd="sng" algn="ctr">
+                      <a:solidFill>
+                        <a:srgbClr val="000000"/>
+                      </a:solidFill>
+                      <a:prstDash val="solid"/>
+                      <a:round/>
+                      <a:headEnd type="none" w="med" len="med"/>
+                      <a:tailEnd type="none" w="med" len="med"/>
+                    </a:lnL>
+                    <a:lnR w="6350" cap="flat" cmpd="sng" algn="ctr">
+                      <a:solidFill>
+                        <a:srgbClr val="000000"/>
+                      </a:solidFill>
+                      <a:prstDash val="solid"/>
+                      <a:round/>
+                      <a:headEnd type="none" w="med" len="med"/>
+                      <a:tailEnd type="none" w="med" len="med"/>
+                    </a:lnR>
+                    <a:lnT w="6350" cap="flat" cmpd="sng" algn="ctr">
+                      <a:solidFill>
+                        <a:srgbClr val="000000"/>
+                      </a:solidFill>
+                      <a:prstDash val="solid"/>
+                      <a:round/>
+                      <a:headEnd type="none" w="med" len="med"/>
+                      <a:tailEnd type="none" w="med" len="med"/>
+                    </a:lnT>
+                    <a:lnB w="6350" cap="flat" cmpd="sng" algn="ctr">
+                      <a:solidFill>
+                        <a:srgbClr val="000000"/>
+                      </a:solidFill>
+                      <a:prstDash val="solid"/>
+                      <a:round/>
+                      <a:headEnd type="none" w="med" len="med"/>
+                      <a:tailEnd type="none" w="med" len="med"/>
+                    </a:lnB>
+                  </a:tcPr>
+                </a:tc>
+                <a:tc>
+                  <a:txBody>
+                    <a:bodyPr/>
+                    <a:lstStyle/>
+                    <a:p>
+                      <a:pPr algn="ctr" fontAlgn="ctr"/>
+                      <a:r>
+                        <a:rPr lang="en-US" sz="800" b="0" i="0" u="none" strike="noStrike">
+                          <a:solidFill>
+                            <a:srgbClr val="000000"/>
+                          </a:solidFill>
+                          <a:effectLst/>
+                          <a:latin typeface="Calibri" panose="020F0502020204030204" pitchFamily="34" charset="0"/>
+                        </a:rPr>
                         <a:t> </a:t>
                       </a:r>
                     </a:p>
                   </a:txBody>
-                  <a:tcPr marL="5394" marR="5394" marT="5394" marB="0" anchor="ctr">
+                  <a:tcPr marL="6825" marR="6825" marT="6825" marB="0" anchor="ctr">
                     <a:lnL w="6350" cap="flat" cmpd="sng" algn="ctr">
                       <a:solidFill>
                         <a:srgbClr val="000000"/>
@@ -18390,64 +18590,7 @@
                       </a:r>
                     </a:p>
                   </a:txBody>
-                  <a:tcPr marL="5394" marR="5394" marT="5394" marB="0" anchor="ctr">
-                    <a:lnL w="6350" cap="flat" cmpd="sng" algn="ctr">
-                      <a:solidFill>
-                        <a:srgbClr val="000000"/>
-                      </a:solidFill>
-                      <a:prstDash val="solid"/>
-                      <a:round/>
-                      <a:headEnd type="none" w="med" len="med"/>
-                      <a:tailEnd type="none" w="med" len="med"/>
-                    </a:lnL>
-                    <a:lnR w="6350" cap="flat" cmpd="sng" algn="ctr">
-                      <a:solidFill>
-                        <a:srgbClr val="000000"/>
-                      </a:solidFill>
-                      <a:prstDash val="solid"/>
-                      <a:round/>
-                      <a:headEnd type="none" w="med" len="med"/>
-                      <a:tailEnd type="none" w="med" len="med"/>
-                    </a:lnR>
-                    <a:lnT w="6350" cap="flat" cmpd="sng" algn="ctr">
-                      <a:solidFill>
-                        <a:srgbClr val="000000"/>
-                      </a:solidFill>
-                      <a:prstDash val="solid"/>
-                      <a:round/>
-                      <a:headEnd type="none" w="med" len="med"/>
-                      <a:tailEnd type="none" w="med" len="med"/>
-                    </a:lnT>
-                    <a:lnB w="6350" cap="flat" cmpd="sng" algn="ctr">
-                      <a:solidFill>
-                        <a:srgbClr val="000000"/>
-                      </a:solidFill>
-                      <a:prstDash val="solid"/>
-                      <a:round/>
-                      <a:headEnd type="none" w="med" len="med"/>
-                      <a:tailEnd type="none" w="med" len="med"/>
-                    </a:lnB>
-                  </a:tcPr>
-                </a:tc>
-                <a:tc>
-                  <a:txBody>
-                    <a:bodyPr/>
-                    <a:lstStyle/>
-                    <a:p>
-                      <a:pPr algn="ctr" fontAlgn="ctr"/>
-                      <a:r>
-                        <a:rPr lang="en-US" sz="800" b="0" i="0" u="none" strike="noStrike">
-                          <a:solidFill>
-                            <a:srgbClr val="000000"/>
-                          </a:solidFill>
-                          <a:effectLst/>
-                          <a:latin typeface="Calibri" panose="020F0502020204030204" pitchFamily="34" charset="0"/>
-                        </a:rPr>
-                        <a:t> </a:t>
-                      </a:r>
-                    </a:p>
-                  </a:txBody>
-                  <a:tcPr marL="5394" marR="5394" marT="5394" marB="0" anchor="ctr">
+                  <a:tcPr marL="6825" marR="6825" marT="6825" marB="0" anchor="ctr">
                     <a:lnL w="6350" cap="flat" cmpd="sng" algn="ctr">
                       <a:solidFill>
                         <a:srgbClr val="000000"/>
@@ -18503,11 +18646,11 @@
                           <a:effectLst/>
                           <a:latin typeface="Calibri" panose="020F0502020204030204" pitchFamily="34" charset="0"/>
                         </a:rPr>
-                        <a:t> </a:t>
-                      </a:r>
-                    </a:p>
-                  </a:txBody>
-                  <a:tcPr marL="5394" marR="5394" marT="5394" marB="0" anchor="ctr">
+                        <a:t>X</a:t>
+                      </a:r>
+                    </a:p>
+                  </a:txBody>
+                  <a:tcPr marL="6825" marR="6825" marT="6825" marB="0" anchor="ctr">
                     <a:lnL w="6350" cap="flat" cmpd="sng" algn="ctr">
                       <a:solidFill>
                         <a:srgbClr val="000000"/>
@@ -18560,11 +18703,11 @@
                           <a:effectLst/>
                           <a:latin typeface="Calibri" panose="020F0502020204030204" pitchFamily="34" charset="0"/>
                         </a:rPr>
-                        <a:t> </a:t>
-                      </a:r>
-                    </a:p>
-                  </a:txBody>
-                  <a:tcPr marL="5394" marR="5394" marT="5394" marB="0" anchor="ctr">
+                        <a:t>X</a:t>
+                      </a:r>
+                    </a:p>
+                  </a:txBody>
+                  <a:tcPr marL="6825" marR="6825" marT="6825" marB="0" anchor="ctr">
                     <a:lnL w="6350" cap="flat" cmpd="sng" algn="ctr">
                       <a:solidFill>
                         <a:srgbClr val="000000"/>
@@ -18624,7 +18767,7 @@
                       </a:r>
                     </a:p>
                   </a:txBody>
-                  <a:tcPr marL="5394" marR="5394" marT="5394" marB="0" anchor="ctr">
+                  <a:tcPr marL="6825" marR="6825" marT="6825" marB="0" anchor="ctr">
                     <a:lnL w="6350" cap="flat" cmpd="sng" algn="ctr">
                       <a:solidFill>
                         <a:srgbClr val="000000"/>
@@ -18681,7 +18824,7 @@
                       </a:r>
                     </a:p>
                   </a:txBody>
-                  <a:tcPr marL="5394" marR="5394" marT="5394" marB="0" anchor="ctr">
+                  <a:tcPr marL="6825" marR="6825" marT="6825" marB="0" anchor="ctr">
                     <a:lnL w="6350" cap="flat" cmpd="sng" algn="ctr">
                       <a:solidFill>
                         <a:srgbClr val="000000"/>
@@ -18741,7 +18884,7 @@
                       </a:r>
                     </a:p>
                   </a:txBody>
-                  <a:tcPr marL="5394" marR="5394" marT="5394" marB="0" anchor="ctr">
+                  <a:tcPr marL="6825" marR="6825" marT="6825" marB="0" anchor="ctr">
                     <a:lnL w="6350" cap="flat" cmpd="sng" algn="ctr">
                       <a:solidFill>
                         <a:srgbClr val="000000"/>
@@ -18798,7 +18941,7 @@
                       </a:r>
                     </a:p>
                   </a:txBody>
-                  <a:tcPr marL="5394" marR="5394" marT="5394" marB="0" anchor="ctr">
+                  <a:tcPr marL="6825" marR="6825" marT="6825" marB="0" anchor="ctr">
                     <a:lnL w="6350" cap="flat" cmpd="sng" algn="ctr">
                       <a:solidFill>
                         <a:srgbClr val="000000"/>
@@ -18858,7 +19001,7 @@
                       </a:r>
                     </a:p>
                   </a:txBody>
-                  <a:tcPr marL="5394" marR="5394" marT="5394" marB="0" anchor="ctr">
+                  <a:tcPr marL="6825" marR="6825" marT="6825" marB="0" anchor="ctr">
                     <a:lnL w="6350" cap="flat" cmpd="sng" algn="ctr">
                       <a:solidFill>
                         <a:srgbClr val="000000"/>
@@ -18915,7 +19058,7 @@
                       </a:r>
                     </a:p>
                   </a:txBody>
-                  <a:tcPr marL="5394" marR="5394" marT="5394" marB="0" anchor="ctr">
+                  <a:tcPr marL="6825" marR="6825" marT="6825" marB="0" anchor="ctr">
                     <a:lnL w="6350" cap="flat" cmpd="sng" algn="ctr">
                       <a:solidFill>
                         <a:srgbClr val="000000"/>
@@ -18975,7 +19118,7 @@
                       </a:r>
                     </a:p>
                   </a:txBody>
-                  <a:tcPr marL="5394" marR="5394" marT="5394" marB="0" anchor="ctr">
+                  <a:tcPr marL="6825" marR="6825" marT="6825" marB="0" anchor="ctr">
                     <a:lnL w="6350" cap="flat" cmpd="sng" algn="ctr">
                       <a:solidFill>
                         <a:srgbClr val="000000"/>
@@ -19016,11 +19159,11 @@
                 </a:tc>
                 <a:extLst>
                   <a:ext uri="{0D108BD9-81ED-4DB2-BD59-A6C34878D82A}">
-                    <a16:rowId xmlns:a16="http://schemas.microsoft.com/office/drawing/2014/main" val="227742477"/>
+                    <a16:rowId xmlns:a16="http://schemas.microsoft.com/office/drawing/2014/main" val="3328794450"/>
                   </a:ext>
                 </a:extLst>
               </a:tr>
-              <a:tr h="201460">
+              <a:tr h="200265">
                 <a:tc vMerge="1">
                   <a:txBody>
                     <a:bodyPr/>
@@ -19049,7 +19192,7 @@
                       </a:r>
                     </a:p>
                   </a:txBody>
-                  <a:tcPr marL="5394" marR="5394" marT="5394" marB="0" anchor="b">
+                  <a:tcPr marL="6825" marR="6825" marT="6825" marB="0" anchor="b">
                     <a:lnL w="6350" cap="flat" cmpd="sng" algn="ctr">
                       <a:solidFill>
                         <a:srgbClr val="000000"/>
@@ -19109,7 +19252,7 @@
                       </a:r>
                     </a:p>
                   </a:txBody>
-                  <a:tcPr marL="5394" marR="5394" marT="5394" marB="0" anchor="ctr">
+                  <a:tcPr marL="6825" marR="6825" marT="6825" marB="0" anchor="ctr">
                     <a:lnL w="12700" cap="flat" cmpd="sng" algn="ctr">
                       <a:solidFill>
                         <a:srgbClr val="000000"/>
@@ -19169,7 +19312,7 @@
                       </a:r>
                     </a:p>
                   </a:txBody>
-                  <a:tcPr marL="5394" marR="5394" marT="5394" marB="0" anchor="ctr">
+                  <a:tcPr marL="6825" marR="6825" marT="6825" marB="0" anchor="ctr">
                     <a:lnL w="6350" cap="flat" cmpd="sng" algn="ctr">
                       <a:solidFill>
                         <a:srgbClr val="000000"/>
@@ -19229,7 +19372,7 @@
                       </a:r>
                     </a:p>
                   </a:txBody>
-                  <a:tcPr marL="5394" marR="5394" marT="5394" marB="0" anchor="ctr">
+                  <a:tcPr marL="6825" marR="6825" marT="6825" marB="0" anchor="ctr">
                     <a:lnL w="6350" cap="flat" cmpd="sng" algn="ctr">
                       <a:solidFill>
                         <a:srgbClr val="000000"/>
@@ -19289,7 +19432,7 @@
                       </a:r>
                     </a:p>
                   </a:txBody>
-                  <a:tcPr marL="5394" marR="5394" marT="5394" marB="0" anchor="ctr">
+                  <a:tcPr marL="6825" marR="6825" marT="6825" marB="0" anchor="ctr">
                     <a:lnL w="6350" cap="flat" cmpd="sng" algn="ctr">
                       <a:solidFill>
                         <a:srgbClr val="000000"/>
@@ -19349,7 +19492,7 @@
                       </a:r>
                     </a:p>
                   </a:txBody>
-                  <a:tcPr marL="5394" marR="5394" marT="5394" marB="0" anchor="ctr">
+                  <a:tcPr marL="6825" marR="6825" marT="6825" marB="0" anchor="ctr">
                     <a:lnL w="12700" cap="flat" cmpd="sng" algn="ctr">
                       <a:solidFill>
                         <a:srgbClr val="000000"/>
@@ -19409,7 +19552,7 @@
                       </a:r>
                     </a:p>
                   </a:txBody>
-                  <a:tcPr marL="5394" marR="5394" marT="5394" marB="0" anchor="ctr">
+                  <a:tcPr marL="6825" marR="6825" marT="6825" marB="0" anchor="ctr">
                     <a:lnL w="6350" cap="flat" cmpd="sng" algn="ctr">
                       <a:solidFill>
                         <a:srgbClr val="000000"/>
@@ -19469,7 +19612,7 @@
                       </a:r>
                     </a:p>
                   </a:txBody>
-                  <a:tcPr marL="5394" marR="5394" marT="5394" marB="0" anchor="ctr">
+                  <a:tcPr marL="6825" marR="6825" marT="6825" marB="0" anchor="ctr">
                     <a:lnL w="6350" cap="flat" cmpd="sng" algn="ctr">
                       <a:solidFill>
                         <a:srgbClr val="000000"/>
@@ -19529,7 +19672,7 @@
                       </a:r>
                     </a:p>
                   </a:txBody>
-                  <a:tcPr marL="5394" marR="5394" marT="5394" marB="0" anchor="ctr">
+                  <a:tcPr marL="6825" marR="6825" marT="6825" marB="0" anchor="ctr">
                     <a:lnL w="6350" cap="flat" cmpd="sng" algn="ctr">
                       <a:solidFill>
                         <a:srgbClr val="000000"/>
@@ -19589,7 +19732,7 @@
                       </a:r>
                     </a:p>
                   </a:txBody>
-                  <a:tcPr marL="5394" marR="5394" marT="5394" marB="0" anchor="ctr">
+                  <a:tcPr marL="6825" marR="6825" marT="6825" marB="0" anchor="ctr">
                     <a:lnL w="6350" cap="flat" cmpd="sng" algn="ctr">
                       <a:solidFill>
                         <a:srgbClr val="000000"/>
@@ -19649,7 +19792,7 @@
                       </a:r>
                     </a:p>
                   </a:txBody>
-                  <a:tcPr marL="5394" marR="5394" marT="5394" marB="0" anchor="ctr">
+                  <a:tcPr marL="6825" marR="6825" marT="6825" marB="0" anchor="ctr">
                     <a:lnL w="6350" cap="flat" cmpd="sng" algn="ctr">
                       <a:solidFill>
                         <a:srgbClr val="000000"/>
@@ -19709,7 +19852,7 @@
                       </a:r>
                     </a:p>
                   </a:txBody>
-                  <a:tcPr marL="5394" marR="5394" marT="5394" marB="0" anchor="ctr">
+                  <a:tcPr marL="6825" marR="6825" marT="6825" marB="0" anchor="ctr">
                     <a:lnL w="6350" cap="flat" cmpd="sng" algn="ctr">
                       <a:solidFill>
                         <a:srgbClr val="000000"/>
@@ -19769,7 +19912,7 @@
                       </a:r>
                     </a:p>
                   </a:txBody>
-                  <a:tcPr marL="5394" marR="5394" marT="5394" marB="0" anchor="ctr">
+                  <a:tcPr marL="6825" marR="6825" marT="6825" marB="0" anchor="ctr">
                     <a:lnL w="6350" cap="flat" cmpd="sng" algn="ctr">
                       <a:solidFill>
                         <a:srgbClr val="000000"/>
@@ -19829,7 +19972,7 @@
                       </a:r>
                     </a:p>
                   </a:txBody>
-                  <a:tcPr marL="5394" marR="5394" marT="5394" marB="0" anchor="ctr">
+                  <a:tcPr marL="6825" marR="6825" marT="6825" marB="0" anchor="ctr">
                     <a:lnL w="6350" cap="flat" cmpd="sng" algn="ctr">
                       <a:solidFill>
                         <a:srgbClr val="000000"/>
@@ -19889,7 +20032,7 @@
                       </a:r>
                     </a:p>
                   </a:txBody>
-                  <a:tcPr marL="5394" marR="5394" marT="5394" marB="0" anchor="ctr">
+                  <a:tcPr marL="6825" marR="6825" marT="6825" marB="0" anchor="ctr">
                     <a:lnL w="6350" cap="flat" cmpd="sng" algn="ctr">
                       <a:solidFill>
                         <a:srgbClr val="000000"/>
@@ -19949,7 +20092,7 @@
                       </a:r>
                     </a:p>
                   </a:txBody>
-                  <a:tcPr marL="5394" marR="5394" marT="5394" marB="0" anchor="ctr">
+                  <a:tcPr marL="6825" marR="6825" marT="6825" marB="0" anchor="ctr">
                     <a:lnL w="6350" cap="flat" cmpd="sng" algn="ctr">
                       <a:solidFill>
                         <a:srgbClr val="000000"/>
@@ -20009,7 +20152,7 @@
                       </a:r>
                     </a:p>
                   </a:txBody>
-                  <a:tcPr marL="5394" marR="5394" marT="5394" marB="0" anchor="ctr">
+                  <a:tcPr marL="6825" marR="6825" marT="6825" marB="0" anchor="ctr">
                     <a:lnL w="6350" cap="flat" cmpd="sng" algn="ctr">
                       <a:solidFill>
                         <a:srgbClr val="000000"/>
@@ -20069,7 +20212,7 @@
                       </a:r>
                     </a:p>
                   </a:txBody>
-                  <a:tcPr marL="5394" marR="5394" marT="5394" marB="0" anchor="ctr">
+                  <a:tcPr marL="6825" marR="6825" marT="6825" marB="0" anchor="ctr">
                     <a:lnL w="6350" cap="flat" cmpd="sng" algn="ctr">
                       <a:solidFill>
                         <a:srgbClr val="000000"/>
@@ -20129,7 +20272,7 @@
                       </a:r>
                     </a:p>
                   </a:txBody>
-                  <a:tcPr marL="5394" marR="5394" marT="5394" marB="0" anchor="ctr">
+                  <a:tcPr marL="6825" marR="6825" marT="6825" marB="0" anchor="ctr">
                     <a:lnL w="6350" cap="flat" cmpd="sng" algn="ctr">
                       <a:solidFill>
                         <a:srgbClr val="000000"/>
@@ -20189,7 +20332,7 @@
                       </a:r>
                     </a:p>
                   </a:txBody>
-                  <a:tcPr marL="5394" marR="5394" marT="5394" marB="0" anchor="ctr">
+                  <a:tcPr marL="6825" marR="6825" marT="6825" marB="0" anchor="ctr">
                     <a:lnL w="12700" cap="flat" cmpd="sng" algn="ctr">
                       <a:solidFill>
                         <a:srgbClr val="000000"/>
@@ -20249,7 +20392,7 @@
                       </a:r>
                     </a:p>
                   </a:txBody>
-                  <a:tcPr marL="5394" marR="5394" marT="5394" marB="0" anchor="ctr">
+                  <a:tcPr marL="6825" marR="6825" marT="6825" marB="0" anchor="ctr">
                     <a:lnL w="6350" cap="flat" cmpd="sng" algn="ctr">
                       <a:solidFill>
                         <a:srgbClr val="000000"/>
@@ -20309,7 +20452,7 @@
                       </a:r>
                     </a:p>
                   </a:txBody>
-                  <a:tcPr marL="5394" marR="5394" marT="5394" marB="0" anchor="ctr">
+                  <a:tcPr marL="6825" marR="6825" marT="6825" marB="0" anchor="ctr">
                     <a:lnL w="6350" cap="flat" cmpd="sng" algn="ctr">
                       <a:solidFill>
                         <a:srgbClr val="000000"/>
@@ -20369,7 +20512,7 @@
                       </a:r>
                     </a:p>
                   </a:txBody>
-                  <a:tcPr marL="5394" marR="5394" marT="5394" marB="0" anchor="ctr">
+                  <a:tcPr marL="6825" marR="6825" marT="6825" marB="0" anchor="ctr">
                     <a:lnL w="6350" cap="flat" cmpd="sng" algn="ctr">
                       <a:solidFill>
                         <a:srgbClr val="000000"/>
@@ -20429,7 +20572,7 @@
                       </a:r>
                     </a:p>
                   </a:txBody>
-                  <a:tcPr marL="5394" marR="5394" marT="5394" marB="0" anchor="ctr">
+                  <a:tcPr marL="6825" marR="6825" marT="6825" marB="0" anchor="ctr">
                     <a:lnL w="6350" cap="flat" cmpd="sng" algn="ctr">
                       <a:solidFill>
                         <a:srgbClr val="000000"/>
@@ -20489,7 +20632,7 @@
                       </a:r>
                     </a:p>
                   </a:txBody>
-                  <a:tcPr marL="5394" marR="5394" marT="5394" marB="0" anchor="ctr">
+                  <a:tcPr marL="6825" marR="6825" marT="6825" marB="0" anchor="ctr">
                     <a:lnL w="6350" cap="flat" cmpd="sng" algn="ctr">
                       <a:solidFill>
                         <a:srgbClr val="000000"/>
@@ -20549,7 +20692,7 @@
                       </a:r>
                     </a:p>
                   </a:txBody>
-                  <a:tcPr marL="5394" marR="5394" marT="5394" marB="0" anchor="ctr">
+                  <a:tcPr marL="6825" marR="6825" marT="6825" marB="0" anchor="ctr">
                     <a:lnL w="6350" cap="flat" cmpd="sng" algn="ctr">
                       <a:solidFill>
                         <a:srgbClr val="000000"/>
@@ -20609,7 +20752,7 @@
                       </a:r>
                     </a:p>
                   </a:txBody>
-                  <a:tcPr marL="5394" marR="5394" marT="5394" marB="0" anchor="ctr">
+                  <a:tcPr marL="6825" marR="6825" marT="6825" marB="0" anchor="ctr">
                     <a:lnL w="6350" cap="flat" cmpd="sng" algn="ctr">
                       <a:solidFill>
                         <a:srgbClr val="000000"/>
@@ -20669,7 +20812,7 @@
                       </a:r>
                     </a:p>
                   </a:txBody>
-                  <a:tcPr marL="5394" marR="5394" marT="5394" marB="0" anchor="ctr">
+                  <a:tcPr marL="6825" marR="6825" marT="6825" marB="0" anchor="ctr">
                     <a:lnL w="6350" cap="flat" cmpd="sng" algn="ctr">
                       <a:solidFill>
                         <a:srgbClr val="000000"/>
@@ -20729,7 +20872,7 @@
                       </a:r>
                     </a:p>
                   </a:txBody>
-                  <a:tcPr marL="5394" marR="5394" marT="5394" marB="0" anchor="ctr">
+                  <a:tcPr marL="6825" marR="6825" marT="6825" marB="0" anchor="ctr">
                     <a:lnL w="6350" cap="flat" cmpd="sng" algn="ctr">
                       <a:solidFill>
                         <a:srgbClr val="000000"/>
@@ -20789,7 +20932,7 @@
                       </a:r>
                     </a:p>
                   </a:txBody>
-                  <a:tcPr marL="5394" marR="5394" marT="5394" marB="0" anchor="ctr">
+                  <a:tcPr marL="6825" marR="6825" marT="6825" marB="0" anchor="ctr">
                     <a:lnL w="6350" cap="flat" cmpd="sng" algn="ctr">
                       <a:solidFill>
                         <a:srgbClr val="000000"/>
@@ -20849,7 +20992,7 @@
                       </a:r>
                     </a:p>
                   </a:txBody>
-                  <a:tcPr marL="5394" marR="5394" marT="5394" marB="0" anchor="ctr">
+                  <a:tcPr marL="6825" marR="6825" marT="6825" marB="0" anchor="ctr">
                     <a:lnL w="6350" cap="flat" cmpd="sng" algn="ctr">
                       <a:solidFill>
                         <a:srgbClr val="000000"/>
@@ -20909,7 +21052,7 @@
                       </a:r>
                     </a:p>
                   </a:txBody>
-                  <a:tcPr marL="5394" marR="5394" marT="5394" marB="0" anchor="ctr">
+                  <a:tcPr marL="6825" marR="6825" marT="6825" marB="0" anchor="ctr">
                     <a:lnL w="6350" cap="flat" cmpd="sng" algn="ctr">
                       <a:solidFill>
                         <a:srgbClr val="000000"/>
@@ -20969,7 +21112,7 @@
                       </a:r>
                     </a:p>
                   </a:txBody>
-                  <a:tcPr marL="5394" marR="5394" marT="5394" marB="0" anchor="ctr">
+                  <a:tcPr marL="6825" marR="6825" marT="6825" marB="0" anchor="ctr">
                     <a:lnL w="6350" cap="flat" cmpd="sng" algn="ctr">
                       <a:solidFill>
                         <a:srgbClr val="000000"/>
@@ -21013,11 +21156,11 @@
                 </a:tc>
                 <a:extLst>
                   <a:ext uri="{0D108BD9-81ED-4DB2-BD59-A6C34878D82A}">
-                    <a16:rowId xmlns:a16="http://schemas.microsoft.com/office/drawing/2014/main" val="1527282735"/>
+                    <a16:rowId xmlns:a16="http://schemas.microsoft.com/office/drawing/2014/main" val="3140568410"/>
                   </a:ext>
                 </a:extLst>
               </a:tr>
-              <a:tr h="201460">
+              <a:tr h="200265">
                 <a:tc>
                   <a:txBody>
                     <a:bodyPr/>
@@ -21036,7 +21179,7 @@
                       </a:r>
                     </a:p>
                   </a:txBody>
-                  <a:tcPr marL="5394" marR="5394" marT="5394" marB="0" anchor="b">
+                  <a:tcPr marL="6825" marR="6825" marT="6825" marB="0" anchor="b">
                     <a:lnL w="12700" cap="flat" cmpd="sng" algn="ctr">
                       <a:solidFill>
                         <a:srgbClr val="000000"/>
@@ -21093,7 +21236,7 @@
                       </a:r>
                     </a:p>
                   </a:txBody>
-                  <a:tcPr marL="5394" marR="5394" marT="5394" marB="0" anchor="b">
+                  <a:tcPr marL="6825" marR="6825" marT="6825" marB="0" anchor="b">
                     <a:lnL w="6350" cap="flat" cmpd="sng" algn="ctr">
                       <a:solidFill>
                         <a:srgbClr val="000000"/>
@@ -21150,7 +21293,7 @@
                       </a:r>
                     </a:p>
                   </a:txBody>
-                  <a:tcPr marL="5394" marR="5394" marT="5394" marB="0" anchor="ctr">
+                  <a:tcPr marL="6825" marR="6825" marT="6825" marB="0" anchor="ctr">
                     <a:lnL w="12700" cap="flat" cmpd="sng" algn="ctr">
                       <a:solidFill>
                         <a:srgbClr val="000000"/>
@@ -21207,7 +21350,7 @@
                       </a:r>
                     </a:p>
                   </a:txBody>
-                  <a:tcPr marL="5394" marR="5394" marT="5394" marB="0" anchor="ctr">
+                  <a:tcPr marL="6825" marR="6825" marT="6825" marB="0" anchor="ctr">
                     <a:lnL w="6350" cap="flat" cmpd="sng" algn="ctr">
                       <a:solidFill>
                         <a:srgbClr val="000000"/>
@@ -21264,7 +21407,7 @@
                       </a:r>
                     </a:p>
                   </a:txBody>
-                  <a:tcPr marL="5394" marR="5394" marT="5394" marB="0" anchor="ctr">
+                  <a:tcPr marL="6825" marR="6825" marT="6825" marB="0" anchor="ctr">
                     <a:lnL w="6350" cap="flat" cmpd="sng" algn="ctr">
                       <a:solidFill>
                         <a:srgbClr val="000000"/>
@@ -21321,7 +21464,7 @@
                       </a:r>
                     </a:p>
                   </a:txBody>
-                  <a:tcPr marL="5394" marR="5394" marT="5394" marB="0" anchor="ctr">
+                  <a:tcPr marL="6825" marR="6825" marT="6825" marB="0" anchor="ctr">
                     <a:lnL w="6350" cap="flat" cmpd="sng" algn="ctr">
                       <a:solidFill>
                         <a:srgbClr val="000000"/>
@@ -21378,7 +21521,7 @@
                       </a:r>
                     </a:p>
                   </a:txBody>
-                  <a:tcPr marL="5394" marR="5394" marT="5394" marB="0" anchor="ctr">
+                  <a:tcPr marL="6825" marR="6825" marT="6825" marB="0" anchor="ctr">
                     <a:lnL w="12700" cap="flat" cmpd="sng" algn="ctr">
                       <a:solidFill>
                         <a:srgbClr val="000000"/>
@@ -21438,7 +21581,7 @@
                       </a:r>
                     </a:p>
                   </a:txBody>
-                  <a:tcPr marL="5394" marR="5394" marT="5394" marB="0" anchor="ctr">
+                  <a:tcPr marL="6825" marR="6825" marT="6825" marB="0" anchor="ctr">
                     <a:lnL w="6350" cap="flat" cmpd="sng" algn="ctr">
                       <a:solidFill>
                         <a:srgbClr val="000000"/>
@@ -21495,7 +21638,7 @@
                       </a:r>
                     </a:p>
                   </a:txBody>
-                  <a:tcPr marL="5394" marR="5394" marT="5394" marB="0" anchor="ctr">
+                  <a:tcPr marL="6825" marR="6825" marT="6825" marB="0" anchor="ctr">
                     <a:lnL w="6350" cap="flat" cmpd="sng" algn="ctr">
                       <a:solidFill>
                         <a:srgbClr val="000000"/>
@@ -21555,7 +21698,7 @@
                       </a:r>
                     </a:p>
                   </a:txBody>
-                  <a:tcPr marL="5394" marR="5394" marT="5394" marB="0" anchor="ctr">
+                  <a:tcPr marL="6825" marR="6825" marT="6825" marB="0" anchor="ctr">
                     <a:lnL w="6350" cap="flat" cmpd="sng" algn="ctr">
                       <a:solidFill>
                         <a:srgbClr val="000000"/>
@@ -21612,7 +21755,7 @@
                       </a:r>
                     </a:p>
                   </a:txBody>
-                  <a:tcPr marL="5394" marR="5394" marT="5394" marB="0" anchor="ctr">
+                  <a:tcPr marL="6825" marR="6825" marT="6825" marB="0" anchor="ctr">
                     <a:lnL w="6350" cap="flat" cmpd="sng" algn="ctr">
                       <a:solidFill>
                         <a:srgbClr val="000000"/>
@@ -21672,7 +21815,7 @@
                       </a:r>
                     </a:p>
                   </a:txBody>
-                  <a:tcPr marL="5394" marR="5394" marT="5394" marB="0" anchor="ctr">
+                  <a:tcPr marL="6825" marR="6825" marT="6825" marB="0" anchor="ctr">
                     <a:lnL w="6350" cap="flat" cmpd="sng" algn="ctr">
                       <a:solidFill>
                         <a:srgbClr val="000000"/>
@@ -21729,7 +21872,7 @@
                       </a:r>
                     </a:p>
                   </a:txBody>
-                  <a:tcPr marL="5394" marR="5394" marT="5394" marB="0" anchor="ctr">
+                  <a:tcPr marL="6825" marR="6825" marT="6825" marB="0" anchor="ctr">
                     <a:lnL w="6350" cap="flat" cmpd="sng" algn="ctr">
                       <a:solidFill>
                         <a:srgbClr val="000000"/>
@@ -21789,7 +21932,7 @@
                       </a:r>
                     </a:p>
                   </a:txBody>
-                  <a:tcPr marL="5394" marR="5394" marT="5394" marB="0" anchor="ctr">
+                  <a:tcPr marL="6825" marR="6825" marT="6825" marB="0" anchor="ctr">
                     <a:lnL w="6350" cap="flat" cmpd="sng" algn="ctr">
                       <a:solidFill>
                         <a:srgbClr val="000000"/>
@@ -21846,7 +21989,7 @@
                       </a:r>
                     </a:p>
                   </a:txBody>
-                  <a:tcPr marL="5394" marR="5394" marT="5394" marB="0" anchor="ctr">
+                  <a:tcPr marL="6825" marR="6825" marT="6825" marB="0" anchor="ctr">
                     <a:lnL w="6350" cap="flat" cmpd="sng" algn="ctr">
                       <a:solidFill>
                         <a:srgbClr val="000000"/>
@@ -21903,7 +22046,7 @@
                       </a:r>
                     </a:p>
                   </a:txBody>
-                  <a:tcPr marL="5394" marR="5394" marT="5394" marB="0" anchor="ctr">
+                  <a:tcPr marL="6825" marR="6825" marT="6825" marB="0" anchor="ctr">
                     <a:lnL w="6350" cap="flat" cmpd="sng" algn="ctr">
                       <a:solidFill>
                         <a:srgbClr val="000000"/>
@@ -21963,7 +22106,7 @@
                       </a:r>
                     </a:p>
                   </a:txBody>
-                  <a:tcPr marL="5394" marR="5394" marT="5394" marB="0" anchor="ctr">
+                  <a:tcPr marL="6825" marR="6825" marT="6825" marB="0" anchor="ctr">
                     <a:lnL w="6350" cap="flat" cmpd="sng" algn="ctr">
                       <a:solidFill>
                         <a:srgbClr val="000000"/>
@@ -22020,7 +22163,7 @@
                       </a:r>
                     </a:p>
                   </a:txBody>
-                  <a:tcPr marL="5394" marR="5394" marT="5394" marB="0" anchor="ctr">
+                  <a:tcPr marL="6825" marR="6825" marT="6825" marB="0" anchor="ctr">
                     <a:lnL w="6350" cap="flat" cmpd="sng" algn="ctr">
                       <a:solidFill>
                         <a:srgbClr val="000000"/>
@@ -22080,7 +22223,7 @@
                       </a:r>
                     </a:p>
                   </a:txBody>
-                  <a:tcPr marL="5394" marR="5394" marT="5394" marB="0" anchor="ctr">
+                  <a:tcPr marL="6825" marR="6825" marT="6825" marB="0" anchor="ctr">
                     <a:lnL w="6350" cap="flat" cmpd="sng" algn="ctr">
                       <a:solidFill>
                         <a:srgbClr val="000000"/>
@@ -22137,7 +22280,7 @@
                       </a:r>
                     </a:p>
                   </a:txBody>
-                  <a:tcPr marL="5394" marR="5394" marT="5394" marB="0" anchor="ctr">
+                  <a:tcPr marL="6825" marR="6825" marT="6825" marB="0" anchor="ctr">
                     <a:lnL w="6350" cap="flat" cmpd="sng" algn="ctr">
                       <a:solidFill>
                         <a:srgbClr val="000000"/>
@@ -22197,7 +22340,7 @@
                       </a:r>
                     </a:p>
                   </a:txBody>
-                  <a:tcPr marL="5394" marR="5394" marT="5394" marB="0" anchor="ctr">
+                  <a:tcPr marL="6825" marR="6825" marT="6825" marB="0" anchor="ctr">
                     <a:lnL w="12700" cap="flat" cmpd="sng" algn="ctr">
                       <a:solidFill>
                         <a:srgbClr val="000000"/>
@@ -22254,7 +22397,7 @@
                       </a:r>
                     </a:p>
                   </a:txBody>
-                  <a:tcPr marL="5394" marR="5394" marT="5394" marB="0" anchor="ctr">
+                  <a:tcPr marL="6825" marR="6825" marT="6825" marB="0" anchor="ctr">
                     <a:lnL w="6350" cap="flat" cmpd="sng" algn="ctr">
                       <a:solidFill>
                         <a:srgbClr val="000000"/>
@@ -22314,7 +22457,7 @@
                       </a:r>
                     </a:p>
                   </a:txBody>
-                  <a:tcPr marL="5394" marR="5394" marT="5394" marB="0" anchor="ctr">
+                  <a:tcPr marL="6825" marR="6825" marT="6825" marB="0" anchor="ctr">
                     <a:lnL w="6350" cap="flat" cmpd="sng" algn="ctr">
                       <a:solidFill>
                         <a:srgbClr val="000000"/>
@@ -22371,7 +22514,7 @@
                       </a:r>
                     </a:p>
                   </a:txBody>
-                  <a:tcPr marL="5394" marR="5394" marT="5394" marB="0" anchor="ctr">
+                  <a:tcPr marL="6825" marR="6825" marT="6825" marB="0" anchor="ctr">
                     <a:lnL w="6350" cap="flat" cmpd="sng" algn="ctr">
                       <a:solidFill>
                         <a:srgbClr val="000000"/>
@@ -22428,7 +22571,7 @@
                       </a:r>
                     </a:p>
                   </a:txBody>
-                  <a:tcPr marL="5394" marR="5394" marT="5394" marB="0" anchor="ctr">
+                  <a:tcPr marL="6825" marR="6825" marT="6825" marB="0" anchor="ctr">
                     <a:lnL w="6350" cap="flat" cmpd="sng" algn="ctr">
                       <a:solidFill>
                         <a:srgbClr val="000000"/>
@@ -22488,7 +22631,7 @@
                       </a:r>
                     </a:p>
                   </a:txBody>
-                  <a:tcPr marL="5394" marR="5394" marT="5394" marB="0" anchor="ctr">
+                  <a:tcPr marL="6825" marR="6825" marT="6825" marB="0" anchor="ctr">
                     <a:lnL w="6350" cap="flat" cmpd="sng" algn="ctr">
                       <a:solidFill>
                         <a:srgbClr val="000000"/>
@@ -22545,7 +22688,7 @@
                       </a:r>
                     </a:p>
                   </a:txBody>
-                  <a:tcPr marL="5394" marR="5394" marT="5394" marB="0" anchor="ctr">
+                  <a:tcPr marL="6825" marR="6825" marT="6825" marB="0" anchor="ctr">
                     <a:lnL w="6350" cap="flat" cmpd="sng" algn="ctr">
                       <a:solidFill>
                         <a:srgbClr val="000000"/>
@@ -22605,7 +22748,7 @@
                       </a:r>
                     </a:p>
                   </a:txBody>
-                  <a:tcPr marL="5394" marR="5394" marT="5394" marB="0" anchor="ctr">
+                  <a:tcPr marL="6825" marR="6825" marT="6825" marB="0" anchor="ctr">
                     <a:lnL w="6350" cap="flat" cmpd="sng" algn="ctr">
                       <a:solidFill>
                         <a:srgbClr val="000000"/>
@@ -22662,7 +22805,7 @@
                       </a:r>
                     </a:p>
                   </a:txBody>
-                  <a:tcPr marL="5394" marR="5394" marT="5394" marB="0" anchor="ctr">
+                  <a:tcPr marL="6825" marR="6825" marT="6825" marB="0" anchor="ctr">
                     <a:lnL w="6350" cap="flat" cmpd="sng" algn="ctr">
                       <a:solidFill>
                         <a:srgbClr val="000000"/>
@@ -22722,7 +22865,7 @@
                       </a:r>
                     </a:p>
                   </a:txBody>
-                  <a:tcPr marL="5394" marR="5394" marT="5394" marB="0" anchor="ctr">
+                  <a:tcPr marL="6825" marR="6825" marT="6825" marB="0" anchor="ctr">
                     <a:lnL w="6350" cap="flat" cmpd="sng" algn="ctr">
                       <a:solidFill>
                         <a:srgbClr val="000000"/>
@@ -22779,7 +22922,7 @@
                       </a:r>
                     </a:p>
                   </a:txBody>
-                  <a:tcPr marL="5394" marR="5394" marT="5394" marB="0" anchor="ctr">
+                  <a:tcPr marL="6825" marR="6825" marT="6825" marB="0" anchor="ctr">
                     <a:lnL w="6350" cap="flat" cmpd="sng" algn="ctr">
                       <a:solidFill>
                         <a:srgbClr val="000000"/>
@@ -22839,7 +22982,7 @@
                       </a:r>
                     </a:p>
                   </a:txBody>
-                  <a:tcPr marL="5394" marR="5394" marT="5394" marB="0" anchor="ctr">
+                  <a:tcPr marL="6825" marR="6825" marT="6825" marB="0" anchor="ctr">
                     <a:lnL w="6350" cap="flat" cmpd="sng" algn="ctr">
                       <a:solidFill>
                         <a:srgbClr val="000000"/>
@@ -22896,7 +23039,7 @@
                       </a:r>
                     </a:p>
                   </a:txBody>
-                  <a:tcPr marL="5394" marR="5394" marT="5394" marB="0" anchor="ctr">
+                  <a:tcPr marL="6825" marR="6825" marT="6825" marB="0" anchor="ctr">
                     <a:lnL w="6350" cap="flat" cmpd="sng" algn="ctr">
                       <a:solidFill>
                         <a:srgbClr val="000000"/>
@@ -22956,7 +23099,7 @@
                       </a:r>
                     </a:p>
                   </a:txBody>
-                  <a:tcPr marL="5394" marR="5394" marT="5394" marB="0" anchor="ctr">
+                  <a:tcPr marL="6825" marR="6825" marT="6825" marB="0" anchor="ctr">
                     <a:lnL w="6350" cap="flat" cmpd="sng" algn="ctr">
                       <a:solidFill>
                         <a:srgbClr val="000000"/>
@@ -22997,11 +23140,11 @@
                 </a:tc>
                 <a:extLst>
                   <a:ext uri="{0D108BD9-81ED-4DB2-BD59-A6C34878D82A}">
-                    <a16:rowId xmlns:a16="http://schemas.microsoft.com/office/drawing/2014/main" val="1275969259"/>
+                    <a16:rowId xmlns:a16="http://schemas.microsoft.com/office/drawing/2014/main" val="3910536431"/>
                   </a:ext>
                 </a:extLst>
               </a:tr>
-              <a:tr h="201460">
+              <a:tr h="200265">
                 <a:tc rowSpan="6">
                   <a:txBody>
                     <a:bodyPr/>
@@ -23058,7 +23201,7 @@
                       </a:r>
                     </a:p>
                   </a:txBody>
-                  <a:tcPr marL="5394" marR="5394" marT="5394" marB="0" vert="vert270" anchor="ctr">
+                  <a:tcPr marL="6825" marR="6825" marT="6825" marB="0" vert="vert270" anchor="ctr">
                     <a:lnL w="12700" cap="flat" cmpd="sng" algn="ctr">
                       <a:solidFill>
                         <a:srgbClr val="000000"/>
@@ -23115,7 +23258,7 @@
                       </a:r>
                     </a:p>
                   </a:txBody>
-                  <a:tcPr marL="5394" marR="5394" marT="5394" marB="0" anchor="b">
+                  <a:tcPr marL="6825" marR="6825" marT="6825" marB="0" anchor="b">
                     <a:lnL w="6350" cap="flat" cmpd="sng" algn="ctr">
                       <a:solidFill>
                         <a:srgbClr val="000000"/>
@@ -23172,7 +23315,7 @@
                       </a:r>
                     </a:p>
                   </a:txBody>
-                  <a:tcPr marL="5394" marR="5394" marT="5394" marB="0" anchor="ctr">
+                  <a:tcPr marL="6825" marR="6825" marT="6825" marB="0" anchor="ctr">
                     <a:lnL w="12700" cap="flat" cmpd="sng" algn="ctr">
                       <a:solidFill>
                         <a:srgbClr val="000000"/>
@@ -23229,7 +23372,7 @@
                       </a:r>
                     </a:p>
                   </a:txBody>
-                  <a:tcPr marL="5394" marR="5394" marT="5394" marB="0" anchor="ctr">
+                  <a:tcPr marL="6825" marR="6825" marT="6825" marB="0" anchor="ctr">
                     <a:lnL w="6350" cap="flat" cmpd="sng" algn="ctr">
                       <a:solidFill>
                         <a:srgbClr val="000000"/>
@@ -23286,7 +23429,7 @@
                       </a:r>
                     </a:p>
                   </a:txBody>
-                  <a:tcPr marL="5394" marR="5394" marT="5394" marB="0" anchor="ctr">
+                  <a:tcPr marL="6825" marR="6825" marT="6825" marB="0" anchor="ctr">
                     <a:lnL w="6350" cap="flat" cmpd="sng" algn="ctr">
                       <a:solidFill>
                         <a:srgbClr val="000000"/>
@@ -23343,7 +23486,7 @@
                       </a:r>
                     </a:p>
                   </a:txBody>
-                  <a:tcPr marL="5394" marR="5394" marT="5394" marB="0" anchor="ctr">
+                  <a:tcPr marL="6825" marR="6825" marT="6825" marB="0" anchor="ctr">
                     <a:lnL w="6350" cap="flat" cmpd="sng" algn="ctr">
                       <a:solidFill>
                         <a:srgbClr val="000000"/>
@@ -23400,7 +23543,7 @@
                       </a:r>
                     </a:p>
                   </a:txBody>
-                  <a:tcPr marL="5394" marR="5394" marT="5394" marB="0" anchor="ctr">
+                  <a:tcPr marL="6825" marR="6825" marT="6825" marB="0" anchor="ctr">
                     <a:lnL w="12700" cap="flat" cmpd="sng" algn="ctr">
                       <a:solidFill>
                         <a:srgbClr val="000000"/>
@@ -23460,7 +23603,7 @@
                       </a:r>
                     </a:p>
                   </a:txBody>
-                  <a:tcPr marL="5394" marR="5394" marT="5394" marB="0" anchor="ctr">
+                  <a:tcPr marL="6825" marR="6825" marT="6825" marB="0" anchor="ctr">
                     <a:lnL w="6350" cap="flat" cmpd="sng" algn="ctr">
                       <a:solidFill>
                         <a:srgbClr val="000000"/>
@@ -23517,7 +23660,7 @@
                       </a:r>
                     </a:p>
                   </a:txBody>
-                  <a:tcPr marL="5394" marR="5394" marT="5394" marB="0" anchor="ctr">
+                  <a:tcPr marL="6825" marR="6825" marT="6825" marB="0" anchor="ctr">
                     <a:lnL w="6350" cap="flat" cmpd="sng" algn="ctr">
                       <a:solidFill>
                         <a:srgbClr val="000000"/>
@@ -23577,7 +23720,7 @@
                       </a:r>
                     </a:p>
                   </a:txBody>
-                  <a:tcPr marL="5394" marR="5394" marT="5394" marB="0" anchor="ctr">
+                  <a:tcPr marL="6825" marR="6825" marT="6825" marB="0" anchor="ctr">
                     <a:lnL w="6350" cap="flat" cmpd="sng" algn="ctr">
                       <a:solidFill>
                         <a:srgbClr val="000000"/>
@@ -23634,7 +23777,7 @@
                       </a:r>
                     </a:p>
                   </a:txBody>
-                  <a:tcPr marL="5394" marR="5394" marT="5394" marB="0" anchor="ctr">
+                  <a:tcPr marL="6825" marR="6825" marT="6825" marB="0" anchor="ctr">
                     <a:lnL w="6350" cap="flat" cmpd="sng" algn="ctr">
                       <a:solidFill>
                         <a:srgbClr val="000000"/>
@@ -23694,7 +23837,7 @@
                       </a:r>
                     </a:p>
                   </a:txBody>
-                  <a:tcPr marL="5394" marR="5394" marT="5394" marB="0" anchor="ctr">
+                  <a:tcPr marL="6825" marR="6825" marT="6825" marB="0" anchor="ctr">
                     <a:lnL w="6350" cap="flat" cmpd="sng" algn="ctr">
                       <a:solidFill>
                         <a:srgbClr val="000000"/>
@@ -23751,7 +23894,7 @@
                       </a:r>
                     </a:p>
                   </a:txBody>
-                  <a:tcPr marL="5394" marR="5394" marT="5394" marB="0" anchor="ctr">
+                  <a:tcPr marL="6825" marR="6825" marT="6825" marB="0" anchor="ctr">
                     <a:lnL w="6350" cap="flat" cmpd="sng" algn="ctr">
                       <a:solidFill>
                         <a:srgbClr val="000000"/>
@@ -23811,7 +23954,7 @@
                       </a:r>
                     </a:p>
                   </a:txBody>
-                  <a:tcPr marL="5394" marR="5394" marT="5394" marB="0" anchor="ctr">
+                  <a:tcPr marL="6825" marR="6825" marT="6825" marB="0" anchor="ctr">
                     <a:lnL w="6350" cap="flat" cmpd="sng" algn="ctr">
                       <a:solidFill>
                         <a:srgbClr val="000000"/>
@@ -23868,7 +24011,7 @@
                       </a:r>
                     </a:p>
                   </a:txBody>
-                  <a:tcPr marL="5394" marR="5394" marT="5394" marB="0" anchor="ctr">
+                  <a:tcPr marL="6825" marR="6825" marT="6825" marB="0" anchor="ctr">
                     <a:lnL w="6350" cap="flat" cmpd="sng" algn="ctr">
                       <a:solidFill>
                         <a:srgbClr val="000000"/>
@@ -23925,7 +24068,7 @@
                       </a:r>
                     </a:p>
                   </a:txBody>
-                  <a:tcPr marL="5394" marR="5394" marT="5394" marB="0" anchor="ctr">
+                  <a:tcPr marL="6825" marR="6825" marT="6825" marB="0" anchor="ctr">
                     <a:lnL w="6350" cap="flat" cmpd="sng" algn="ctr">
                       <a:solidFill>
                         <a:srgbClr val="000000"/>
@@ -23985,7 +24128,7 @@
                       </a:r>
                     </a:p>
                   </a:txBody>
-                  <a:tcPr marL="5394" marR="5394" marT="5394" marB="0" anchor="ctr">
+                  <a:tcPr marL="6825" marR="6825" marT="6825" marB="0" anchor="ctr">
                     <a:lnL w="6350" cap="flat" cmpd="sng" algn="ctr">
                       <a:solidFill>
                         <a:srgbClr val="000000"/>
@@ -24042,7 +24185,7 @@
                       </a:r>
                     </a:p>
                   </a:txBody>
-                  <a:tcPr marL="5394" marR="5394" marT="5394" marB="0" anchor="ctr">
+                  <a:tcPr marL="6825" marR="6825" marT="6825" marB="0" anchor="ctr">
                     <a:lnL w="6350" cap="flat" cmpd="sng" algn="ctr">
                       <a:solidFill>
                         <a:srgbClr val="000000"/>
@@ -24102,7 +24245,7 @@
                       </a:r>
                     </a:p>
                   </a:txBody>
-                  <a:tcPr marL="5394" marR="5394" marT="5394" marB="0" anchor="ctr">
+                  <a:tcPr marL="6825" marR="6825" marT="6825" marB="0" anchor="ctr">
                     <a:lnL w="6350" cap="flat" cmpd="sng" algn="ctr">
                       <a:solidFill>
                         <a:srgbClr val="000000"/>
@@ -24159,7 +24302,7 @@
                       </a:r>
                     </a:p>
                   </a:txBody>
-                  <a:tcPr marL="5394" marR="5394" marT="5394" marB="0" anchor="ctr">
+                  <a:tcPr marL="6825" marR="6825" marT="6825" marB="0" anchor="ctr">
                     <a:lnL w="6350" cap="flat" cmpd="sng" algn="ctr">
                       <a:solidFill>
                         <a:srgbClr val="000000"/>
@@ -24219,7 +24362,7 @@
                       </a:r>
                     </a:p>
                   </a:txBody>
-                  <a:tcPr marL="5394" marR="5394" marT="5394" marB="0" anchor="ctr">
+                  <a:tcPr marL="6825" marR="6825" marT="6825" marB="0" anchor="ctr">
                     <a:lnL w="12700" cap="flat" cmpd="sng" algn="ctr">
                       <a:solidFill>
                         <a:srgbClr val="000000"/>
@@ -24276,7 +24419,7 @@
                       </a:r>
                     </a:p>
                   </a:txBody>
-                  <a:tcPr marL="5394" marR="5394" marT="5394" marB="0" anchor="ctr">
+                  <a:tcPr marL="6825" marR="6825" marT="6825" marB="0" anchor="ctr">
                     <a:lnL w="6350" cap="flat" cmpd="sng" algn="ctr">
                       <a:solidFill>
                         <a:srgbClr val="000000"/>
@@ -24336,7 +24479,7 @@
                       </a:r>
                     </a:p>
                   </a:txBody>
-                  <a:tcPr marL="5394" marR="5394" marT="5394" marB="0" anchor="ctr">
+                  <a:tcPr marL="6825" marR="6825" marT="6825" marB="0" anchor="ctr">
                     <a:lnL w="6350" cap="flat" cmpd="sng" algn="ctr">
                       <a:solidFill>
                         <a:srgbClr val="000000"/>
@@ -24393,7 +24536,7 @@
                       </a:r>
                     </a:p>
                   </a:txBody>
-                  <a:tcPr marL="5394" marR="5394" marT="5394" marB="0" anchor="ctr">
+                  <a:tcPr marL="6825" marR="6825" marT="6825" marB="0" anchor="ctr">
                     <a:lnL w="6350" cap="flat" cmpd="sng" algn="ctr">
                       <a:solidFill>
                         <a:srgbClr val="000000"/>
@@ -24450,7 +24593,7 @@
                       </a:r>
                     </a:p>
                   </a:txBody>
-                  <a:tcPr marL="5394" marR="5394" marT="5394" marB="0" anchor="ctr">
+                  <a:tcPr marL="6825" marR="6825" marT="6825" marB="0" anchor="ctr">
                     <a:lnL w="6350" cap="flat" cmpd="sng" algn="ctr">
                       <a:solidFill>
                         <a:srgbClr val="000000"/>
@@ -24510,7 +24653,7 @@
                       </a:r>
                     </a:p>
                   </a:txBody>
-                  <a:tcPr marL="5394" marR="5394" marT="5394" marB="0" anchor="ctr">
+                  <a:tcPr marL="6825" marR="6825" marT="6825" marB="0" anchor="ctr">
                     <a:lnL w="6350" cap="flat" cmpd="sng" algn="ctr">
                       <a:solidFill>
                         <a:srgbClr val="000000"/>
@@ -24567,7 +24710,7 @@
                       </a:r>
                     </a:p>
                   </a:txBody>
-                  <a:tcPr marL="5394" marR="5394" marT="5394" marB="0" anchor="ctr">
+                  <a:tcPr marL="6825" marR="6825" marT="6825" marB="0" anchor="ctr">
                     <a:lnL w="6350" cap="flat" cmpd="sng" algn="ctr">
                       <a:solidFill>
                         <a:srgbClr val="000000"/>
@@ -24627,7 +24770,7 @@
                       </a:r>
                     </a:p>
                   </a:txBody>
-                  <a:tcPr marL="5394" marR="5394" marT="5394" marB="0" anchor="ctr">
+                  <a:tcPr marL="6825" marR="6825" marT="6825" marB="0" anchor="ctr">
                     <a:lnL w="6350" cap="flat" cmpd="sng" algn="ctr">
                       <a:solidFill>
                         <a:srgbClr val="000000"/>
@@ -24684,7 +24827,7 @@
                       </a:r>
                     </a:p>
                   </a:txBody>
-                  <a:tcPr marL="5394" marR="5394" marT="5394" marB="0" anchor="ctr">
+                  <a:tcPr marL="6825" marR="6825" marT="6825" marB="0" anchor="ctr">
                     <a:lnL w="6350" cap="flat" cmpd="sng" algn="ctr">
                       <a:solidFill>
                         <a:srgbClr val="000000"/>
@@ -24744,7 +24887,7 @@
                       </a:r>
                     </a:p>
                   </a:txBody>
-                  <a:tcPr marL="5394" marR="5394" marT="5394" marB="0" anchor="ctr">
+                  <a:tcPr marL="6825" marR="6825" marT="6825" marB="0" anchor="ctr">
                     <a:lnL w="6350" cap="flat" cmpd="sng" algn="ctr">
                       <a:solidFill>
                         <a:srgbClr val="000000"/>
@@ -24801,7 +24944,7 @@
                       </a:r>
                     </a:p>
                   </a:txBody>
-                  <a:tcPr marL="5394" marR="5394" marT="5394" marB="0" anchor="ctr">
+                  <a:tcPr marL="6825" marR="6825" marT="6825" marB="0" anchor="ctr">
                     <a:lnL w="6350" cap="flat" cmpd="sng" algn="ctr">
                       <a:solidFill>
                         <a:srgbClr val="000000"/>
@@ -24861,7 +25004,7 @@
                       </a:r>
                     </a:p>
                   </a:txBody>
-                  <a:tcPr marL="5394" marR="5394" marT="5394" marB="0" anchor="ctr">
+                  <a:tcPr marL="6825" marR="6825" marT="6825" marB="0" anchor="ctr">
                     <a:lnL w="6350" cap="flat" cmpd="sng" algn="ctr">
                       <a:solidFill>
                         <a:srgbClr val="000000"/>
@@ -24918,7 +25061,7 @@
                       </a:r>
                     </a:p>
                   </a:txBody>
-                  <a:tcPr marL="5394" marR="5394" marT="5394" marB="0" anchor="ctr">
+                  <a:tcPr marL="6825" marR="6825" marT="6825" marB="0" anchor="ctr">
                     <a:lnL w="6350" cap="flat" cmpd="sng" algn="ctr">
                       <a:solidFill>
                         <a:srgbClr val="000000"/>
@@ -24978,7 +25121,7 @@
                       </a:r>
                     </a:p>
                   </a:txBody>
-                  <a:tcPr marL="5394" marR="5394" marT="5394" marB="0" anchor="ctr">
+                  <a:tcPr marL="6825" marR="6825" marT="6825" marB="0" anchor="ctr">
                     <a:lnL w="6350" cap="flat" cmpd="sng" algn="ctr">
                       <a:solidFill>
                         <a:srgbClr val="000000"/>
@@ -25019,11 +25162,11 @@
                 </a:tc>
                 <a:extLst>
                   <a:ext uri="{0D108BD9-81ED-4DB2-BD59-A6C34878D82A}">
-                    <a16:rowId xmlns:a16="http://schemas.microsoft.com/office/drawing/2014/main" val="1089920041"/>
+                    <a16:rowId xmlns:a16="http://schemas.microsoft.com/office/drawing/2014/main" val="1521407274"/>
                   </a:ext>
                 </a:extLst>
               </a:tr>
-              <a:tr h="201460">
+              <a:tr h="200265">
                 <a:tc vMerge="1">
                   <a:txBody>
                     <a:bodyPr/>
@@ -25052,7 +25195,7 @@
                       </a:r>
                     </a:p>
                   </a:txBody>
-                  <a:tcPr marL="5394" marR="5394" marT="5394" marB="0" anchor="b">
+                  <a:tcPr marL="6825" marR="6825" marT="6825" marB="0" anchor="b">
                     <a:lnL w="6350" cap="flat" cmpd="sng" algn="ctr">
                       <a:solidFill>
                         <a:srgbClr val="000000"/>
@@ -25112,7 +25255,7 @@
                       </a:r>
                     </a:p>
                   </a:txBody>
-                  <a:tcPr marL="5394" marR="5394" marT="5394" marB="0" anchor="ctr">
+                  <a:tcPr marL="6825" marR="6825" marT="6825" marB="0" anchor="ctr">
                     <a:lnL w="12700" cap="flat" cmpd="sng" algn="ctr">
                       <a:solidFill>
                         <a:srgbClr val="000000"/>
@@ -25172,7 +25315,7 @@
                       </a:r>
                     </a:p>
                   </a:txBody>
-                  <a:tcPr marL="5394" marR="5394" marT="5394" marB="0" anchor="ctr">
+                  <a:tcPr marL="6825" marR="6825" marT="6825" marB="0" anchor="ctr">
                     <a:lnL w="6350" cap="flat" cmpd="sng" algn="ctr">
                       <a:solidFill>
                         <a:srgbClr val="000000"/>
@@ -25232,7 +25375,7 @@
                       </a:r>
                     </a:p>
                   </a:txBody>
-                  <a:tcPr marL="5394" marR="5394" marT="5394" marB="0" anchor="ctr">
+                  <a:tcPr marL="6825" marR="6825" marT="6825" marB="0" anchor="ctr">
                     <a:lnL w="6350" cap="flat" cmpd="sng" algn="ctr">
                       <a:solidFill>
                         <a:srgbClr val="000000"/>
@@ -25292,7 +25435,7 @@
                       </a:r>
                     </a:p>
                   </a:txBody>
-                  <a:tcPr marL="5394" marR="5394" marT="5394" marB="0" anchor="ctr">
+                  <a:tcPr marL="6825" marR="6825" marT="6825" marB="0" anchor="ctr">
                     <a:lnL w="6350" cap="flat" cmpd="sng" algn="ctr">
                       <a:solidFill>
                         <a:srgbClr val="000000"/>
@@ -25352,7 +25495,7 @@
                       </a:r>
                     </a:p>
                   </a:txBody>
-                  <a:tcPr marL="5394" marR="5394" marT="5394" marB="0" anchor="ctr">
+                  <a:tcPr marL="6825" marR="6825" marT="6825" marB="0" anchor="ctr">
                     <a:lnL w="12700" cap="flat" cmpd="sng" algn="ctr">
                       <a:solidFill>
                         <a:srgbClr val="000000"/>
@@ -25412,7 +25555,7 @@
                       </a:r>
                     </a:p>
                   </a:txBody>
-                  <a:tcPr marL="5394" marR="5394" marT="5394" marB="0" anchor="ctr">
+                  <a:tcPr marL="6825" marR="6825" marT="6825" marB="0" anchor="ctr">
                     <a:lnL w="6350" cap="flat" cmpd="sng" algn="ctr">
                       <a:solidFill>
                         <a:srgbClr val="000000"/>
@@ -25472,7 +25615,7 @@
                       </a:r>
                     </a:p>
                   </a:txBody>
-                  <a:tcPr marL="5394" marR="5394" marT="5394" marB="0" anchor="ctr">
+                  <a:tcPr marL="6825" marR="6825" marT="6825" marB="0" anchor="ctr">
                     <a:lnL w="6350" cap="flat" cmpd="sng" algn="ctr">
                       <a:solidFill>
                         <a:srgbClr val="000000"/>
@@ -25532,7 +25675,7 @@
                       </a:r>
                     </a:p>
                   </a:txBody>
-                  <a:tcPr marL="5394" marR="5394" marT="5394" marB="0" anchor="ctr">
+                  <a:tcPr marL="6825" marR="6825" marT="6825" marB="0" anchor="ctr">
                     <a:lnL w="6350" cap="flat" cmpd="sng" algn="ctr">
                       <a:solidFill>
                         <a:srgbClr val="000000"/>
@@ -25592,7 +25735,7 @@
                       </a:r>
                     </a:p>
                   </a:txBody>
-                  <a:tcPr marL="5394" marR="5394" marT="5394" marB="0" anchor="ctr">
+                  <a:tcPr marL="6825" marR="6825" marT="6825" marB="0" anchor="ctr">
                     <a:lnL w="6350" cap="flat" cmpd="sng" algn="ctr">
                       <a:solidFill>
                         <a:srgbClr val="000000"/>
@@ -25652,7 +25795,7 @@
                       </a:r>
                     </a:p>
                   </a:txBody>
-                  <a:tcPr marL="5394" marR="5394" marT="5394" marB="0" anchor="ctr">
+                  <a:tcPr marL="6825" marR="6825" marT="6825" marB="0" anchor="ctr">
                     <a:lnL w="6350" cap="flat" cmpd="sng" algn="ctr">
                       <a:solidFill>
                         <a:srgbClr val="000000"/>
@@ -25712,7 +25855,7 @@
                       </a:r>
                     </a:p>
                   </a:txBody>
-                  <a:tcPr marL="5394" marR="5394" marT="5394" marB="0" anchor="ctr">
+                  <a:tcPr marL="6825" marR="6825" marT="6825" marB="0" anchor="ctr">
                     <a:lnL w="6350" cap="flat" cmpd="sng" algn="ctr">
                       <a:solidFill>
                         <a:srgbClr val="000000"/>
@@ -25772,7 +25915,7 @@
                       </a:r>
                     </a:p>
                   </a:txBody>
-                  <a:tcPr marL="5394" marR="5394" marT="5394" marB="0" anchor="ctr">
+                  <a:tcPr marL="6825" marR="6825" marT="6825" marB="0" anchor="ctr">
                     <a:lnL w="6350" cap="flat" cmpd="sng" algn="ctr">
                       <a:solidFill>
                         <a:srgbClr val="000000"/>
@@ -25832,7 +25975,7 @@
                       </a:r>
                     </a:p>
                   </a:txBody>
-                  <a:tcPr marL="5394" marR="5394" marT="5394" marB="0" anchor="ctr">
+                  <a:tcPr marL="6825" marR="6825" marT="6825" marB="0" anchor="ctr">
                     <a:lnL w="6350" cap="flat" cmpd="sng" algn="ctr">
                       <a:solidFill>
                         <a:srgbClr val="000000"/>
@@ -25892,7 +26035,7 @@
                       </a:r>
                     </a:p>
                   </a:txBody>
-                  <a:tcPr marL="5394" marR="5394" marT="5394" marB="0" anchor="ctr">
+                  <a:tcPr marL="6825" marR="6825" marT="6825" marB="0" anchor="ctr">
                     <a:lnL w="6350" cap="flat" cmpd="sng" algn="ctr">
                       <a:solidFill>
                         <a:srgbClr val="000000"/>
@@ -25952,7 +26095,7 @@
                       </a:r>
                     </a:p>
                   </a:txBody>
-                  <a:tcPr marL="5394" marR="5394" marT="5394" marB="0" anchor="ctr">
+                  <a:tcPr marL="6825" marR="6825" marT="6825" marB="0" anchor="ctr">
                     <a:lnL w="6350" cap="flat" cmpd="sng" algn="ctr">
                       <a:solidFill>
                         <a:srgbClr val="000000"/>
@@ -26012,7 +26155,7 @@
                       </a:r>
                     </a:p>
                   </a:txBody>
-                  <a:tcPr marL="5394" marR="5394" marT="5394" marB="0" anchor="ctr">
+                  <a:tcPr marL="6825" marR="6825" marT="6825" marB="0" anchor="ctr">
                     <a:lnL w="6350" cap="flat" cmpd="sng" algn="ctr">
                       <a:solidFill>
                         <a:srgbClr val="000000"/>
@@ -26072,7 +26215,7 @@
                       </a:r>
                     </a:p>
                   </a:txBody>
-                  <a:tcPr marL="5394" marR="5394" marT="5394" marB="0" anchor="ctr">
+                  <a:tcPr marL="6825" marR="6825" marT="6825" marB="0" anchor="ctr">
                     <a:lnL w="6350" cap="flat" cmpd="sng" algn="ctr">
                       <a:solidFill>
                         <a:srgbClr val="000000"/>
@@ -26132,7 +26275,7 @@
                       </a:r>
                     </a:p>
                   </a:txBody>
-                  <a:tcPr marL="5394" marR="5394" marT="5394" marB="0" anchor="ctr">
+                  <a:tcPr marL="6825" marR="6825" marT="6825" marB="0" anchor="ctr">
                     <a:lnL w="6350" cap="flat" cmpd="sng" algn="ctr">
                       <a:solidFill>
                         <a:srgbClr val="000000"/>
@@ -26192,7 +26335,7 @@
                       </a:r>
                     </a:p>
                   </a:txBody>
-                  <a:tcPr marL="5394" marR="5394" marT="5394" marB="0" anchor="ctr">
+                  <a:tcPr marL="6825" marR="6825" marT="6825" marB="0" anchor="ctr">
                     <a:lnL w="12700" cap="flat" cmpd="sng" algn="ctr">
                       <a:solidFill>
                         <a:srgbClr val="000000"/>
@@ -26252,7 +26395,7 @@
                       </a:r>
                     </a:p>
                   </a:txBody>
-                  <a:tcPr marL="5394" marR="5394" marT="5394" marB="0" anchor="ctr">
+                  <a:tcPr marL="6825" marR="6825" marT="6825" marB="0" anchor="ctr">
                     <a:lnL w="6350" cap="flat" cmpd="sng" algn="ctr">
                       <a:solidFill>
                         <a:srgbClr val="000000"/>
@@ -26312,7 +26455,7 @@
                       </a:r>
                     </a:p>
                   </a:txBody>
-                  <a:tcPr marL="5394" marR="5394" marT="5394" marB="0" anchor="ctr">
+                  <a:tcPr marL="6825" marR="6825" marT="6825" marB="0" anchor="ctr">
                     <a:lnL w="6350" cap="flat" cmpd="sng" algn="ctr">
                       <a:solidFill>
                         <a:srgbClr val="000000"/>
@@ -26372,7 +26515,7 @@
                       </a:r>
                     </a:p>
                   </a:txBody>
-                  <a:tcPr marL="5394" marR="5394" marT="5394" marB="0" anchor="ctr">
+                  <a:tcPr marL="6825" marR="6825" marT="6825" marB="0" anchor="ctr">
                     <a:lnL w="6350" cap="flat" cmpd="sng" algn="ctr">
                       <a:solidFill>
                         <a:srgbClr val="000000"/>
@@ -26432,7 +26575,7 @@
                       </a:r>
                     </a:p>
                   </a:txBody>
-                  <a:tcPr marL="5394" marR="5394" marT="5394" marB="0" anchor="ctr">
+                  <a:tcPr marL="6825" marR="6825" marT="6825" marB="0" anchor="ctr">
                     <a:lnL w="6350" cap="flat" cmpd="sng" algn="ctr">
                       <a:solidFill>
                         <a:srgbClr val="000000"/>
@@ -26492,7 +26635,7 @@
                       </a:r>
                     </a:p>
                   </a:txBody>
-                  <a:tcPr marL="5394" marR="5394" marT="5394" marB="0" anchor="ctr">
+                  <a:tcPr marL="6825" marR="6825" marT="6825" marB="0" anchor="ctr">
                     <a:lnL w="6350" cap="flat" cmpd="sng" algn="ctr">
                       <a:solidFill>
                         <a:srgbClr val="000000"/>
@@ -26552,7 +26695,7 @@
                       </a:r>
                     </a:p>
                   </a:txBody>
-                  <a:tcPr marL="5394" marR="5394" marT="5394" marB="0" anchor="ctr">
+                  <a:tcPr marL="6825" marR="6825" marT="6825" marB="0" anchor="ctr">
                     <a:lnL w="6350" cap="flat" cmpd="sng" algn="ctr">
                       <a:solidFill>
                         <a:srgbClr val="000000"/>
@@ -26612,7 +26755,7 @@
                       </a:r>
                     </a:p>
                   </a:txBody>
-                  <a:tcPr marL="5394" marR="5394" marT="5394" marB="0" anchor="ctr">
+                  <a:tcPr marL="6825" marR="6825" marT="6825" marB="0" anchor="ctr">
                     <a:lnL w="6350" cap="flat" cmpd="sng" algn="ctr">
                       <a:solidFill>
                         <a:srgbClr val="000000"/>
@@ -26672,7 +26815,7 @@
                       </a:r>
                     </a:p>
                   </a:txBody>
-                  <a:tcPr marL="5394" marR="5394" marT="5394" marB="0" anchor="ctr">
+                  <a:tcPr marL="6825" marR="6825" marT="6825" marB="0" anchor="ctr">
                     <a:lnL w="6350" cap="flat" cmpd="sng" algn="ctr">
                       <a:solidFill>
                         <a:srgbClr val="000000"/>
@@ -26732,7 +26875,7 @@
                       </a:r>
                     </a:p>
                   </a:txBody>
-                  <a:tcPr marL="5394" marR="5394" marT="5394" marB="0" anchor="ctr">
+                  <a:tcPr marL="6825" marR="6825" marT="6825" marB="0" anchor="ctr">
                     <a:lnL w="6350" cap="flat" cmpd="sng" algn="ctr">
                       <a:solidFill>
                         <a:srgbClr val="000000"/>
@@ -26792,7 +26935,7 @@
                       </a:r>
                     </a:p>
                   </a:txBody>
-                  <a:tcPr marL="5394" marR="5394" marT="5394" marB="0" anchor="ctr">
+                  <a:tcPr marL="6825" marR="6825" marT="6825" marB="0" anchor="ctr">
                     <a:lnL w="6350" cap="flat" cmpd="sng" algn="ctr">
                       <a:solidFill>
                         <a:srgbClr val="000000"/>
@@ -26852,7 +26995,7 @@
                       </a:r>
                     </a:p>
                   </a:txBody>
-                  <a:tcPr marL="5394" marR="5394" marT="5394" marB="0" anchor="ctr">
+                  <a:tcPr marL="6825" marR="6825" marT="6825" marB="0" anchor="ctr">
                     <a:lnL w="6350" cap="flat" cmpd="sng" algn="ctr">
                       <a:solidFill>
                         <a:srgbClr val="000000"/>
@@ -26912,7 +27055,7 @@
                       </a:r>
                     </a:p>
                   </a:txBody>
-                  <a:tcPr marL="5394" marR="5394" marT="5394" marB="0" anchor="ctr">
+                  <a:tcPr marL="6825" marR="6825" marT="6825" marB="0" anchor="ctr">
                     <a:lnL w="6350" cap="flat" cmpd="sng" algn="ctr">
                       <a:solidFill>
                         <a:srgbClr val="000000"/>
@@ -26972,7 +27115,7 @@
                       </a:r>
                     </a:p>
                   </a:txBody>
-                  <a:tcPr marL="5394" marR="5394" marT="5394" marB="0" anchor="ctr">
+                  <a:tcPr marL="6825" marR="6825" marT="6825" marB="0" anchor="ctr">
                     <a:lnL w="6350" cap="flat" cmpd="sng" algn="ctr">
                       <a:solidFill>
                         <a:srgbClr val="000000"/>
@@ -27016,11 +27159,11 @@
                 </a:tc>
                 <a:extLst>
                   <a:ext uri="{0D108BD9-81ED-4DB2-BD59-A6C34878D82A}">
-                    <a16:rowId xmlns:a16="http://schemas.microsoft.com/office/drawing/2014/main" val="3975446224"/>
+                    <a16:rowId xmlns:a16="http://schemas.microsoft.com/office/drawing/2014/main" val="2759174137"/>
                   </a:ext>
                 </a:extLst>
               </a:tr>
-              <a:tr h="201460">
+              <a:tr h="200265">
                 <a:tc vMerge="1">
                   <a:txBody>
                     <a:bodyPr/>
@@ -27049,7 +27192,7 @@
                       </a:r>
                     </a:p>
                   </a:txBody>
-                  <a:tcPr marL="5394" marR="5394" marT="5394" marB="0" anchor="b">
+                  <a:tcPr marL="6825" marR="6825" marT="6825" marB="0" anchor="b">
                     <a:lnL w="6350" cap="flat" cmpd="sng" algn="ctr">
                       <a:solidFill>
                         <a:srgbClr val="000000"/>
@@ -27106,7 +27249,7 @@
                       </a:r>
                     </a:p>
                   </a:txBody>
-                  <a:tcPr marL="5394" marR="5394" marT="5394" marB="0" anchor="ctr">
+                  <a:tcPr marL="6825" marR="6825" marT="6825" marB="0" anchor="ctr">
                     <a:lnL w="12700" cap="flat" cmpd="sng" algn="ctr">
                       <a:solidFill>
                         <a:srgbClr val="000000"/>
@@ -27163,7 +27306,7 @@
                       </a:r>
                     </a:p>
                   </a:txBody>
-                  <a:tcPr marL="5394" marR="5394" marT="5394" marB="0" anchor="ctr">
+                  <a:tcPr marL="6825" marR="6825" marT="6825" marB="0" anchor="ctr">
                     <a:lnL w="6350" cap="flat" cmpd="sng" algn="ctr">
                       <a:solidFill>
                         <a:srgbClr val="000000"/>
@@ -27220,7 +27363,7 @@
                       </a:r>
                     </a:p>
                   </a:txBody>
-                  <a:tcPr marL="5394" marR="5394" marT="5394" marB="0" anchor="ctr">
+                  <a:tcPr marL="6825" marR="6825" marT="6825" marB="0" anchor="ctr">
                     <a:lnL w="6350" cap="flat" cmpd="sng" algn="ctr">
                       <a:solidFill>
                         <a:srgbClr val="000000"/>
@@ -27277,7 +27420,7 @@
                       </a:r>
                     </a:p>
                   </a:txBody>
-                  <a:tcPr marL="5394" marR="5394" marT="5394" marB="0" anchor="ctr">
+                  <a:tcPr marL="6825" marR="6825" marT="6825" marB="0" anchor="ctr">
                     <a:lnL w="6350" cap="flat" cmpd="sng" algn="ctr">
                       <a:solidFill>
                         <a:srgbClr val="000000"/>
@@ -27334,7 +27477,7 @@
                       </a:r>
                     </a:p>
                   </a:txBody>
-                  <a:tcPr marL="5394" marR="5394" marT="5394" marB="0" anchor="ctr">
+                  <a:tcPr marL="6825" marR="6825" marT="6825" marB="0" anchor="ctr">
                     <a:lnL w="12700" cap="flat" cmpd="sng" algn="ctr">
                       <a:solidFill>
                         <a:srgbClr val="000000"/>
@@ -27394,7 +27537,7 @@
                       </a:r>
                     </a:p>
                   </a:txBody>
-                  <a:tcPr marL="5394" marR="5394" marT="5394" marB="0" anchor="ctr">
+                  <a:tcPr marL="6825" marR="6825" marT="6825" marB="0" anchor="ctr">
                     <a:lnL w="6350" cap="flat" cmpd="sng" algn="ctr">
                       <a:solidFill>
                         <a:srgbClr val="000000"/>
@@ -27451,7 +27594,7 @@
                       </a:r>
                     </a:p>
                   </a:txBody>
-                  <a:tcPr marL="5394" marR="5394" marT="5394" marB="0" anchor="ctr">
+                  <a:tcPr marL="6825" marR="6825" marT="6825" marB="0" anchor="ctr">
                     <a:lnL w="6350" cap="flat" cmpd="sng" algn="ctr">
                       <a:solidFill>
                         <a:srgbClr val="000000"/>
@@ -27511,7 +27654,7 @@
                       </a:r>
                     </a:p>
                   </a:txBody>
-                  <a:tcPr marL="5394" marR="5394" marT="5394" marB="0" anchor="ctr">
+                  <a:tcPr marL="6825" marR="6825" marT="6825" marB="0" anchor="ctr">
                     <a:lnL w="6350" cap="flat" cmpd="sng" algn="ctr">
                       <a:solidFill>
                         <a:srgbClr val="000000"/>
@@ -27568,7 +27711,7 @@
                       </a:r>
                     </a:p>
                   </a:txBody>
-                  <a:tcPr marL="5394" marR="5394" marT="5394" marB="0" anchor="ctr">
+                  <a:tcPr marL="6825" marR="6825" marT="6825" marB="0" anchor="ctr">
                     <a:lnL w="6350" cap="flat" cmpd="sng" algn="ctr">
                       <a:solidFill>
                         <a:srgbClr val="000000"/>
@@ -27628,7 +27771,7 @@
                       </a:r>
                     </a:p>
                   </a:txBody>
-                  <a:tcPr marL="5394" marR="5394" marT="5394" marB="0" anchor="ctr">
+                  <a:tcPr marL="6825" marR="6825" marT="6825" marB="0" anchor="ctr">
                     <a:lnL w="6350" cap="flat" cmpd="sng" algn="ctr">
                       <a:solidFill>
                         <a:srgbClr val="000000"/>
@@ -27685,7 +27828,7 @@
                       </a:r>
                     </a:p>
                   </a:txBody>
-                  <a:tcPr marL="5394" marR="5394" marT="5394" marB="0" anchor="ctr">
+                  <a:tcPr marL="6825" marR="6825" marT="6825" marB="0" anchor="ctr">
                     <a:lnL w="6350" cap="flat" cmpd="sng" algn="ctr">
                       <a:solidFill>
                         <a:srgbClr val="000000"/>
@@ -27745,7 +27888,7 @@
                       </a:r>
                     </a:p>
                   </a:txBody>
-                  <a:tcPr marL="5394" marR="5394" marT="5394" marB="0" anchor="ctr">
+                  <a:tcPr marL="6825" marR="6825" marT="6825" marB="0" anchor="ctr">
                     <a:lnL w="6350" cap="flat" cmpd="sng" algn="ctr">
                       <a:solidFill>
                         <a:srgbClr val="000000"/>
@@ -27802,7 +27945,7 @@
                       </a:r>
                     </a:p>
                   </a:txBody>
-                  <a:tcPr marL="5394" marR="5394" marT="5394" marB="0" anchor="ctr">
+                  <a:tcPr marL="6825" marR="6825" marT="6825" marB="0" anchor="ctr">
                     <a:lnL w="6350" cap="flat" cmpd="sng" algn="ctr">
                       <a:solidFill>
                         <a:srgbClr val="000000"/>
@@ -27859,7 +28002,7 @@
                       </a:r>
                     </a:p>
                   </a:txBody>
-                  <a:tcPr marL="5394" marR="5394" marT="5394" marB="0" anchor="ctr">
+                  <a:tcPr marL="6825" marR="6825" marT="6825" marB="0" anchor="ctr">
                     <a:lnL w="6350" cap="flat" cmpd="sng" algn="ctr">
                       <a:solidFill>
                         <a:srgbClr val="000000"/>
@@ -27919,7 +28062,7 @@
                       </a:r>
                     </a:p>
                   </a:txBody>
-                  <a:tcPr marL="5394" marR="5394" marT="5394" marB="0" anchor="ctr">
+                  <a:tcPr marL="6825" marR="6825" marT="6825" marB="0" anchor="ctr">
                     <a:lnL w="6350" cap="flat" cmpd="sng" algn="ctr">
                       <a:solidFill>
                         <a:srgbClr val="000000"/>
@@ -27976,7 +28119,7 @@
                       </a:r>
                     </a:p>
                   </a:txBody>
-                  <a:tcPr marL="5394" marR="5394" marT="5394" marB="0" anchor="ctr">
+                  <a:tcPr marL="6825" marR="6825" marT="6825" marB="0" anchor="ctr">
                     <a:lnL w="6350" cap="flat" cmpd="sng" algn="ctr">
                       <a:solidFill>
                         <a:srgbClr val="000000"/>
@@ -28036,7 +28179,7 @@
                       </a:r>
                     </a:p>
                   </a:txBody>
-                  <a:tcPr marL="5394" marR="5394" marT="5394" marB="0" anchor="ctr">
+                  <a:tcPr marL="6825" marR="6825" marT="6825" marB="0" anchor="ctr">
                     <a:lnL w="6350" cap="flat" cmpd="sng" algn="ctr">
                       <a:solidFill>
                         <a:srgbClr val="000000"/>
@@ -28093,7 +28236,7 @@
                       </a:r>
                     </a:p>
                   </a:txBody>
-                  <a:tcPr marL="5394" marR="5394" marT="5394" marB="0" anchor="ctr">
+                  <a:tcPr marL="6825" marR="6825" marT="6825" marB="0" anchor="ctr">
                     <a:lnL w="6350" cap="flat" cmpd="sng" algn="ctr">
                       <a:solidFill>
                         <a:srgbClr val="000000"/>
@@ -28153,7 +28296,7 @@
                       </a:r>
                     </a:p>
                   </a:txBody>
-                  <a:tcPr marL="5394" marR="5394" marT="5394" marB="0" anchor="ctr">
+                  <a:tcPr marL="6825" marR="6825" marT="6825" marB="0" anchor="ctr">
                     <a:lnL w="12700" cap="flat" cmpd="sng" algn="ctr">
                       <a:solidFill>
                         <a:srgbClr val="000000"/>
@@ -28210,7 +28353,7 @@
                       </a:r>
                     </a:p>
                   </a:txBody>
-                  <a:tcPr marL="5394" marR="5394" marT="5394" marB="0" anchor="ctr">
+                  <a:tcPr marL="6825" marR="6825" marT="6825" marB="0" anchor="ctr">
                     <a:lnL w="6350" cap="flat" cmpd="sng" algn="ctr">
                       <a:solidFill>
                         <a:srgbClr val="000000"/>
@@ -28270,7 +28413,7 @@
                       </a:r>
                     </a:p>
                   </a:txBody>
-                  <a:tcPr marL="5394" marR="5394" marT="5394" marB="0" anchor="ctr">
+                  <a:tcPr marL="6825" marR="6825" marT="6825" marB="0" anchor="ctr">
                     <a:lnL w="6350" cap="flat" cmpd="sng" algn="ctr">
                       <a:solidFill>
                         <a:srgbClr val="000000"/>
@@ -28327,7 +28470,7 @@
                       </a:r>
                     </a:p>
                   </a:txBody>
-                  <a:tcPr marL="5394" marR="5394" marT="5394" marB="0" anchor="ctr">
+                  <a:tcPr marL="6825" marR="6825" marT="6825" marB="0" anchor="ctr">
                     <a:lnL w="6350" cap="flat" cmpd="sng" algn="ctr">
                       <a:solidFill>
                         <a:srgbClr val="000000"/>
@@ -28384,7 +28527,7 @@
                       </a:r>
                     </a:p>
                   </a:txBody>
-                  <a:tcPr marL="5394" marR="5394" marT="5394" marB="0" anchor="ctr">
+                  <a:tcPr marL="6825" marR="6825" marT="6825" marB="0" anchor="ctr">
                     <a:lnL w="6350" cap="flat" cmpd="sng" algn="ctr">
                       <a:solidFill>
                         <a:srgbClr val="000000"/>
@@ -28444,7 +28587,7 @@
                       </a:r>
                     </a:p>
                   </a:txBody>
-                  <a:tcPr marL="5394" marR="5394" marT="5394" marB="0" anchor="ctr">
+                  <a:tcPr marL="6825" marR="6825" marT="6825" marB="0" anchor="ctr">
                     <a:lnL w="6350" cap="flat" cmpd="sng" algn="ctr">
                       <a:solidFill>
                         <a:srgbClr val="000000"/>
@@ -28501,7 +28644,7 @@
                       </a:r>
                     </a:p>
                   </a:txBody>
-                  <a:tcPr marL="5394" marR="5394" marT="5394" marB="0" anchor="ctr">
+                  <a:tcPr marL="6825" marR="6825" marT="6825" marB="0" anchor="ctr">
                     <a:lnL w="6350" cap="flat" cmpd="sng" algn="ctr">
                       <a:solidFill>
                         <a:srgbClr val="000000"/>
@@ -28561,7 +28704,7 @@
                       </a:r>
                     </a:p>
                   </a:txBody>
-                  <a:tcPr marL="5394" marR="5394" marT="5394" marB="0" anchor="ctr">
+                  <a:tcPr marL="6825" marR="6825" marT="6825" marB="0" anchor="ctr">
                     <a:lnL w="6350" cap="flat" cmpd="sng" algn="ctr">
                       <a:solidFill>
                         <a:srgbClr val="000000"/>
@@ -28618,7 +28761,7 @@
                       </a:r>
                     </a:p>
                   </a:txBody>
-                  <a:tcPr marL="5394" marR="5394" marT="5394" marB="0" anchor="ctr">
+                  <a:tcPr marL="6825" marR="6825" marT="6825" marB="0" anchor="ctr">
                     <a:lnL w="6350" cap="flat" cmpd="sng" algn="ctr">
                       <a:solidFill>
                         <a:srgbClr val="000000"/>
@@ -28678,7 +28821,7 @@
                       </a:r>
                     </a:p>
                   </a:txBody>
-                  <a:tcPr marL="5394" marR="5394" marT="5394" marB="0" anchor="ctr">
+                  <a:tcPr marL="6825" marR="6825" marT="6825" marB="0" anchor="ctr">
                     <a:lnL w="6350" cap="flat" cmpd="sng" algn="ctr">
                       <a:solidFill>
                         <a:srgbClr val="000000"/>
@@ -28735,7 +28878,7 @@
                       </a:r>
                     </a:p>
                   </a:txBody>
-                  <a:tcPr marL="5394" marR="5394" marT="5394" marB="0" anchor="ctr">
+                  <a:tcPr marL="6825" marR="6825" marT="6825" marB="0" anchor="ctr">
                     <a:lnL w="6350" cap="flat" cmpd="sng" algn="ctr">
                       <a:solidFill>
                         <a:srgbClr val="000000"/>
@@ -28795,7 +28938,7 @@
                       </a:r>
                     </a:p>
                   </a:txBody>
-                  <a:tcPr marL="5394" marR="5394" marT="5394" marB="0" anchor="ctr">
+                  <a:tcPr marL="6825" marR="6825" marT="6825" marB="0" anchor="ctr">
                     <a:lnL w="6350" cap="flat" cmpd="sng" algn="ctr">
                       <a:solidFill>
                         <a:srgbClr val="000000"/>
@@ -28852,7 +28995,7 @@
                       </a:r>
                     </a:p>
                   </a:txBody>
-                  <a:tcPr marL="5394" marR="5394" marT="5394" marB="0" anchor="ctr">
+                  <a:tcPr marL="6825" marR="6825" marT="6825" marB="0" anchor="ctr">
                     <a:lnL w="6350" cap="flat" cmpd="sng" algn="ctr">
                       <a:solidFill>
                         <a:srgbClr val="000000"/>
@@ -28912,7 +29055,7 @@
                       </a:r>
                     </a:p>
                   </a:txBody>
-                  <a:tcPr marL="5394" marR="5394" marT="5394" marB="0" anchor="ctr">
+                  <a:tcPr marL="6825" marR="6825" marT="6825" marB="0" anchor="ctr">
                     <a:lnL w="6350" cap="flat" cmpd="sng" algn="ctr">
                       <a:solidFill>
                         <a:srgbClr val="000000"/>
@@ -28953,11 +29096,11 @@
                 </a:tc>
                 <a:extLst>
                   <a:ext uri="{0D108BD9-81ED-4DB2-BD59-A6C34878D82A}">
-                    <a16:rowId xmlns:a16="http://schemas.microsoft.com/office/drawing/2014/main" val="1609104446"/>
+                    <a16:rowId xmlns:a16="http://schemas.microsoft.com/office/drawing/2014/main" val="1620877998"/>
                   </a:ext>
                 </a:extLst>
               </a:tr>
-              <a:tr h="201460">
+              <a:tr h="200265">
                 <a:tc vMerge="1">
                   <a:txBody>
                     <a:bodyPr/>
@@ -28986,7 +29129,7 @@
                       </a:r>
                     </a:p>
                   </a:txBody>
-                  <a:tcPr marL="5394" marR="5394" marT="5394" marB="0" anchor="b">
+                  <a:tcPr marL="6825" marR="6825" marT="6825" marB="0" anchor="b">
                     <a:lnL w="6350" cap="flat" cmpd="sng" algn="ctr">
                       <a:solidFill>
                         <a:srgbClr val="000000"/>
@@ -29046,7 +29189,7 @@
                       </a:r>
                     </a:p>
                   </a:txBody>
-                  <a:tcPr marL="5394" marR="5394" marT="5394" marB="0" anchor="ctr">
+                  <a:tcPr marL="6825" marR="6825" marT="6825" marB="0" anchor="ctr">
                     <a:lnL w="12700" cap="flat" cmpd="sng" algn="ctr">
                       <a:solidFill>
                         <a:srgbClr val="000000"/>
@@ -29106,7 +29249,7 @@
                       </a:r>
                     </a:p>
                   </a:txBody>
-                  <a:tcPr marL="5394" marR="5394" marT="5394" marB="0" anchor="ctr">
+                  <a:tcPr marL="6825" marR="6825" marT="6825" marB="0" anchor="ctr">
                     <a:lnL w="6350" cap="flat" cmpd="sng" algn="ctr">
                       <a:solidFill>
                         <a:srgbClr val="000000"/>
@@ -29166,7 +29309,7 @@
                       </a:r>
                     </a:p>
                   </a:txBody>
-                  <a:tcPr marL="5394" marR="5394" marT="5394" marB="0" anchor="ctr">
+                  <a:tcPr marL="6825" marR="6825" marT="6825" marB="0" anchor="ctr">
                     <a:lnL w="6350" cap="flat" cmpd="sng" algn="ctr">
                       <a:solidFill>
                         <a:srgbClr val="000000"/>
@@ -29226,7 +29369,7 @@
                       </a:r>
                     </a:p>
                   </a:txBody>
-                  <a:tcPr marL="5394" marR="5394" marT="5394" marB="0" anchor="ctr">
+                  <a:tcPr marL="6825" marR="6825" marT="6825" marB="0" anchor="ctr">
                     <a:lnL w="6350" cap="flat" cmpd="sng" algn="ctr">
                       <a:solidFill>
                         <a:srgbClr val="000000"/>
@@ -29286,7 +29429,7 @@
                       </a:r>
                     </a:p>
                   </a:txBody>
-                  <a:tcPr marL="5394" marR="5394" marT="5394" marB="0" anchor="ctr">
+                  <a:tcPr marL="6825" marR="6825" marT="6825" marB="0" anchor="ctr">
                     <a:lnL w="12700" cap="flat" cmpd="sng" algn="ctr">
                       <a:solidFill>
                         <a:srgbClr val="000000"/>
@@ -29346,7 +29489,7 @@
                       </a:r>
                     </a:p>
                   </a:txBody>
-                  <a:tcPr marL="5394" marR="5394" marT="5394" marB="0" anchor="ctr">
+                  <a:tcPr marL="6825" marR="6825" marT="6825" marB="0" anchor="ctr">
                     <a:lnL w="6350" cap="flat" cmpd="sng" algn="ctr">
                       <a:solidFill>
                         <a:srgbClr val="000000"/>
@@ -29406,7 +29549,7 @@
                       </a:r>
                     </a:p>
                   </a:txBody>
-                  <a:tcPr marL="5394" marR="5394" marT="5394" marB="0" anchor="ctr">
+                  <a:tcPr marL="6825" marR="6825" marT="6825" marB="0" anchor="ctr">
                     <a:lnL w="6350" cap="flat" cmpd="sng" algn="ctr">
                       <a:solidFill>
                         <a:srgbClr val="000000"/>
@@ -29466,7 +29609,7 @@
                       </a:r>
                     </a:p>
                   </a:txBody>
-                  <a:tcPr marL="5394" marR="5394" marT="5394" marB="0" anchor="ctr">
+                  <a:tcPr marL="6825" marR="6825" marT="6825" marB="0" anchor="ctr">
                     <a:lnL w="6350" cap="flat" cmpd="sng" algn="ctr">
                       <a:solidFill>
                         <a:srgbClr val="000000"/>
@@ -29526,7 +29669,7 @@
                       </a:r>
                     </a:p>
                   </a:txBody>
-                  <a:tcPr marL="5394" marR="5394" marT="5394" marB="0" anchor="ctr">
+                  <a:tcPr marL="6825" marR="6825" marT="6825" marB="0" anchor="ctr">
                     <a:lnL w="6350" cap="flat" cmpd="sng" algn="ctr">
                       <a:solidFill>
                         <a:srgbClr val="000000"/>
@@ -29586,7 +29729,7 @@
                       </a:r>
                     </a:p>
                   </a:txBody>
-                  <a:tcPr marL="5394" marR="5394" marT="5394" marB="0" anchor="ctr">
+                  <a:tcPr marL="6825" marR="6825" marT="6825" marB="0" anchor="ctr">
                     <a:lnL w="6350" cap="flat" cmpd="sng" algn="ctr">
                       <a:solidFill>
                         <a:srgbClr val="000000"/>
@@ -29646,7 +29789,7 @@
                       </a:r>
                     </a:p>
                   </a:txBody>
-                  <a:tcPr marL="5394" marR="5394" marT="5394" marB="0" anchor="ctr">
+                  <a:tcPr marL="6825" marR="6825" marT="6825" marB="0" anchor="ctr">
                     <a:lnL w="6350" cap="flat" cmpd="sng" algn="ctr">
                       <a:solidFill>
                         <a:srgbClr val="000000"/>
@@ -29706,7 +29849,7 @@
                       </a:r>
                     </a:p>
                   </a:txBody>
-                  <a:tcPr marL="5394" marR="5394" marT="5394" marB="0" anchor="ctr">
+                  <a:tcPr marL="6825" marR="6825" marT="6825" marB="0" anchor="ctr">
                     <a:lnL w="6350" cap="flat" cmpd="sng" algn="ctr">
                       <a:solidFill>
                         <a:srgbClr val="000000"/>
@@ -29766,7 +29909,7 @@
                       </a:r>
                     </a:p>
                   </a:txBody>
-                  <a:tcPr marL="5394" marR="5394" marT="5394" marB="0" anchor="ctr">
+                  <a:tcPr marL="6825" marR="6825" marT="6825" marB="0" anchor="ctr">
                     <a:lnL w="6350" cap="flat" cmpd="sng" algn="ctr">
                       <a:solidFill>
                         <a:srgbClr val="000000"/>
@@ -29826,7 +29969,7 @@
                       </a:r>
                     </a:p>
                   </a:txBody>
-                  <a:tcPr marL="5394" marR="5394" marT="5394" marB="0" anchor="ctr">
+                  <a:tcPr marL="6825" marR="6825" marT="6825" marB="0" anchor="ctr">
                     <a:lnL w="6350" cap="flat" cmpd="sng" algn="ctr">
                       <a:solidFill>
                         <a:srgbClr val="000000"/>
@@ -29886,7 +30029,7 @@
                       </a:r>
                     </a:p>
                   </a:txBody>
-                  <a:tcPr marL="5394" marR="5394" marT="5394" marB="0" anchor="ctr">
+                  <a:tcPr marL="6825" marR="6825" marT="6825" marB="0" anchor="ctr">
                     <a:lnL w="6350" cap="flat" cmpd="sng" algn="ctr">
                       <a:solidFill>
                         <a:srgbClr val="000000"/>
@@ -29946,7 +30089,7 @@
                       </a:r>
                     </a:p>
                   </a:txBody>
-                  <a:tcPr marL="5394" marR="5394" marT="5394" marB="0" anchor="ctr">
+                  <a:tcPr marL="6825" marR="6825" marT="6825" marB="0" anchor="ctr">
                     <a:lnL w="6350" cap="flat" cmpd="sng" algn="ctr">
                       <a:solidFill>
                         <a:srgbClr val="000000"/>
@@ -30006,7 +30149,7 @@
                       </a:r>
                     </a:p>
                   </a:txBody>
-                  <a:tcPr marL="5394" marR="5394" marT="5394" marB="0" anchor="ctr">
+                  <a:tcPr marL="6825" marR="6825" marT="6825" marB="0" anchor="ctr">
                     <a:lnL w="6350" cap="flat" cmpd="sng" algn="ctr">
                       <a:solidFill>
                         <a:srgbClr val="000000"/>
@@ -30066,7 +30209,7 @@
                       </a:r>
                     </a:p>
                   </a:txBody>
-                  <a:tcPr marL="5394" marR="5394" marT="5394" marB="0" anchor="ctr">
+                  <a:tcPr marL="6825" marR="6825" marT="6825" marB="0" anchor="ctr">
                     <a:lnL w="6350" cap="flat" cmpd="sng" algn="ctr">
                       <a:solidFill>
                         <a:srgbClr val="000000"/>
@@ -30126,7 +30269,7 @@
                       </a:r>
                     </a:p>
                   </a:txBody>
-                  <a:tcPr marL="5394" marR="5394" marT="5394" marB="0" anchor="ctr">
+                  <a:tcPr marL="6825" marR="6825" marT="6825" marB="0" anchor="ctr">
                     <a:lnL w="12700" cap="flat" cmpd="sng" algn="ctr">
                       <a:solidFill>
                         <a:srgbClr val="000000"/>
@@ -30186,7 +30329,7 @@
                       </a:r>
                     </a:p>
                   </a:txBody>
-                  <a:tcPr marL="5394" marR="5394" marT="5394" marB="0" anchor="ctr">
+                  <a:tcPr marL="6825" marR="6825" marT="6825" marB="0" anchor="ctr">
                     <a:lnL w="6350" cap="flat" cmpd="sng" algn="ctr">
                       <a:solidFill>
                         <a:srgbClr val="000000"/>
@@ -30246,7 +30389,7 @@
                       </a:r>
                     </a:p>
                   </a:txBody>
-                  <a:tcPr marL="5394" marR="5394" marT="5394" marB="0" anchor="ctr">
+                  <a:tcPr marL="6825" marR="6825" marT="6825" marB="0" anchor="ctr">
                     <a:lnL w="6350" cap="flat" cmpd="sng" algn="ctr">
                       <a:solidFill>
                         <a:srgbClr val="000000"/>
@@ -30306,7 +30449,7 @@
                       </a:r>
                     </a:p>
                   </a:txBody>
-                  <a:tcPr marL="5394" marR="5394" marT="5394" marB="0" anchor="ctr">
+                  <a:tcPr marL="6825" marR="6825" marT="6825" marB="0" anchor="ctr">
                     <a:lnL w="6350" cap="flat" cmpd="sng" algn="ctr">
                       <a:solidFill>
                         <a:srgbClr val="000000"/>
@@ -30366,7 +30509,7 @@
                       </a:r>
                     </a:p>
                   </a:txBody>
-                  <a:tcPr marL="5394" marR="5394" marT="5394" marB="0" anchor="ctr">
+                  <a:tcPr marL="6825" marR="6825" marT="6825" marB="0" anchor="ctr">
                     <a:lnL w="6350" cap="flat" cmpd="sng" algn="ctr">
                       <a:solidFill>
                         <a:srgbClr val="000000"/>
@@ -30426,7 +30569,7 @@
                       </a:r>
                     </a:p>
                   </a:txBody>
-                  <a:tcPr marL="5394" marR="5394" marT="5394" marB="0" anchor="ctr">
+                  <a:tcPr marL="6825" marR="6825" marT="6825" marB="0" anchor="ctr">
                     <a:lnL w="6350" cap="flat" cmpd="sng" algn="ctr">
                       <a:solidFill>
                         <a:srgbClr val="000000"/>
@@ -30486,7 +30629,7 @@
                       </a:r>
                     </a:p>
                   </a:txBody>
-                  <a:tcPr marL="5394" marR="5394" marT="5394" marB="0" anchor="ctr">
+                  <a:tcPr marL="6825" marR="6825" marT="6825" marB="0" anchor="ctr">
                     <a:lnL w="6350" cap="flat" cmpd="sng" algn="ctr">
                       <a:solidFill>
                         <a:srgbClr val="000000"/>
@@ -30546,7 +30689,7 @@
                       </a:r>
                     </a:p>
                   </a:txBody>
-                  <a:tcPr marL="5394" marR="5394" marT="5394" marB="0" anchor="ctr">
+                  <a:tcPr marL="6825" marR="6825" marT="6825" marB="0" anchor="ctr">
                     <a:lnL w="6350" cap="flat" cmpd="sng" algn="ctr">
                       <a:solidFill>
                         <a:srgbClr val="000000"/>
@@ -30606,7 +30749,7 @@
                       </a:r>
                     </a:p>
                   </a:txBody>
-                  <a:tcPr marL="5394" marR="5394" marT="5394" marB="0" anchor="ctr">
+                  <a:tcPr marL="6825" marR="6825" marT="6825" marB="0" anchor="ctr">
                     <a:lnL w="6350" cap="flat" cmpd="sng" algn="ctr">
                       <a:solidFill>
                         <a:srgbClr val="000000"/>
@@ -30666,7 +30809,7 @@
                       </a:r>
                     </a:p>
                   </a:txBody>
-                  <a:tcPr marL="5394" marR="5394" marT="5394" marB="0" anchor="ctr">
+                  <a:tcPr marL="6825" marR="6825" marT="6825" marB="0" anchor="ctr">
                     <a:lnL w="6350" cap="flat" cmpd="sng" algn="ctr">
                       <a:solidFill>
                         <a:srgbClr val="000000"/>
@@ -30726,7 +30869,7 @@
                       </a:r>
                     </a:p>
                   </a:txBody>
-                  <a:tcPr marL="5394" marR="5394" marT="5394" marB="0" anchor="ctr">
+                  <a:tcPr marL="6825" marR="6825" marT="6825" marB="0" anchor="ctr">
                     <a:lnL w="6350" cap="flat" cmpd="sng" algn="ctr">
                       <a:solidFill>
                         <a:srgbClr val="000000"/>
@@ -30786,7 +30929,7 @@
                       </a:r>
                     </a:p>
                   </a:txBody>
-                  <a:tcPr marL="5394" marR="5394" marT="5394" marB="0" anchor="ctr">
+                  <a:tcPr marL="6825" marR="6825" marT="6825" marB="0" anchor="ctr">
                     <a:lnL w="6350" cap="flat" cmpd="sng" algn="ctr">
                       <a:solidFill>
                         <a:srgbClr val="000000"/>
@@ -30846,7 +30989,7 @@
                       </a:r>
                     </a:p>
                   </a:txBody>
-                  <a:tcPr marL="5394" marR="5394" marT="5394" marB="0" anchor="ctr">
+                  <a:tcPr marL="6825" marR="6825" marT="6825" marB="0" anchor="ctr">
                     <a:lnL w="6350" cap="flat" cmpd="sng" algn="ctr">
                       <a:solidFill>
                         <a:srgbClr val="000000"/>
@@ -30906,7 +31049,7 @@
                       </a:r>
                     </a:p>
                   </a:txBody>
-                  <a:tcPr marL="5394" marR="5394" marT="5394" marB="0" anchor="ctr">
+                  <a:tcPr marL="6825" marR="6825" marT="6825" marB="0" anchor="ctr">
                     <a:lnL w="6350" cap="flat" cmpd="sng" algn="ctr">
                       <a:solidFill>
                         <a:srgbClr val="000000"/>
@@ -30950,11 +31093,11 @@
                 </a:tc>
                 <a:extLst>
                   <a:ext uri="{0D108BD9-81ED-4DB2-BD59-A6C34878D82A}">
-                    <a16:rowId xmlns:a16="http://schemas.microsoft.com/office/drawing/2014/main" val="2230414784"/>
+                    <a16:rowId xmlns:a16="http://schemas.microsoft.com/office/drawing/2014/main" val="274326677"/>
                   </a:ext>
                 </a:extLst>
               </a:tr>
-              <a:tr h="201460">
+              <a:tr h="200265">
                 <a:tc vMerge="1">
                   <a:txBody>
                     <a:bodyPr/>
@@ -30983,7 +31126,7 @@
                       </a:r>
                     </a:p>
                   </a:txBody>
-                  <a:tcPr marL="5394" marR="5394" marT="5394" marB="0" anchor="b">
+                  <a:tcPr marL="6825" marR="6825" marT="6825" marB="0" anchor="b">
                     <a:lnL w="6350" cap="flat" cmpd="sng" algn="ctr">
                       <a:solidFill>
                         <a:srgbClr val="000000"/>
@@ -31040,7 +31183,7 @@
                       </a:r>
                     </a:p>
                   </a:txBody>
-                  <a:tcPr marL="5394" marR="5394" marT="5394" marB="0" anchor="ctr">
+                  <a:tcPr marL="6825" marR="6825" marT="6825" marB="0" anchor="ctr">
                     <a:lnL w="12700" cap="flat" cmpd="sng" algn="ctr">
                       <a:solidFill>
                         <a:srgbClr val="000000"/>
@@ -31097,7 +31240,7 @@
                       </a:r>
                     </a:p>
                   </a:txBody>
-                  <a:tcPr marL="5394" marR="5394" marT="5394" marB="0" anchor="ctr">
+                  <a:tcPr marL="6825" marR="6825" marT="6825" marB="0" anchor="ctr">
                     <a:lnL w="6350" cap="flat" cmpd="sng" algn="ctr">
                       <a:solidFill>
                         <a:srgbClr val="000000"/>
@@ -31154,7 +31297,7 @@
                       </a:r>
                     </a:p>
                   </a:txBody>
-                  <a:tcPr marL="5394" marR="5394" marT="5394" marB="0" anchor="ctr">
+                  <a:tcPr marL="6825" marR="6825" marT="6825" marB="0" anchor="ctr">
                     <a:lnL w="6350" cap="flat" cmpd="sng" algn="ctr">
                       <a:solidFill>
                         <a:srgbClr val="000000"/>
@@ -31211,7 +31354,7 @@
                       </a:r>
                     </a:p>
                   </a:txBody>
-                  <a:tcPr marL="5394" marR="5394" marT="5394" marB="0" anchor="ctr">
+                  <a:tcPr marL="6825" marR="6825" marT="6825" marB="0" anchor="ctr">
                     <a:lnL w="6350" cap="flat" cmpd="sng" algn="ctr">
                       <a:solidFill>
                         <a:srgbClr val="000000"/>
@@ -31268,7 +31411,7 @@
                       </a:r>
                     </a:p>
                   </a:txBody>
-                  <a:tcPr marL="5394" marR="5394" marT="5394" marB="0" anchor="ctr">
+                  <a:tcPr marL="6825" marR="6825" marT="6825" marB="0" anchor="ctr">
                     <a:lnL w="12700" cap="flat" cmpd="sng" algn="ctr">
                       <a:solidFill>
                         <a:srgbClr val="000000"/>
@@ -31328,7 +31471,7 @@
                       </a:r>
                     </a:p>
                   </a:txBody>
-                  <a:tcPr marL="5394" marR="5394" marT="5394" marB="0" anchor="ctr">
+                  <a:tcPr marL="6825" marR="6825" marT="6825" marB="0" anchor="ctr">
                     <a:lnL w="6350" cap="flat" cmpd="sng" algn="ctr">
                       <a:solidFill>
                         <a:srgbClr val="000000"/>
@@ -31385,7 +31528,7 @@
                       </a:r>
                     </a:p>
                   </a:txBody>
-                  <a:tcPr marL="5394" marR="5394" marT="5394" marB="0" anchor="ctr">
+                  <a:tcPr marL="6825" marR="6825" marT="6825" marB="0" anchor="ctr">
                     <a:lnL w="6350" cap="flat" cmpd="sng" algn="ctr">
                       <a:solidFill>
                         <a:srgbClr val="000000"/>
@@ -31445,7 +31588,7 @@
                       </a:r>
                     </a:p>
                   </a:txBody>
-                  <a:tcPr marL="5394" marR="5394" marT="5394" marB="0" anchor="ctr">
+                  <a:tcPr marL="6825" marR="6825" marT="6825" marB="0" anchor="ctr">
                     <a:lnL w="6350" cap="flat" cmpd="sng" algn="ctr">
                       <a:solidFill>
                         <a:srgbClr val="000000"/>
@@ -31502,7 +31645,7 @@
                       </a:r>
                     </a:p>
                   </a:txBody>
-                  <a:tcPr marL="5394" marR="5394" marT="5394" marB="0" anchor="ctr">
+                  <a:tcPr marL="6825" marR="6825" marT="6825" marB="0" anchor="ctr">
                     <a:lnL w="6350" cap="flat" cmpd="sng" algn="ctr">
                       <a:solidFill>
                         <a:srgbClr val="000000"/>
@@ -31562,7 +31705,7 @@
                       </a:r>
                     </a:p>
                   </a:txBody>
-                  <a:tcPr marL="5394" marR="5394" marT="5394" marB="0" anchor="ctr">
+                  <a:tcPr marL="6825" marR="6825" marT="6825" marB="0" anchor="ctr">
                     <a:lnL w="6350" cap="flat" cmpd="sng" algn="ctr">
                       <a:solidFill>
                         <a:srgbClr val="000000"/>
@@ -31619,7 +31762,7 @@
                       </a:r>
                     </a:p>
                   </a:txBody>
-                  <a:tcPr marL="5394" marR="5394" marT="5394" marB="0" anchor="ctr">
+                  <a:tcPr marL="6825" marR="6825" marT="6825" marB="0" anchor="ctr">
                     <a:lnL w="6350" cap="flat" cmpd="sng" algn="ctr">
                       <a:solidFill>
                         <a:srgbClr val="000000"/>
@@ -31679,7 +31822,7 @@
                       </a:r>
                     </a:p>
                   </a:txBody>
-                  <a:tcPr marL="5394" marR="5394" marT="5394" marB="0" anchor="ctr">
+                  <a:tcPr marL="6825" marR="6825" marT="6825" marB="0" anchor="ctr">
                     <a:lnL w="6350" cap="flat" cmpd="sng" algn="ctr">
                       <a:solidFill>
                         <a:srgbClr val="000000"/>
@@ -31736,7 +31879,7 @@
                       </a:r>
                     </a:p>
                   </a:txBody>
-                  <a:tcPr marL="5394" marR="5394" marT="5394" marB="0" anchor="ctr">
+                  <a:tcPr marL="6825" marR="6825" marT="6825" marB="0" anchor="ctr">
                     <a:lnL w="6350" cap="flat" cmpd="sng" algn="ctr">
                       <a:solidFill>
                         <a:srgbClr val="000000"/>
@@ -31793,7 +31936,7 @@
                       </a:r>
                     </a:p>
                   </a:txBody>
-                  <a:tcPr marL="5394" marR="5394" marT="5394" marB="0" anchor="ctr">
+                  <a:tcPr marL="6825" marR="6825" marT="6825" marB="0" anchor="ctr">
                     <a:lnL w="6350" cap="flat" cmpd="sng" algn="ctr">
                       <a:solidFill>
                         <a:srgbClr val="000000"/>
@@ -31853,7 +31996,7 @@
                       </a:r>
                     </a:p>
                   </a:txBody>
-                  <a:tcPr marL="5394" marR="5394" marT="5394" marB="0" anchor="ctr">
+                  <a:tcPr marL="6825" marR="6825" marT="6825" marB="0" anchor="ctr">
                     <a:lnL w="6350" cap="flat" cmpd="sng" algn="ctr">
                       <a:solidFill>
                         <a:srgbClr val="000000"/>
@@ -31910,7 +32053,7 @@
                       </a:r>
                     </a:p>
                   </a:txBody>
-                  <a:tcPr marL="5394" marR="5394" marT="5394" marB="0" anchor="ctr">
+                  <a:tcPr marL="6825" marR="6825" marT="6825" marB="0" anchor="ctr">
                     <a:lnL w="6350" cap="flat" cmpd="sng" algn="ctr">
                       <a:solidFill>
                         <a:srgbClr val="000000"/>
@@ -31970,7 +32113,7 @@
                       </a:r>
                     </a:p>
                   </a:txBody>
-                  <a:tcPr marL="5394" marR="5394" marT="5394" marB="0" anchor="ctr">
+                  <a:tcPr marL="6825" marR="6825" marT="6825" marB="0" anchor="ctr">
                     <a:lnL w="6350" cap="flat" cmpd="sng" algn="ctr">
                       <a:solidFill>
                         <a:srgbClr val="000000"/>
@@ -32027,7 +32170,7 @@
                       </a:r>
                     </a:p>
                   </a:txBody>
-                  <a:tcPr marL="5394" marR="5394" marT="5394" marB="0" anchor="ctr">
+                  <a:tcPr marL="6825" marR="6825" marT="6825" marB="0" anchor="ctr">
                     <a:lnL w="6350" cap="flat" cmpd="sng" algn="ctr">
                       <a:solidFill>
                         <a:srgbClr val="000000"/>
@@ -32087,7 +32230,7 @@
                       </a:r>
                     </a:p>
                   </a:txBody>
-                  <a:tcPr marL="5394" marR="5394" marT="5394" marB="0" anchor="ctr">
+                  <a:tcPr marL="6825" marR="6825" marT="6825" marB="0" anchor="ctr">
                     <a:lnL w="12700" cap="flat" cmpd="sng" algn="ctr">
                       <a:solidFill>
                         <a:srgbClr val="000000"/>
@@ -32144,7 +32287,7 @@
                       </a:r>
                     </a:p>
                   </a:txBody>
-                  <a:tcPr marL="5394" marR="5394" marT="5394" marB="0" anchor="ctr">
+                  <a:tcPr marL="6825" marR="6825" marT="6825" marB="0" anchor="ctr">
                     <a:lnL w="6350" cap="flat" cmpd="sng" algn="ctr">
                       <a:solidFill>
                         <a:srgbClr val="000000"/>
@@ -32204,7 +32347,7 @@
                       </a:r>
                     </a:p>
                   </a:txBody>
-                  <a:tcPr marL="5394" marR="5394" marT="5394" marB="0" anchor="ctr">
+                  <a:tcPr marL="6825" marR="6825" marT="6825" marB="0" anchor="ctr">
                     <a:lnL w="6350" cap="flat" cmpd="sng" algn="ctr">
                       <a:solidFill>
                         <a:srgbClr val="000000"/>
@@ -32261,7 +32404,7 @@
                       </a:r>
                     </a:p>
                   </a:txBody>
-                  <a:tcPr marL="5394" marR="5394" marT="5394" marB="0" anchor="ctr">
+                  <a:tcPr marL="6825" marR="6825" marT="6825" marB="0" anchor="ctr">
                     <a:lnL w="6350" cap="flat" cmpd="sng" algn="ctr">
                       <a:solidFill>
                         <a:srgbClr val="000000"/>
@@ -32318,7 +32461,7 @@
                       </a:r>
                     </a:p>
                   </a:txBody>
-                  <a:tcPr marL="5394" marR="5394" marT="5394" marB="0" anchor="ctr">
+                  <a:tcPr marL="6825" marR="6825" marT="6825" marB="0" anchor="ctr">
                     <a:lnL w="6350" cap="flat" cmpd="sng" algn="ctr">
                       <a:solidFill>
                         <a:srgbClr val="000000"/>
@@ -32378,7 +32521,7 @@
                       </a:r>
                     </a:p>
                   </a:txBody>
-                  <a:tcPr marL="5394" marR="5394" marT="5394" marB="0" anchor="ctr">
+                  <a:tcPr marL="6825" marR="6825" marT="6825" marB="0" anchor="ctr">
                     <a:lnL w="6350" cap="flat" cmpd="sng" algn="ctr">
                       <a:solidFill>
                         <a:srgbClr val="000000"/>
@@ -32435,7 +32578,7 @@
                       </a:r>
                     </a:p>
                   </a:txBody>
-                  <a:tcPr marL="5394" marR="5394" marT="5394" marB="0" anchor="ctr">
+                  <a:tcPr marL="6825" marR="6825" marT="6825" marB="0" anchor="ctr">
                     <a:lnL w="6350" cap="flat" cmpd="sng" algn="ctr">
                       <a:solidFill>
                         <a:srgbClr val="000000"/>
@@ -32495,7 +32638,7 @@
                       </a:r>
                     </a:p>
                   </a:txBody>
-                  <a:tcPr marL="5394" marR="5394" marT="5394" marB="0" anchor="ctr">
+                  <a:tcPr marL="6825" marR="6825" marT="6825" marB="0" anchor="ctr">
                     <a:lnL w="6350" cap="flat" cmpd="sng" algn="ctr">
                       <a:solidFill>
                         <a:srgbClr val="000000"/>
@@ -32552,7 +32695,7 @@
                       </a:r>
                     </a:p>
                   </a:txBody>
-                  <a:tcPr marL="5394" marR="5394" marT="5394" marB="0" anchor="ctr">
+                  <a:tcPr marL="6825" marR="6825" marT="6825" marB="0" anchor="ctr">
                     <a:lnL w="6350" cap="flat" cmpd="sng" algn="ctr">
                       <a:solidFill>
                         <a:srgbClr val="000000"/>
@@ -32612,7 +32755,7 @@
                       </a:r>
                     </a:p>
                   </a:txBody>
-                  <a:tcPr marL="5394" marR="5394" marT="5394" marB="0" anchor="ctr">
+                  <a:tcPr marL="6825" marR="6825" marT="6825" marB="0" anchor="ctr">
                     <a:lnL w="6350" cap="flat" cmpd="sng" algn="ctr">
                       <a:solidFill>
                         <a:srgbClr val="000000"/>
@@ -32669,7 +32812,7 @@
                       </a:r>
                     </a:p>
                   </a:txBody>
-                  <a:tcPr marL="5394" marR="5394" marT="5394" marB="0" anchor="ctr">
+                  <a:tcPr marL="6825" marR="6825" marT="6825" marB="0" anchor="ctr">
                     <a:lnL w="6350" cap="flat" cmpd="sng" algn="ctr">
                       <a:solidFill>
                         <a:srgbClr val="000000"/>
@@ -32729,7 +32872,7 @@
                       </a:r>
                     </a:p>
                   </a:txBody>
-                  <a:tcPr marL="5394" marR="5394" marT="5394" marB="0" anchor="ctr">
+                  <a:tcPr marL="6825" marR="6825" marT="6825" marB="0" anchor="ctr">
                     <a:lnL w="6350" cap="flat" cmpd="sng" algn="ctr">
                       <a:solidFill>
                         <a:srgbClr val="000000"/>
@@ -32786,7 +32929,7 @@
                       </a:r>
                     </a:p>
                   </a:txBody>
-                  <a:tcPr marL="5394" marR="5394" marT="5394" marB="0" anchor="ctr">
+                  <a:tcPr marL="6825" marR="6825" marT="6825" marB="0" anchor="ctr">
                     <a:lnL w="6350" cap="flat" cmpd="sng" algn="ctr">
                       <a:solidFill>
                         <a:srgbClr val="000000"/>
@@ -32846,7 +32989,7 @@
                       </a:r>
                     </a:p>
                   </a:txBody>
-                  <a:tcPr marL="5394" marR="5394" marT="5394" marB="0" anchor="ctr">
+                  <a:tcPr marL="6825" marR="6825" marT="6825" marB="0" anchor="ctr">
                     <a:lnL w="6350" cap="flat" cmpd="sng" algn="ctr">
                       <a:solidFill>
                         <a:srgbClr val="000000"/>
@@ -32887,11 +33030,11 @@
                 </a:tc>
                 <a:extLst>
                   <a:ext uri="{0D108BD9-81ED-4DB2-BD59-A6C34878D82A}">
-                    <a16:rowId xmlns:a16="http://schemas.microsoft.com/office/drawing/2014/main" val="2994663118"/>
+                    <a16:rowId xmlns:a16="http://schemas.microsoft.com/office/drawing/2014/main" val="3170350224"/>
                   </a:ext>
                 </a:extLst>
               </a:tr>
-              <a:tr h="209854">
+              <a:tr h="210277">
                 <a:tc vMerge="1">
                   <a:txBody>
                     <a:bodyPr/>
@@ -32920,7 +33063,7 @@
                       </a:r>
                     </a:p>
                   </a:txBody>
-                  <a:tcPr marL="5394" marR="5394" marT="5394" marB="0" anchor="b">
+                  <a:tcPr marL="6825" marR="6825" marT="6825" marB="0" anchor="b">
                     <a:lnL w="6350" cap="flat" cmpd="sng" algn="ctr">
                       <a:solidFill>
                         <a:srgbClr val="000000"/>
@@ -32980,7 +33123,7 @@
                       </a:r>
                     </a:p>
                   </a:txBody>
-                  <a:tcPr marL="5394" marR="5394" marT="5394" marB="0" anchor="ctr">
+                  <a:tcPr marL="6825" marR="6825" marT="6825" marB="0" anchor="ctr">
                     <a:lnL w="12700" cap="flat" cmpd="sng" algn="ctr">
                       <a:solidFill>
                         <a:srgbClr val="000000"/>
@@ -33040,7 +33183,7 @@
                       </a:r>
                     </a:p>
                   </a:txBody>
-                  <a:tcPr marL="5394" marR="5394" marT="5394" marB="0" anchor="ctr">
+                  <a:tcPr marL="6825" marR="6825" marT="6825" marB="0" anchor="ctr">
                     <a:lnL w="6350" cap="flat" cmpd="sng" algn="ctr">
                       <a:solidFill>
                         <a:srgbClr val="000000"/>
@@ -33100,7 +33243,7 @@
                       </a:r>
                     </a:p>
                   </a:txBody>
-                  <a:tcPr marL="5394" marR="5394" marT="5394" marB="0" anchor="ctr">
+                  <a:tcPr marL="6825" marR="6825" marT="6825" marB="0" anchor="ctr">
                     <a:lnL w="6350" cap="flat" cmpd="sng" algn="ctr">
                       <a:solidFill>
                         <a:srgbClr val="000000"/>
@@ -33160,7 +33303,7 @@
                       </a:r>
                     </a:p>
                   </a:txBody>
-                  <a:tcPr marL="5394" marR="5394" marT="5394" marB="0" anchor="ctr">
+                  <a:tcPr marL="6825" marR="6825" marT="6825" marB="0" anchor="ctr">
                     <a:lnL w="6350" cap="flat" cmpd="sng" algn="ctr">
                       <a:solidFill>
                         <a:srgbClr val="000000"/>
@@ -33220,7 +33363,7 @@
                       </a:r>
                     </a:p>
                   </a:txBody>
-                  <a:tcPr marL="5394" marR="5394" marT="5394" marB="0" anchor="ctr">
+                  <a:tcPr marL="6825" marR="6825" marT="6825" marB="0" anchor="ctr">
                     <a:lnL w="12700" cap="flat" cmpd="sng" algn="ctr">
                       <a:solidFill>
                         <a:srgbClr val="000000"/>
@@ -33280,7 +33423,7 @@
                       </a:r>
                     </a:p>
                   </a:txBody>
-                  <a:tcPr marL="5394" marR="5394" marT="5394" marB="0" anchor="ctr">
+                  <a:tcPr marL="6825" marR="6825" marT="6825" marB="0" anchor="ctr">
                     <a:lnL w="6350" cap="flat" cmpd="sng" algn="ctr">
                       <a:solidFill>
                         <a:srgbClr val="000000"/>
@@ -33340,7 +33483,7 @@
                       </a:r>
                     </a:p>
                   </a:txBody>
-                  <a:tcPr marL="5394" marR="5394" marT="5394" marB="0" anchor="ctr">
+                  <a:tcPr marL="6825" marR="6825" marT="6825" marB="0" anchor="ctr">
                     <a:lnL w="6350" cap="flat" cmpd="sng" algn="ctr">
                       <a:solidFill>
                         <a:srgbClr val="000000"/>
@@ -33400,7 +33543,7 @@
                       </a:r>
                     </a:p>
                   </a:txBody>
-                  <a:tcPr marL="5394" marR="5394" marT="5394" marB="0" anchor="ctr">
+                  <a:tcPr marL="6825" marR="6825" marT="6825" marB="0" anchor="ctr">
                     <a:lnL w="6350" cap="flat" cmpd="sng" algn="ctr">
                       <a:solidFill>
                         <a:srgbClr val="000000"/>
@@ -33460,7 +33603,7 @@
                       </a:r>
                     </a:p>
                   </a:txBody>
-                  <a:tcPr marL="5394" marR="5394" marT="5394" marB="0" anchor="ctr">
+                  <a:tcPr marL="6825" marR="6825" marT="6825" marB="0" anchor="ctr">
                     <a:lnL w="6350" cap="flat" cmpd="sng" algn="ctr">
                       <a:solidFill>
                         <a:srgbClr val="000000"/>
@@ -33520,7 +33663,7 @@
                       </a:r>
                     </a:p>
                   </a:txBody>
-                  <a:tcPr marL="5394" marR="5394" marT="5394" marB="0" anchor="ctr">
+                  <a:tcPr marL="6825" marR="6825" marT="6825" marB="0" anchor="ctr">
                     <a:lnL w="6350" cap="flat" cmpd="sng" algn="ctr">
                       <a:solidFill>
                         <a:srgbClr val="000000"/>
@@ -33580,7 +33723,7 @@
                       </a:r>
                     </a:p>
                   </a:txBody>
-                  <a:tcPr marL="5394" marR="5394" marT="5394" marB="0" anchor="ctr">
+                  <a:tcPr marL="6825" marR="6825" marT="6825" marB="0" anchor="ctr">
                     <a:lnL w="6350" cap="flat" cmpd="sng" algn="ctr">
                       <a:solidFill>
                         <a:srgbClr val="000000"/>
@@ -33640,7 +33783,7 @@
                       </a:r>
                     </a:p>
                   </a:txBody>
-                  <a:tcPr marL="5394" marR="5394" marT="5394" marB="0" anchor="ctr">
+                  <a:tcPr marL="6825" marR="6825" marT="6825" marB="0" anchor="ctr">
                     <a:lnL w="6350" cap="flat" cmpd="sng" algn="ctr">
                       <a:solidFill>
                         <a:srgbClr val="000000"/>
@@ -33700,7 +33843,7 @@
                       </a:r>
                     </a:p>
                   </a:txBody>
-                  <a:tcPr marL="5394" marR="5394" marT="5394" marB="0" anchor="ctr">
+                  <a:tcPr marL="6825" marR="6825" marT="6825" marB="0" anchor="ctr">
                     <a:lnL w="6350" cap="flat" cmpd="sng" algn="ctr">
                       <a:solidFill>
                         <a:srgbClr val="000000"/>
@@ -33760,7 +33903,7 @@
                       </a:r>
                     </a:p>
                   </a:txBody>
-                  <a:tcPr marL="5394" marR="5394" marT="5394" marB="0" anchor="ctr">
+                  <a:tcPr marL="6825" marR="6825" marT="6825" marB="0" anchor="ctr">
                     <a:lnL w="6350" cap="flat" cmpd="sng" algn="ctr">
                       <a:solidFill>
                         <a:srgbClr val="000000"/>
@@ -33809,7 +33952,7 @@
                     <a:p>
                       <a:pPr algn="ctr" fontAlgn="ctr"/>
                       <a:r>
-                        <a:rPr lang="en-US" sz="800" b="0" i="0" u="none" strike="noStrike" dirty="0">
+                        <a:rPr lang="en-US" sz="800" b="0" i="0" u="none" strike="noStrike">
                           <a:solidFill>
                             <a:srgbClr val="000000"/>
                           </a:solidFill>
@@ -33820,7 +33963,7 @@
                       </a:r>
                     </a:p>
                   </a:txBody>
-                  <a:tcPr marL="5394" marR="5394" marT="5394" marB="0" anchor="ctr">
+                  <a:tcPr marL="6825" marR="6825" marT="6825" marB="0" anchor="ctr">
                     <a:lnL w="6350" cap="flat" cmpd="sng" algn="ctr">
                       <a:solidFill>
                         <a:srgbClr val="000000"/>
@@ -33880,7 +34023,7 @@
                       </a:r>
                     </a:p>
                   </a:txBody>
-                  <a:tcPr marL="5394" marR="5394" marT="5394" marB="0" anchor="ctr">
+                  <a:tcPr marL="6825" marR="6825" marT="6825" marB="0" anchor="ctr">
                     <a:lnL w="6350" cap="flat" cmpd="sng" algn="ctr">
                       <a:solidFill>
                         <a:srgbClr val="000000"/>
@@ -33940,7 +34083,7 @@
                       </a:r>
                     </a:p>
                   </a:txBody>
-                  <a:tcPr marL="5394" marR="5394" marT="5394" marB="0" anchor="ctr">
+                  <a:tcPr marL="6825" marR="6825" marT="6825" marB="0" anchor="ctr">
                     <a:lnL w="6350" cap="flat" cmpd="sng" algn="ctr">
                       <a:solidFill>
                         <a:srgbClr val="000000"/>
@@ -34000,7 +34143,7 @@
                       </a:r>
                     </a:p>
                   </a:txBody>
-                  <a:tcPr marL="5394" marR="5394" marT="5394" marB="0" anchor="ctr">
+                  <a:tcPr marL="6825" marR="6825" marT="6825" marB="0" anchor="ctr">
                     <a:lnL w="6350" cap="flat" cmpd="sng" algn="ctr">
                       <a:solidFill>
                         <a:srgbClr val="000000"/>
@@ -34060,7 +34203,7 @@
                       </a:r>
                     </a:p>
                   </a:txBody>
-                  <a:tcPr marL="5394" marR="5394" marT="5394" marB="0" anchor="ctr">
+                  <a:tcPr marL="6825" marR="6825" marT="6825" marB="0" anchor="ctr">
                     <a:lnL w="12700" cap="flat" cmpd="sng" algn="ctr">
                       <a:solidFill>
                         <a:srgbClr val="000000"/>
@@ -34120,7 +34263,7 @@
                       </a:r>
                     </a:p>
                   </a:txBody>
-                  <a:tcPr marL="5394" marR="5394" marT="5394" marB="0" anchor="ctr">
+                  <a:tcPr marL="6825" marR="6825" marT="6825" marB="0" anchor="ctr">
                     <a:lnL w="6350" cap="flat" cmpd="sng" algn="ctr">
                       <a:solidFill>
                         <a:srgbClr val="000000"/>
@@ -34180,7 +34323,7 @@
                       </a:r>
                     </a:p>
                   </a:txBody>
-                  <a:tcPr marL="5394" marR="5394" marT="5394" marB="0" anchor="ctr">
+                  <a:tcPr marL="6825" marR="6825" marT="6825" marB="0" anchor="ctr">
                     <a:lnL w="6350" cap="flat" cmpd="sng" algn="ctr">
                       <a:solidFill>
                         <a:srgbClr val="000000"/>
@@ -34240,7 +34383,7 @@
                       </a:r>
                     </a:p>
                   </a:txBody>
-                  <a:tcPr marL="5394" marR="5394" marT="5394" marB="0" anchor="ctr">
+                  <a:tcPr marL="6825" marR="6825" marT="6825" marB="0" anchor="ctr">
                     <a:lnL w="6350" cap="flat" cmpd="sng" algn="ctr">
                       <a:solidFill>
                         <a:srgbClr val="000000"/>
@@ -34300,7 +34443,7 @@
                       </a:r>
                     </a:p>
                   </a:txBody>
-                  <a:tcPr marL="5394" marR="5394" marT="5394" marB="0" anchor="ctr">
+                  <a:tcPr marL="6825" marR="6825" marT="6825" marB="0" anchor="ctr">
                     <a:lnL w="6350" cap="flat" cmpd="sng" algn="ctr">
                       <a:solidFill>
                         <a:srgbClr val="000000"/>
@@ -34360,7 +34503,7 @@
                       </a:r>
                     </a:p>
                   </a:txBody>
-                  <a:tcPr marL="5394" marR="5394" marT="5394" marB="0" anchor="ctr">
+                  <a:tcPr marL="6825" marR="6825" marT="6825" marB="0" anchor="ctr">
                     <a:lnL w="6350" cap="flat" cmpd="sng" algn="ctr">
                       <a:solidFill>
                         <a:srgbClr val="000000"/>
@@ -34420,7 +34563,7 @@
                       </a:r>
                     </a:p>
                   </a:txBody>
-                  <a:tcPr marL="5394" marR="5394" marT="5394" marB="0" anchor="ctr">
+                  <a:tcPr marL="6825" marR="6825" marT="6825" marB="0" anchor="ctr">
                     <a:lnL w="6350" cap="flat" cmpd="sng" algn="ctr">
                       <a:solidFill>
                         <a:srgbClr val="000000"/>
@@ -34480,7 +34623,7 @@
                       </a:r>
                     </a:p>
                   </a:txBody>
-                  <a:tcPr marL="5394" marR="5394" marT="5394" marB="0" anchor="ctr">
+                  <a:tcPr marL="6825" marR="6825" marT="6825" marB="0" anchor="ctr">
                     <a:lnL w="6350" cap="flat" cmpd="sng" algn="ctr">
                       <a:solidFill>
                         <a:srgbClr val="000000"/>
@@ -34540,7 +34683,7 @@
                       </a:r>
                     </a:p>
                   </a:txBody>
-                  <a:tcPr marL="5394" marR="5394" marT="5394" marB="0" anchor="ctr">
+                  <a:tcPr marL="6825" marR="6825" marT="6825" marB="0" anchor="ctr">
                     <a:lnL w="6350" cap="flat" cmpd="sng" algn="ctr">
                       <a:solidFill>
                         <a:srgbClr val="000000"/>
@@ -34600,7 +34743,7 @@
                       </a:r>
                     </a:p>
                   </a:txBody>
-                  <a:tcPr marL="5394" marR="5394" marT="5394" marB="0" anchor="ctr">
+                  <a:tcPr marL="6825" marR="6825" marT="6825" marB="0" anchor="ctr">
                     <a:lnL w="6350" cap="flat" cmpd="sng" algn="ctr">
                       <a:solidFill>
                         <a:srgbClr val="000000"/>
@@ -34660,7 +34803,7 @@
                       </a:r>
                     </a:p>
                   </a:txBody>
-                  <a:tcPr marL="5394" marR="5394" marT="5394" marB="0" anchor="ctr">
+                  <a:tcPr marL="6825" marR="6825" marT="6825" marB="0" anchor="ctr">
                     <a:lnL w="6350" cap="flat" cmpd="sng" algn="ctr">
                       <a:solidFill>
                         <a:srgbClr val="000000"/>
@@ -34720,7 +34863,7 @@
                       </a:r>
                     </a:p>
                   </a:txBody>
-                  <a:tcPr marL="5394" marR="5394" marT="5394" marB="0" anchor="ctr">
+                  <a:tcPr marL="6825" marR="6825" marT="6825" marB="0" anchor="ctr">
                     <a:lnL w="6350" cap="flat" cmpd="sng" algn="ctr">
                       <a:solidFill>
                         <a:srgbClr val="000000"/>
@@ -34780,7 +34923,7 @@
                       </a:r>
                     </a:p>
                   </a:txBody>
-                  <a:tcPr marL="5394" marR="5394" marT="5394" marB="0" anchor="ctr">
+                  <a:tcPr marL="6825" marR="6825" marT="6825" marB="0" anchor="ctr">
                     <a:lnL w="6350" cap="flat" cmpd="sng" algn="ctr">
                       <a:solidFill>
                         <a:srgbClr val="000000"/>
@@ -34840,7 +34983,7 @@
                       </a:r>
                     </a:p>
                   </a:txBody>
-                  <a:tcPr marL="5394" marR="5394" marT="5394" marB="0" anchor="ctr">
+                  <a:tcPr marL="6825" marR="6825" marT="6825" marB="0" anchor="ctr">
                     <a:lnL w="6350" cap="flat" cmpd="sng" algn="ctr">
                       <a:solidFill>
                         <a:srgbClr val="000000"/>
@@ -34884,7 +35027,7 @@
                 </a:tc>
                 <a:extLst>
                   <a:ext uri="{0D108BD9-81ED-4DB2-BD59-A6C34878D82A}">
-                    <a16:rowId xmlns:a16="http://schemas.microsoft.com/office/drawing/2014/main" val="717501456"/>
+                    <a16:rowId xmlns:a16="http://schemas.microsoft.com/office/drawing/2014/main" val="4190944841"/>
                   </a:ext>
                 </a:extLst>
               </a:tr>
@@ -34936,8 +35079,8 @@
         </p:nvSpPr>
         <p:spPr>
           <a:xfrm>
-            <a:off x="2774126" y="881740"/>
-            <a:ext cx="6440866" cy="646331"/>
+            <a:off x="1540364" y="881740"/>
+            <a:ext cx="8908401" cy="646331"/>
           </a:xfrm>
           <a:prstGeom prst="rect">
             <a:avLst/>
@@ -34960,7 +35103,15 @@
             <a:pPr algn="ctr"/>
             <a:r>
               <a:rPr lang="en-US" dirty="0"/>
-              <a:t>Despite closely contested matches, data science helps with predictions</a:t>
+              <a:t>Despite closely contested matches, </a:t>
+            </a:r>
+            <a:r>
+              <a:rPr lang="en-US" b="1" dirty="0"/>
+              <a:t>even my nascent data science skills </a:t>
+            </a:r>
+            <a:r>
+              <a:rPr lang="en-US" dirty="0"/>
+              <a:t>help with predictions</a:t>
             </a:r>
           </a:p>
         </p:txBody>
@@ -35135,8 +35286,8 @@
         </p:nvSpPr>
         <p:spPr>
           <a:xfrm>
-            <a:off x="1940593" y="789314"/>
-            <a:ext cx="8072786" cy="646331"/>
+            <a:off x="1298881" y="789314"/>
+            <a:ext cx="9356216" cy="646331"/>
           </a:xfrm>
           <a:prstGeom prst="rect">
             <a:avLst/>
@@ -35151,15 +35302,27 @@
           <a:p>
             <a:pPr algn="ctr"/>
             <a:r>
+              <a:rPr lang="en-US" b="1" dirty="0"/>
+              <a:t>Confusion</a:t>
+            </a:r>
+            <a:r>
               <a:rPr lang="en-US" dirty="0"/>
-              <a:t>Confusion Matrices show right off the bat we can predict better than just flipping a coin</a:t>
+              <a:t> Matrices show </a:t>
+            </a:r>
+            <a:r>
+              <a:rPr lang="en-US" b="1" dirty="0"/>
+              <a:t>even at  the very start we can predict better than by flipping a coin</a:t>
             </a:r>
           </a:p>
           <a:p>
             <a:pPr algn="ctr"/>
             <a:r>
               <a:rPr lang="en-US" dirty="0"/>
-              <a:t>And even when there are 10 overs to go, we get 3 of 4 results right</a:t>
+              <a:t>And when there are still 10 overs to go, </a:t>
+            </a:r>
+            <a:r>
+              <a:rPr lang="en-US" b="1" dirty="0"/>
+              <a:t>we get 3 of 4 results right</a:t>
             </a:r>
           </a:p>
         </p:txBody>
@@ -35448,7 +35611,7 @@
             </a:pPr>
             <a:r>
               <a:rPr lang="en-US" dirty="0"/>
-              <a:t>Betting Sites</a:t>
+              <a:t>Betting Sites (mobiles)</a:t>
             </a:r>
           </a:p>
           <a:p>
@@ -35501,15 +35664,15 @@
               <a:buChar char="•"/>
             </a:pPr>
             <a:r>
-              <a:rPr lang="en-US" dirty="0"/>
+              <a:rPr lang="en-US" b="1" dirty="0"/>
               <a:t>Match gets really gripping midway through the 2</a:t>
             </a:r>
             <a:r>
-              <a:rPr lang="en-US" baseline="30000" dirty="0"/>
+              <a:rPr lang="en-US" b="1" baseline="30000" dirty="0"/>
               <a:t>nd</a:t>
             </a:r>
             <a:r>
-              <a:rPr lang="en-US" dirty="0"/>
+              <a:rPr lang="en-US" b="1" dirty="0"/>
               <a:t> innings, and our models can predict with 75-80% accuracy at that stage</a:t>
             </a:r>
           </a:p>
@@ -35635,7 +35798,15 @@
             </a:pPr>
             <a:r>
               <a:rPr lang="en-US" dirty="0"/>
-              <a:t>Instead of predicting the exact score, predict a band that the final score will land in</a:t>
+              <a:t>Instead of predicting the exact score, </a:t>
+            </a:r>
+            <a:r>
+              <a:rPr lang="en-US" b="1" dirty="0"/>
+              <a:t>predict a band </a:t>
+            </a:r>
+            <a:r>
+              <a:rPr lang="en-US" dirty="0"/>
+              <a:t>that the final score will land in</a:t>
             </a:r>
           </a:p>
           <a:p>
@@ -35662,7 +35833,15 @@
             </a:pPr>
             <a:r>
               <a:rPr lang="en-US" dirty="0"/>
-              <a:t>Add Feature engineering columns to see if it improves predictions, like:</a:t>
+              <a:t>Add </a:t>
+            </a:r>
+            <a:r>
+              <a:rPr lang="en-US" b="1" dirty="0"/>
+              <a:t>Feature engineering columns </a:t>
+            </a:r>
+            <a:r>
+              <a:rPr lang="en-US" dirty="0"/>
+              <a:t>to see if it improves predictions, like:</a:t>
             </a:r>
           </a:p>
           <a:p>
@@ -35765,8 +35944,8 @@
         </p:nvSpPr>
         <p:spPr>
           <a:xfrm>
-            <a:off x="4991450" y="725431"/>
-            <a:ext cx="2023696" cy="369332"/>
+            <a:off x="4392955" y="725431"/>
+            <a:ext cx="3220690" cy="369332"/>
           </a:xfrm>
           <a:prstGeom prst="rect">
             <a:avLst/>
@@ -35782,7 +35961,7 @@
             <a:pPr algn="ctr"/>
             <a:r>
               <a:rPr lang="en-US" dirty="0"/>
-              <a:t>Cricket in a Nutshell</a:t>
+              <a:t>Background, Cricket in a Nutshell</a:t>
             </a:r>
           </a:p>
         </p:txBody>
@@ -35801,7 +35980,7 @@
         </p:nvSpPr>
         <p:spPr>
           <a:xfrm>
-            <a:off x="806741" y="1094763"/>
+            <a:off x="806741" y="1338044"/>
             <a:ext cx="10578518" cy="4616648"/>
           </a:xfrm>
           <a:prstGeom prst="rect">
@@ -35821,7 +36000,19 @@
             </a:pPr>
             <a:r>
               <a:rPr lang="en-US" sz="1400" dirty="0"/>
-              <a:t>A traditional cricket game is not where the money is anymore</a:t>
+              <a:t>A </a:t>
+            </a:r>
+            <a:r>
+              <a:rPr lang="en-US" sz="1400" b="1" dirty="0"/>
+              <a:t>traditional cricket game </a:t>
+            </a:r>
+            <a:r>
+              <a:rPr lang="en-US" sz="1400" dirty="0"/>
+              <a:t>is not where the money is anymore. </a:t>
+            </a:r>
+            <a:r>
+              <a:rPr lang="en-US" sz="1400" b="1" dirty="0"/>
+              <a:t>Falling viewership, empty stands</a:t>
             </a:r>
           </a:p>
           <a:p>
@@ -35831,7 +36022,15 @@
             </a:pPr>
             <a:r>
               <a:rPr lang="en-US" sz="1400" dirty="0"/>
-              <a:t>Too long, too slow. No color, no lights</a:t>
+              <a:t>Too long, too slow, </a:t>
+            </a:r>
+            <a:r>
+              <a:rPr lang="en-US" sz="1400" b="1" dirty="0"/>
+              <a:t>during day time</a:t>
+            </a:r>
+            <a:r>
+              <a:rPr lang="en-US" sz="1400" dirty="0"/>
+              <a:t>. No color, no lights</a:t>
             </a:r>
           </a:p>
           <a:p>
@@ -35860,8 +36059,12 @@
               <a:buChar char="•"/>
             </a:pPr>
             <a:r>
+              <a:rPr lang="en-US" sz="1400" b="1" dirty="0"/>
+              <a:t>3 hour cricket match </a:t>
+            </a:r>
+            <a:r>
               <a:rPr lang="en-US" sz="1400" dirty="0"/>
-              <a:t>3 hour cricket match has caught on with the public</a:t>
+              <a:t>has caught on with the public</a:t>
             </a:r>
           </a:p>
           <a:p>
@@ -35911,7 +36114,23 @@
             </a:pPr>
             <a:r>
               <a:rPr lang="en-US" sz="1400" dirty="0"/>
-              <a:t>Club franchise cricket: brings the best players from the world with a large support staff.  Huge club following now</a:t>
+              <a:t>Club franchise cricket: brings </a:t>
+            </a:r>
+            <a:r>
+              <a:rPr lang="en-US" sz="1400" b="1" dirty="0"/>
+              <a:t>world’s</a:t>
+            </a:r>
+            <a:r>
+              <a:rPr lang="en-US" sz="1400" dirty="0"/>
+              <a:t> </a:t>
+            </a:r>
+            <a:r>
+              <a:rPr lang="en-US" sz="1400" b="1" dirty="0"/>
+              <a:t>best players</a:t>
+            </a:r>
+            <a:r>
+              <a:rPr lang="en-US" sz="1400" dirty="0"/>
+              <a:t>.  Huge club following now</a:t>
             </a:r>
           </a:p>
           <a:p>
@@ -35921,7 +36140,7 @@
             </a:pPr>
             <a:r>
               <a:rPr lang="en-US" sz="1400" dirty="0"/>
-              <a:t>~60 matches each season played in ~ 45 days</a:t>
+              <a:t>Compact Season:  ~60 matches each season played in ~ 45 days</a:t>
             </a:r>
           </a:p>
           <a:p>
@@ -35931,7 +36150,15 @@
             </a:pPr>
             <a:r>
               <a:rPr lang="en-US" sz="1400" dirty="0"/>
-              <a:t>Played in evenings when people are done with work/school. With pomp and festivities. Packed stadiums. Social media abuzz</a:t>
+              <a:t>Played in </a:t>
+            </a:r>
+            <a:r>
+              <a:rPr lang="en-US" sz="1400" b="1" dirty="0"/>
+              <a:t>evenings</a:t>
+            </a:r>
+            <a:r>
+              <a:rPr lang="en-US" sz="1400" dirty="0"/>
+              <a:t> when people are done with work/school. With pomp and festivities. Packed stadiums. Social media abuzz</a:t>
             </a:r>
           </a:p>
           <a:p>
@@ -35940,8 +36167,20 @@
               <a:buChar char="•"/>
             </a:pPr>
             <a:r>
+              <a:rPr lang="en-US" sz="1400" b="1" dirty="0"/>
+              <a:t>Brand value of $5.3 billion</a:t>
+            </a:r>
+            <a:r>
               <a:rPr lang="en-US" sz="1400" dirty="0"/>
-              <a:t>Brand value of $ 5.3 billion; global media rights sold for $2.55 billion for 5 years to Star Sports TV channel. Viewership transformed.</a:t>
+              <a:t>; global media rights sold for </a:t>
+            </a:r>
+            <a:r>
+              <a:rPr lang="en-US" sz="1400" b="1" dirty="0"/>
+              <a:t>$2.55 billion for 5 years to Star Sports TV </a:t>
+            </a:r>
+            <a:r>
+              <a:rPr lang="en-US" sz="1400" dirty="0"/>
+              <a:t>channel. Viewership transformed.</a:t>
             </a:r>
           </a:p>
           <a:p>
@@ -35968,7 +36207,31 @@
             </a:pPr>
             <a:r>
               <a:rPr lang="en-US" sz="1400" dirty="0"/>
-              <a:t>Each of the two teams bats once for a maximum of 20 overs.   Hence the name Twenty-20, or T20 for short</a:t>
+              <a:t>Each of the two teams bats once for a </a:t>
+            </a:r>
+            <a:r>
+              <a:rPr lang="en-US" sz="1400" b="1" dirty="0"/>
+              <a:t>max</a:t>
+            </a:r>
+            <a:r>
+              <a:rPr lang="en-US" sz="1400" dirty="0"/>
+              <a:t>imum of </a:t>
+            </a:r>
+            <a:r>
+              <a:rPr lang="en-US" sz="1400" b="1" dirty="0"/>
+              <a:t>20 overs</a:t>
+            </a:r>
+            <a:r>
+              <a:rPr lang="en-US" sz="1400" dirty="0"/>
+              <a:t>.   Hence the name </a:t>
+            </a:r>
+            <a:r>
+              <a:rPr lang="en-US" sz="1400" b="1" dirty="0"/>
+              <a:t>Twenty-20, or T20</a:t>
+            </a:r>
+            <a:r>
+              <a:rPr lang="en-US" sz="1400" dirty="0"/>
+              <a:t> for short</a:t>
             </a:r>
           </a:p>
           <a:p>
@@ -35978,7 +36241,15 @@
             </a:pPr>
             <a:r>
               <a:rPr lang="en-US" sz="1400" dirty="0"/>
-              <a:t>An over has 6 balls (ball is roughly equivalent to a baseball pitch); batting team wants to score runs, bowling team wants to get you out</a:t>
+              <a:t>An over has </a:t>
+            </a:r>
+            <a:r>
+              <a:rPr lang="en-US" sz="1400" b="1" dirty="0"/>
+              <a:t>6 balls </a:t>
+            </a:r>
+            <a:r>
+              <a:rPr lang="en-US" sz="1400" dirty="0"/>
+              <a:t>(ball is roughly equivalent to a baseball pitch); batting team wants to score runs, bowling team wants to get you out</a:t>
             </a:r>
           </a:p>
           <a:p>
@@ -35988,7 +36259,23 @@
             </a:pPr>
             <a:r>
               <a:rPr lang="en-US" sz="1400" dirty="0"/>
-              <a:t>Team batting first sets a score (target) by scoring as many as it can off those 120 balls (20 x 6)</a:t>
+              <a:t>Team batting </a:t>
+            </a:r>
+            <a:r>
+              <a:rPr lang="en-US" sz="1400" b="1" dirty="0"/>
+              <a:t>first</a:t>
+            </a:r>
+            <a:r>
+              <a:rPr lang="en-US" sz="1400" dirty="0"/>
+              <a:t> </a:t>
+            </a:r>
+            <a:r>
+              <a:rPr lang="en-US" sz="1400" b="1" dirty="0"/>
+              <a:t>sets a score </a:t>
+            </a:r>
+            <a:r>
+              <a:rPr lang="en-US" sz="1400" dirty="0"/>
+              <a:t>(target) by scoring as many as it can off those 120 balls (20 x 6)</a:t>
             </a:r>
           </a:p>
           <a:p>
@@ -36008,7 +36295,15 @@
             </a:pPr>
             <a:r>
               <a:rPr lang="en-US" sz="1400" dirty="0"/>
-              <a:t>Team batting second chases the target, and to win they need to achieve it in their assigned 20 overs with less than 10 batsmen out</a:t>
+              <a:t>Team batting </a:t>
+            </a:r>
+            <a:r>
+              <a:rPr lang="en-US" sz="1400" b="1" dirty="0"/>
+              <a:t>second chases the target</a:t>
+            </a:r>
+            <a:r>
+              <a:rPr lang="en-US" sz="1400" dirty="0"/>
+              <a:t>, and to win they need to achieve it in their assigned 20 overs with less than 10 batsmen out</a:t>
             </a:r>
           </a:p>
           <a:p>
@@ -36020,6 +36315,142 @@
     <p:extLst>
       <p:ext uri="{BB962C8B-B14F-4D97-AF65-F5344CB8AC3E}">
         <p14:creationId xmlns:p14="http://schemas.microsoft.com/office/powerpoint/2010/main" val="2258331934"/>
+      </p:ext>
+    </p:extLst>
+  </p:cSld>
+  <p:clrMapOvr>
+    <a:masterClrMapping/>
+  </p:clrMapOvr>
+</p:sld>
+</file>
+
+<file path=ppt/slides/slide20.xml><?xml version="1.0" encoding="utf-8"?>
+<p:sld xmlns:a="http://schemas.openxmlformats.org/drawingml/2006/main" xmlns:r="http://schemas.openxmlformats.org/officeDocument/2006/relationships" xmlns:p="http://schemas.openxmlformats.org/presentationml/2006/main">
+  <p:cSld>
+    <p:spTree>
+      <p:nvGrpSpPr>
+        <p:cNvPr id="1" name=""/>
+        <p:cNvGrpSpPr/>
+        <p:nvPr/>
+      </p:nvGrpSpPr>
+      <p:grpSpPr>
+        <a:xfrm>
+          <a:off x="0" y="0"/>
+          <a:ext cx="0" cy="0"/>
+          <a:chOff x="0" y="0"/>
+          <a:chExt cx="0" cy="0"/>
+        </a:xfrm>
+      </p:grpSpPr>
+      <p:sp>
+        <p:nvSpPr>
+          <p:cNvPr id="2" name="TextBox 1">
+            <a:extLst>
+              <a:ext uri="{FF2B5EF4-FFF2-40B4-BE49-F238E27FC236}">
+                <a16:creationId xmlns:a16="http://schemas.microsoft.com/office/drawing/2014/main" id="{77679AB6-A5B6-424D-B81F-622311D76874}"/>
+              </a:ext>
+            </a:extLst>
+          </p:cNvPr>
+          <p:cNvSpPr txBox="1"/>
+          <p:nvPr/>
+        </p:nvSpPr>
+        <p:spPr>
+          <a:xfrm>
+            <a:off x="4321728" y="3136612"/>
+            <a:ext cx="3548543" cy="584775"/>
+          </a:xfrm>
+          <a:prstGeom prst="rect">
+            <a:avLst/>
+          </a:prstGeom>
+          <a:noFill/>
+        </p:spPr>
+        <p:txBody>
+          <a:bodyPr wrap="square" rtlCol="0">
+            <a:spAutoFit/>
+          </a:bodyPr>
+          <a:lstStyle/>
+          <a:p>
+            <a:pPr algn="ctr"/>
+            <a:r>
+              <a:rPr lang="en-US" sz="3200" b="1" dirty="0"/>
+              <a:t>Q &amp; A</a:t>
+            </a:r>
+          </a:p>
+        </p:txBody>
+      </p:sp>
+      <p:sp>
+        <p:nvSpPr>
+          <p:cNvPr id="4" name="TextBox 3">
+            <a:extLst>
+              <a:ext uri="{FF2B5EF4-FFF2-40B4-BE49-F238E27FC236}">
+                <a16:creationId xmlns:a16="http://schemas.microsoft.com/office/drawing/2014/main" id="{8AB80138-63E7-44E4-85B0-62611A471882}"/>
+              </a:ext>
+            </a:extLst>
+          </p:cNvPr>
+          <p:cNvSpPr txBox="1"/>
+          <p:nvPr/>
+        </p:nvSpPr>
+        <p:spPr>
+          <a:xfrm>
+            <a:off x="7055141" y="5830348"/>
+            <a:ext cx="5033395" cy="369332"/>
+          </a:xfrm>
+          <a:prstGeom prst="rect">
+            <a:avLst/>
+          </a:prstGeom>
+          <a:noFill/>
+        </p:spPr>
+        <p:txBody>
+          <a:bodyPr wrap="square" rtlCol="0">
+            <a:spAutoFit/>
+          </a:bodyPr>
+          <a:lstStyle/>
+          <a:p>
+            <a:r>
+              <a:rPr lang="en-US" dirty="0"/>
+              <a:t>https://github.com/asahay001/springboardIntro</a:t>
+            </a:r>
+          </a:p>
+        </p:txBody>
+      </p:sp>
+      <p:sp>
+        <p:nvSpPr>
+          <p:cNvPr id="5" name="TextBox 4">
+            <a:extLst>
+              <a:ext uri="{FF2B5EF4-FFF2-40B4-BE49-F238E27FC236}">
+                <a16:creationId xmlns:a16="http://schemas.microsoft.com/office/drawing/2014/main" id="{00CA3377-B8B6-46AC-A1DE-4E889859EB1A}"/>
+              </a:ext>
+            </a:extLst>
+          </p:cNvPr>
+          <p:cNvSpPr txBox="1"/>
+          <p:nvPr/>
+        </p:nvSpPr>
+        <p:spPr>
+          <a:xfrm>
+            <a:off x="612396" y="5830348"/>
+            <a:ext cx="2628540" cy="369332"/>
+          </a:xfrm>
+          <a:prstGeom prst="rect">
+            <a:avLst/>
+          </a:prstGeom>
+          <a:noFill/>
+        </p:spPr>
+        <p:txBody>
+          <a:bodyPr wrap="none" rtlCol="0">
+            <a:spAutoFit/>
+          </a:bodyPr>
+          <a:lstStyle/>
+          <a:p>
+            <a:r>
+              <a:rPr lang="en-US" dirty="0"/>
+              <a:t>amitav.sahay@mkcorp.com</a:t>
+            </a:r>
+          </a:p>
+        </p:txBody>
+      </p:sp>
+    </p:spTree>
+    <p:extLst>
+      <p:ext uri="{BB962C8B-B14F-4D97-AF65-F5344CB8AC3E}">
+        <p14:creationId xmlns:p14="http://schemas.microsoft.com/office/powerpoint/2010/main" val="473789067"/>
       </p:ext>
     </p:extLst>
   </p:cSld>
@@ -36200,7 +36631,11 @@
             </a:pPr>
             <a:r>
               <a:rPr lang="en-US" sz="1400" dirty="0"/>
-              <a:t>But with 11 seasons, 700 games, that’s too much for a human brain to synthesize</a:t>
+              <a:t>But </a:t>
+            </a:r>
+            <a:r>
+              <a:rPr lang="en-US" sz="1400" b="1" dirty="0"/>
+              <a:t>with 11 seasons, 700 games, that’s too much for a human brain to synthesize</a:t>
             </a:r>
           </a:p>
           <a:p>
@@ -36277,7 +36712,7 @@
               <a:buChar char="•"/>
             </a:pPr>
             <a:r>
-              <a:rPr lang="en-US" sz="1400" dirty="0"/>
+              <a:rPr lang="en-US" sz="1400" b="1" dirty="0"/>
               <a:t>TV screens </a:t>
             </a:r>
           </a:p>
@@ -36287,8 +36722,8 @@
               <a:buChar char="•"/>
             </a:pPr>
             <a:r>
-              <a:rPr lang="en-US" sz="1400" dirty="0"/>
-              <a:t>Big screens inside the stadium</a:t>
+              <a:rPr lang="en-US" sz="1400" b="1" dirty="0"/>
+              <a:t>Big screens in stadiums</a:t>
             </a:r>
           </a:p>
           <a:p>
@@ -36297,8 +36732,8 @@
               <a:buChar char="•"/>
             </a:pPr>
             <a:r>
-              <a:rPr lang="en-US" sz="1400" dirty="0"/>
-              <a:t>Wagering sites</a:t>
+              <a:rPr lang="en-US" sz="1400" b="1" dirty="0"/>
+              <a:t>Wagering sites on cell phones</a:t>
             </a:r>
           </a:p>
           <a:p>
@@ -36315,7 +36750,15 @@
             </a:pPr>
             <a:r>
               <a:rPr lang="en-US" sz="1400" dirty="0"/>
-              <a:t>If yes, then these are my clients: TV broadcasters, venue managers, and betting sites. They inform the viewers</a:t>
+              <a:t>If yes, then these are </a:t>
+            </a:r>
+            <a:r>
+              <a:rPr lang="en-US" sz="1400" b="1" dirty="0"/>
+              <a:t>my clients</a:t>
+            </a:r>
+            <a:r>
+              <a:rPr lang="en-US" sz="1400" dirty="0"/>
+              <a:t>: TV broadcasters, venue managers, and betting sites. They inform the viewers</a:t>
             </a:r>
           </a:p>
           <a:p>
@@ -36457,8 +36900,12 @@
               <a:buAutoNum type="arabicPeriod"/>
             </a:pPr>
             <a:r>
+              <a:rPr lang="en-US" sz="1400" b="1" dirty="0"/>
+              <a:t>70% used as Training Data</a:t>
+            </a:r>
+            <a:r>
               <a:rPr lang="en-US" sz="1400" dirty="0"/>
-              <a:t>70% used as Training Data: 2008 – 2014 (7 seasons, roughly 400 matches)</a:t>
+              <a:t>: 2008 – 2014 (7 seasons, roughly 400 matches)</a:t>
             </a:r>
           </a:p>
           <a:p>
@@ -36475,7 +36922,15 @@
             </a:pPr>
             <a:r>
               <a:rPr lang="en-US" sz="1400" dirty="0"/>
-              <a:t>Build a regression model for predictions and refine it iteratively for robustness</a:t>
+              <a:t>Build a regression model for predictions and </a:t>
+            </a:r>
+            <a:r>
+              <a:rPr lang="en-US" sz="1400" b="1" dirty="0"/>
+              <a:t>refine it iteratively </a:t>
+            </a:r>
+            <a:r>
+              <a:rPr lang="en-US" sz="1400" dirty="0"/>
+              <a:t>for robustness</a:t>
             </a:r>
           </a:p>
           <a:p>
@@ -36560,7 +37015,11 @@
             </a:pPr>
             <a:r>
               <a:rPr lang="en-US" sz="1400" dirty="0"/>
-              <a:t>With the predictive models tested over 3 seasons, 180 matches, acquire 2018 data (most current) from a different internet source</a:t>
+              <a:t>With the predictive models tested over 3 seasons, 180 matches, acquire 2018 data (most current) from a </a:t>
+            </a:r>
+            <a:r>
+              <a:rPr lang="en-US" sz="1400" b="1" dirty="0"/>
+              <a:t>different internet source</a:t>
             </a:r>
           </a:p>
           <a:p>
@@ -36577,7 +37036,15 @@
             </a:pPr>
             <a:r>
               <a:rPr lang="en-US" sz="1400" dirty="0"/>
-              <a:t>Use 2018 Test data as the gold test of the models</a:t>
+              <a:t>Use </a:t>
+            </a:r>
+            <a:r>
+              <a:rPr lang="en-US" sz="1400" b="1" dirty="0"/>
+              <a:t>2018 Test data as the gold test </a:t>
+            </a:r>
+            <a:r>
+              <a:rPr lang="en-US" sz="1400" dirty="0"/>
+              <a:t>of the models</a:t>
             </a:r>
           </a:p>
           <a:p>
@@ -36717,7 +37184,15 @@
             </a:pPr>
             <a:r>
               <a:rPr lang="en-US" sz="1400" dirty="0"/>
-              <a:t>Predictions are needed live: when a match is being played</a:t>
+              <a:t>Predictions are needed </a:t>
+            </a:r>
+            <a:r>
+              <a:rPr lang="en-US" sz="1400" b="1" dirty="0"/>
+              <a:t>live</a:t>
+            </a:r>
+            <a:r>
+              <a:rPr lang="en-US" sz="1400" dirty="0"/>
+              <a:t>: when a match is being played</a:t>
             </a:r>
           </a:p>
           <a:p>
@@ -36734,7 +37209,15 @@
             </a:pPr>
             <a:r>
               <a:rPr lang="en-US" sz="1400" dirty="0"/>
-              <a:t>Predictions should get more accurate as we get deeper into a match, since there is new data flowing in with each ball on the field</a:t>
+              <a:t>Predictions should get </a:t>
+            </a:r>
+            <a:r>
+              <a:rPr lang="en-US" sz="1400" b="1" dirty="0"/>
+              <a:t>more accurate as we get deeper into a match</a:t>
+            </a:r>
+            <a:r>
+              <a:rPr lang="en-US" sz="1400" dirty="0"/>
+              <a:t>, since there is new data flowing in with each ball on the field</a:t>
             </a:r>
           </a:p>
           <a:p>
@@ -36751,7 +37234,31 @@
             </a:pPr>
             <a:r>
               <a:rPr lang="en-US" sz="1400" dirty="0"/>
-              <a:t>While the predictions can be updated after each ball, I decided to run prediction models only at these stages of a match:</a:t>
+              <a:t>While the predictions can be updated </a:t>
+            </a:r>
+            <a:r>
+              <a:rPr lang="en-US" sz="1400" b="1" dirty="0"/>
+              <a:t>after</a:t>
+            </a:r>
+            <a:r>
+              <a:rPr lang="en-US" sz="1400" dirty="0"/>
+              <a:t> </a:t>
+            </a:r>
+            <a:r>
+              <a:rPr lang="en-US" sz="1400" b="1" dirty="0"/>
+              <a:t>each ball</a:t>
+            </a:r>
+            <a:r>
+              <a:rPr lang="en-US" sz="1400" dirty="0"/>
+              <a:t>, I decided to run prediction models </a:t>
+            </a:r>
+            <a:r>
+              <a:rPr lang="en-US" sz="1400" b="1" dirty="0"/>
+              <a:t>only at these stages </a:t>
+            </a:r>
+            <a:r>
+              <a:rPr lang="en-US" sz="1400" dirty="0"/>
+              <a:t>of a match:</a:t>
             </a:r>
           </a:p>
           <a:p>
@@ -36962,8 +37469,12 @@
               <a:buAutoNum type="arabicPeriod"/>
             </a:pPr>
             <a:r>
+              <a:rPr lang="en-US" sz="1400" b="1" dirty="0"/>
+              <a:t>Independent Variables </a:t>
+            </a:r>
+            <a:r>
               <a:rPr lang="en-US" sz="1400" dirty="0"/>
-              <a:t>Independent Variables for modeling:</a:t>
+              <a:t>for modeling:</a:t>
             </a:r>
           </a:p>
           <a:p>
@@ -36979,7 +37490,7 @@
               <a:buAutoNum type="alphaLcPeriod"/>
             </a:pPr>
             <a:r>
-              <a:rPr lang="en-US" sz="1400" dirty="0"/>
+              <a:rPr lang="en-US" sz="1400" b="1" dirty="0"/>
               <a:t>At the start of each match</a:t>
             </a:r>
           </a:p>
@@ -37039,8 +37550,12 @@
               <a:buAutoNum type="alphaLcPeriod"/>
             </a:pPr>
             <a:r>
+              <a:rPr lang="en-US" sz="1400" b="1" dirty="0"/>
+              <a:t>During a match</a:t>
+            </a:r>
+            <a:r>
               <a:rPr lang="en-US" sz="1400" dirty="0"/>
-              <a:t>During a match:</a:t>
+              <a:t>:</a:t>
             </a:r>
           </a:p>
           <a:p>
@@ -37151,21 +37666,57 @@
             <a:pPr lvl="1"/>
             <a:r>
               <a:rPr lang="en-US" sz="1400" dirty="0"/>
-              <a:t>At  6 overs, there are 6 x 2 = 12 variables				At 26 overs, there are 26 x2 = 52 variables</a:t>
+              <a:t>At  6 overs, there are 6 x 2 = </a:t>
+            </a:r>
+            <a:r>
+              <a:rPr lang="en-US" sz="1400" b="1" dirty="0"/>
+              <a:t>12 variables</a:t>
+            </a:r>
+            <a:r>
+              <a:rPr lang="en-US" sz="1400" dirty="0"/>
+              <a:t>				At 26 overs, there are 26 x2 = 52 variables + 1</a:t>
+            </a:r>
+            <a:r>
+              <a:rPr lang="en-US" sz="1400" baseline="30000" dirty="0"/>
+              <a:t>st</a:t>
+            </a:r>
+            <a:r>
+              <a:rPr lang="en-US" sz="1400" dirty="0"/>
+              <a:t>  Innings score</a:t>
             </a:r>
           </a:p>
           <a:p>
             <a:pPr lvl="1"/>
             <a:r>
               <a:rPr lang="en-US" sz="1400" dirty="0"/>
-              <a:t>At 10 overs, there are 20 variables					At 30 overs, there are 60 variables</a:t>
+              <a:t>At 10 overs, there are 20 variables					At 30 overs, there are 60 variables + 1</a:t>
+            </a:r>
+            <a:r>
+              <a:rPr lang="en-US" sz="1400" baseline="30000" dirty="0"/>
+              <a:t>st</a:t>
+            </a:r>
+            <a:r>
+              <a:rPr lang="en-US" sz="1400" dirty="0"/>
+              <a:t>  Innings score</a:t>
             </a:r>
           </a:p>
           <a:p>
             <a:pPr lvl="1"/>
             <a:r>
               <a:rPr lang="en-US" sz="1400" dirty="0"/>
-              <a:t>At 15 overs, there are 30 variables					At 35 overs, there are 70 variables</a:t>
+              <a:t>At 15 overs, there are 30 variables					At 35 overs, there are </a:t>
+            </a:r>
+            <a:r>
+              <a:rPr lang="en-US" sz="1400" b="1" dirty="0"/>
+              <a:t>70 variables + 1</a:t>
+            </a:r>
+            <a:r>
+              <a:rPr lang="en-US" sz="1400" b="1" baseline="30000" dirty="0"/>
+              <a:t>st</a:t>
+            </a:r>
+            <a:r>
+              <a:rPr lang="en-US" sz="1400" b="1" dirty="0"/>
+              <a:t>  Innings score</a:t>
             </a:r>
           </a:p>
           <a:p>
@@ -37206,7 +37757,7 @@
           <a:lstStyle/>
           <a:p>
             <a:r>
-              <a:rPr lang="en-US" sz="1400" dirty="0"/>
+              <a:rPr lang="en-US" sz="1400" b="1" dirty="0"/>
               <a:t>Dependent Variables:</a:t>
             </a:r>
           </a:p>
@@ -37457,8 +38008,8 @@
         </p:nvSpPr>
         <p:spPr>
           <a:xfrm>
-            <a:off x="2149030" y="1128319"/>
-            <a:ext cx="3020037" cy="2031325"/>
+            <a:off x="1736522" y="1128319"/>
+            <a:ext cx="3432546" cy="2031325"/>
           </a:xfrm>
           <a:prstGeom prst="rect">
             <a:avLst/>
@@ -37474,7 +38025,7 @@
             <a:pPr algn="r"/>
             <a:r>
               <a:rPr lang="en-US" dirty="0"/>
-              <a:t>STRATING DATASET</a:t>
+              <a:t>STARTING DATASET</a:t>
             </a:r>
           </a:p>
           <a:p>
@@ -37485,7 +38036,11 @@
             <a:pPr algn="r"/>
             <a:r>
               <a:rPr lang="en-US" dirty="0"/>
-              <a:t>Ball by Ball rows</a:t>
+              <a:t>Ball by Ball </a:t>
+            </a:r>
+            <a:r>
+              <a:rPr lang="en-US" b="1" dirty="0"/>
+              <a:t>rows</a:t>
             </a:r>
           </a:p>
           <a:p>
@@ -37506,7 +38061,7 @@
             <a:pPr algn="r"/>
             <a:r>
               <a:rPr lang="en-US" dirty="0"/>
-              <a:t>Team changes its name </a:t>
+              <a:t>Team changes its name, ownership </a:t>
             </a:r>
           </a:p>
           <a:p>
@@ -37530,7 +38085,7 @@
         <p:spPr>
           <a:xfrm>
             <a:off x="6837566" y="1128319"/>
-            <a:ext cx="4592433" cy="3631763"/>
+            <a:ext cx="4688907" cy="3847207"/>
           </a:xfrm>
           <a:prstGeom prst="rect">
             <a:avLst/>
@@ -37554,7 +38109,7 @@
           <a:p>
             <a:r>
               <a:rPr lang="en-US" dirty="0"/>
-              <a:t>Summarized to over columns</a:t>
+              <a:t>Summarized to Over columns (Over 1…Over 40)</a:t>
             </a:r>
           </a:p>
           <a:p>
@@ -37574,6 +38129,9 @@
               <a:rPr lang="en-US" dirty="0"/>
               <a:t>Identify such teams as same entity</a:t>
             </a:r>
+          </a:p>
+          <a:p>
+            <a:endParaRPr lang="en-US" sz="1400" dirty="0"/>
           </a:p>
           <a:p>
             <a:r>
@@ -37637,7 +38195,7 @@
         <p:spPr>
           <a:xfrm>
             <a:off x="871988" y="4521608"/>
-            <a:ext cx="10004095" cy="1169551"/>
+            <a:ext cx="10004095" cy="1600438"/>
           </a:xfrm>
           <a:prstGeom prst="rect">
             <a:avLst/>
@@ -37654,10 +38212,7 @@
               <a:buFont typeface="Arial" panose="020B0604020202020204" pitchFamily="34" charset="0"/>
               <a:buChar char="•"/>
             </a:pPr>
-            <a:r>
-              <a:rPr lang="en-US" sz="1400" dirty="0"/>
-              <a:t>Removed rows of those teams that have played in only 1 or 2 seasons and who are no longer playing</a:t>
-            </a:r>
+            <a:endParaRPr lang="en-US" sz="1400" dirty="0"/>
           </a:p>
           <a:p>
             <a:pPr marL="285750" indent="-285750">
@@ -37666,6 +38221,16 @@
             </a:pPr>
             <a:r>
               <a:rPr lang="en-US" sz="1400" dirty="0"/>
+              <a:t>Removed rows of those teams that have played in only 1 or 2 seasons and who are no longer playing</a:t>
+            </a:r>
+          </a:p>
+          <a:p>
+            <a:pPr marL="285750" indent="-285750">
+              <a:buFont typeface="Arial" panose="020B0604020202020204" pitchFamily="34" charset="0"/>
+              <a:buChar char="•"/>
+            </a:pPr>
+            <a:r>
+              <a:rPr lang="en-US" sz="1400" dirty="0"/>
               <a:t>Predictions were made for matches where the innings had lasted at least 12 overs (60% of maximum allowed) </a:t>
             </a:r>
           </a:p>
@@ -37695,6 +38260,16 @@
             <a:r>
               <a:rPr lang="en-US" sz="1400" dirty="0"/>
               <a:t> innings score (240 in one of the matches, where the mean for matches has been closer to 160)</a:t>
+            </a:r>
+          </a:p>
+          <a:p>
+            <a:pPr marL="285750" indent="-285750">
+              <a:buFont typeface="Arial" panose="020B0604020202020204" pitchFamily="34" charset="0"/>
+              <a:buChar char="•"/>
+            </a:pPr>
+            <a:r>
+              <a:rPr lang="en-US" sz="1400" dirty="0"/>
+              <a:t>Since 2018 data was obtained from a different source, it needed different wrangling steps to get that data in the Training Data format</a:t>
             </a:r>
           </a:p>
           <a:p>
@@ -38204,8 +38779,8 @@
         </p:nvSpPr>
         <p:spPr>
           <a:xfrm>
-            <a:off x="3452502" y="725431"/>
-            <a:ext cx="5101654" cy="369332"/>
+            <a:off x="2575087" y="725431"/>
+            <a:ext cx="6856492" cy="369332"/>
           </a:xfrm>
           <a:prstGeom prst="rect">
             <a:avLst/>
@@ -38221,7 +38796,15 @@
             <a:pPr algn="ctr"/>
             <a:r>
               <a:rPr lang="en-US" dirty="0"/>
-              <a:t>Get all rows for a match into 1 row for linear modeling</a:t>
+              <a:t>Get all rows for a match into 1 row for linear modeling (</a:t>
+            </a:r>
+            <a:r>
+              <a:rPr lang="en-US" sz="1200" dirty="0"/>
+              <a:t>only showing a subsection</a:t>
+            </a:r>
+            <a:r>
+              <a:rPr lang="en-US" dirty="0"/>
+              <a:t>)</a:t>
             </a:r>
           </a:p>
         </p:txBody>
@@ -38464,7 +39047,11 @@
           <a:p>
             <a:r>
               <a:rPr lang="en-US" dirty="0"/>
-              <a:t>150,000 rows to 650 wide rows: 1 row per match</a:t>
+              <a:t>150,000 rows to 650 wide rows: </a:t>
+            </a:r>
+            <a:r>
+              <a:rPr lang="en-US" b="1" dirty="0"/>
+              <a:t>1 row per match</a:t>
             </a:r>
           </a:p>
         </p:txBody>
@@ -38513,8 +39100,8 @@
         </p:nvSpPr>
         <p:spPr>
           <a:xfrm>
-            <a:off x="4936749" y="725431"/>
-            <a:ext cx="2133148" cy="369332"/>
+            <a:off x="680941" y="725431"/>
+            <a:ext cx="10644838" cy="369332"/>
           </a:xfrm>
           <a:prstGeom prst="rect">
             <a:avLst/>
@@ -38530,7 +39117,7 @@
             <a:pPr algn="ctr"/>
             <a:r>
               <a:rPr lang="en-US" dirty="0"/>
-              <a:t>Variable Correlations</a:t>
+              <a:t>Final team scores are clustered in a band.  Psychological advantage of winning the toss does not translate into wins</a:t>
             </a:r>
           </a:p>
         </p:txBody>
@@ -38540,7 +39127,7 @@
           <p:cNvPr id="4" name="Picture 3">
             <a:extLst>
               <a:ext uri="{FF2B5EF4-FFF2-40B4-BE49-F238E27FC236}">
-                <a16:creationId xmlns:a16="http://schemas.microsoft.com/office/drawing/2014/main" id="{6B1CADD4-EECD-4082-B03B-7397FEED3631}"/>
+                <a16:creationId xmlns:a16="http://schemas.microsoft.com/office/drawing/2014/main" id="{B98CA288-8D8B-4D92-80A6-536C276347CE}"/>
               </a:ext>
             </a:extLst>
           </p:cNvPr>
@@ -38557,8 +39144,8 @@
         </p:blipFill>
         <p:spPr>
           <a:xfrm>
-            <a:off x="554478" y="1887165"/>
-            <a:ext cx="6005917" cy="4410773"/>
+            <a:off x="792994" y="2365130"/>
+            <a:ext cx="5303006" cy="3563815"/>
           </a:xfrm>
           <a:prstGeom prst="rect">
             <a:avLst/>
@@ -38570,7 +39157,7 @@
           <p:cNvPr id="5" name="Picture 4">
             <a:extLst>
               <a:ext uri="{FF2B5EF4-FFF2-40B4-BE49-F238E27FC236}">
-                <a16:creationId xmlns:a16="http://schemas.microsoft.com/office/drawing/2014/main" id="{9324EA0C-A885-4DCC-9779-F088B60E6372}"/>
+                <a16:creationId xmlns:a16="http://schemas.microsoft.com/office/drawing/2014/main" id="{0B22C2DC-64AA-4927-9F89-2F6DFA980479}"/>
               </a:ext>
             </a:extLst>
           </p:cNvPr>
@@ -38587,117 +39174,18 @@
         </p:blipFill>
         <p:spPr>
           <a:xfrm>
-            <a:off x="6692630" y="1921127"/>
-            <a:ext cx="4944892" cy="4376812"/>
+            <a:off x="6726115" y="2365130"/>
+            <a:ext cx="4733441" cy="3417753"/>
           </a:xfrm>
           <a:prstGeom prst="rect">
             <a:avLst/>
           </a:prstGeom>
         </p:spPr>
       </p:pic>
-      <p:sp>
-        <p:nvSpPr>
-          <p:cNvPr id="6" name="TextBox 5">
-            <a:extLst>
-              <a:ext uri="{FF2B5EF4-FFF2-40B4-BE49-F238E27FC236}">
-                <a16:creationId xmlns:a16="http://schemas.microsoft.com/office/drawing/2014/main" id="{E66AE804-A5A0-484D-92FE-B6899046255B}"/>
-              </a:ext>
-            </a:extLst>
-          </p:cNvPr>
-          <p:cNvSpPr txBox="1"/>
-          <p:nvPr/>
-        </p:nvSpPr>
-        <p:spPr>
-          <a:xfrm>
-            <a:off x="896816" y="1046279"/>
-            <a:ext cx="9926515" cy="738664"/>
-          </a:xfrm>
-          <a:prstGeom prst="rect">
-            <a:avLst/>
-          </a:prstGeom>
-          <a:noFill/>
-        </p:spPr>
-        <p:txBody>
-          <a:bodyPr wrap="square" rtlCol="0">
-            <a:spAutoFit/>
-          </a:bodyPr>
-          <a:lstStyle/>
-          <a:p>
-            <a:pPr marL="285750" indent="-285750">
-              <a:buFont typeface="Arial" panose="020B0604020202020204" pitchFamily="34" charset="0"/>
-              <a:buChar char="•"/>
-            </a:pPr>
-            <a:r>
-              <a:rPr lang="en-US" sz="1400" dirty="0"/>
-              <a:t>Not a very high correlation for ‘Team Batting First Won’ with other pre-match variables</a:t>
-            </a:r>
-          </a:p>
-          <a:p>
-            <a:pPr marL="285750" indent="-285750">
-              <a:buFont typeface="Arial" panose="020B0604020202020204" pitchFamily="34" charset="0"/>
-              <a:buChar char="•"/>
-            </a:pPr>
-            <a:r>
-              <a:rPr lang="en-US" sz="1400" dirty="0"/>
-              <a:t>A team’s final score (Inn1EOIRuns) has higher correlation with runs scored by 15</a:t>
-            </a:r>
-            <a:r>
-              <a:rPr lang="en-US" sz="1400" baseline="30000" dirty="0"/>
-              <a:t>th</a:t>
-            </a:r>
-            <a:r>
-              <a:rPr lang="en-US" sz="1400" dirty="0"/>
-              <a:t> over than by 13</a:t>
-            </a:r>
-            <a:r>
-              <a:rPr lang="en-US" sz="1400" baseline="30000" dirty="0"/>
-              <a:t>th</a:t>
-            </a:r>
-            <a:r>
-              <a:rPr lang="en-US" sz="1400" dirty="0"/>
-              <a:t> over than by 10</a:t>
-            </a:r>
-            <a:r>
-              <a:rPr lang="en-US" sz="1400" baseline="30000" dirty="0"/>
-              <a:t>th</a:t>
-            </a:r>
-            <a:r>
-              <a:rPr lang="en-US" sz="1400" dirty="0"/>
-              <a:t> and 6</a:t>
-            </a:r>
-            <a:r>
-              <a:rPr lang="en-US" sz="1400" baseline="30000" dirty="0"/>
-              <a:t>th</a:t>
-            </a:r>
-            <a:r>
-              <a:rPr lang="en-US" sz="1400" dirty="0"/>
-              <a:t> overs</a:t>
-            </a:r>
-          </a:p>
-          <a:p>
-            <a:pPr marL="285750" indent="-285750">
-              <a:buFont typeface="Arial" panose="020B0604020202020204" pitchFamily="34" charset="0"/>
-              <a:buChar char="•"/>
-            </a:pPr>
-            <a:r>
-              <a:rPr lang="en-US" sz="1400" dirty="0"/>
-              <a:t>These point to </a:t>
-            </a:r>
-            <a:r>
-              <a:rPr lang="en-US" sz="1400" dirty="0">
-                <a:highlight>
-                  <a:srgbClr val="FFFF00"/>
-                </a:highlight>
-              </a:rPr>
-              <a:t>on-field performance today being more dominant than past results, and predictions getting better with each passing over</a:t>
-            </a:r>
-          </a:p>
-        </p:txBody>
-      </p:sp>
     </p:spTree>
     <p:extLst>
       <p:ext uri="{BB962C8B-B14F-4D97-AF65-F5344CB8AC3E}">
-        <p14:creationId xmlns:p14="http://schemas.microsoft.com/office/powerpoint/2010/main" val="3728433188"/>
+        <p14:creationId xmlns:p14="http://schemas.microsoft.com/office/powerpoint/2010/main" val="2989877785"/>
       </p:ext>
     </p:extLst>
   </p:cSld>

--- a/CapstoneFinalPresentation_IPLT20CricketPredictions.pptx
+++ b/CapstoneFinalPresentation_IPLT20CricketPredictions.pptx
@@ -6588,7 +6588,7 @@
             </a:r>
             <a:r>
               <a:rPr lang="en-US" sz="1400" dirty="0"/>
-              <a:t> function to choose a linear model based on </a:t>
+              <a:t> function to choose a linear regression model based on </a:t>
             </a:r>
             <a:r>
               <a:rPr lang="en-US" sz="1400" b="1" dirty="0"/>
@@ -24759,7 +24759,7 @@
                     <a:p>
                       <a:pPr algn="ctr" fontAlgn="ctr"/>
                       <a:r>
-                        <a:rPr lang="en-US" sz="800" b="0" i="0" u="none" strike="noStrike">
+                        <a:rPr lang="en-US" sz="800" b="0" i="0" u="none" strike="noStrike" dirty="0">
                           <a:solidFill>
                             <a:srgbClr val="000000"/>
                           </a:solidFill>
@@ -36285,7 +36285,15 @@
             </a:pPr>
             <a:r>
               <a:rPr lang="en-US" sz="1400" dirty="0"/>
-              <a:t>But if 10 of their 11 batsmen are out, then the team’s innings is done, even if 20 overs are not complete. Start Innings 2. </a:t>
+              <a:t>But if 10 of their 11 batsmen are out, then the team’s innings is done, even if 20 overs are not complete. </a:t>
+            </a:r>
+            <a:r>
+              <a:rPr lang="en-US" sz="1400" b="1" dirty="0"/>
+              <a:t>Start Innings 2</a:t>
+            </a:r>
+            <a:r>
+              <a:rPr lang="en-US" sz="1400" dirty="0"/>
+              <a:t>. </a:t>
             </a:r>
           </a:p>
           <a:p>
@@ -36998,7 +37006,7 @@
             </a:pPr>
             <a:r>
               <a:rPr lang="en-US" sz="1400" dirty="0"/>
-              <a:t>Incorporate 2016 data into the Training dataset, and repeat test with 2017 as Test data</a:t>
+              <a:t>Incorporate 2016 data into the Training dataset, rebuild models, and repeat test with 2017 as Test data</a:t>
             </a:r>
           </a:p>
           <a:p>
@@ -37015,7 +37023,15 @@
             </a:pPr>
             <a:r>
               <a:rPr lang="en-US" sz="1400" dirty="0"/>
-              <a:t>With the predictive models tested over 3 seasons, 180 matches, acquire 2018 data (most current) from a </a:t>
+              <a:t>With the predictive </a:t>
+            </a:r>
+            <a:r>
+              <a:rPr lang="en-US" sz="1400"/>
+              <a:t>models refined over </a:t>
+            </a:r>
+            <a:r>
+              <a:rPr lang="en-US" sz="1400" dirty="0"/>
+              <a:t>3 seasons, 180 matches, acquire 2018 data (most current) from a </a:t>
             </a:r>
             <a:r>
               <a:rPr lang="en-US" sz="1400" b="1" dirty="0"/>

--- a/CapstoneFinalPresentation_IPLT20CricketPredictions.pptx
+++ b/CapstoneFinalPresentation_IPLT20CricketPredictions.pptx
@@ -463,7 +463,7 @@
             <a:fld id="{B61BEF0D-F0BB-DE4B-95CE-6DB70DBA9567}" type="datetimeFigureOut">
               <a:rPr lang="en-US" dirty="0"/>
               <a:pPr/>
-              <a:t>10/18/2018</a:t>
+              <a:t>10/19/2018</a:t>
             </a:fld>
             <a:endParaRPr lang="en-US" dirty="0"/>
           </a:p>
@@ -784,7 +784,7 @@
             <a:fld id="{B61BEF0D-F0BB-DE4B-95CE-6DB70DBA9567}" type="datetimeFigureOut">
               <a:rPr lang="en-US" dirty="0"/>
               <a:pPr/>
-              <a:t>10/18/2018</a:t>
+              <a:t>10/19/2018</a:t>
             </a:fld>
             <a:endParaRPr lang="en-US" dirty="0"/>
           </a:p>
@@ -1029,7 +1029,7 @@
             <a:fld id="{B61BEF0D-F0BB-DE4B-95CE-6DB70DBA9567}" type="datetimeFigureOut">
               <a:rPr lang="en-US" dirty="0"/>
               <a:pPr/>
-              <a:t>10/18/2018</a:t>
+              <a:t>10/19/2018</a:t>
             </a:fld>
             <a:endParaRPr lang="en-US" dirty="0"/>
           </a:p>
@@ -1365,7 +1365,7 @@
             <a:fld id="{B61BEF0D-F0BB-DE4B-95CE-6DB70DBA9567}" type="datetimeFigureOut">
               <a:rPr lang="en-US" dirty="0"/>
               <a:pPr/>
-              <a:t>10/18/2018</a:t>
+              <a:t>10/19/2018</a:t>
             </a:fld>
             <a:endParaRPr lang="en-US" dirty="0"/>
           </a:p>
@@ -1709,7 +1709,7 @@
             <a:fld id="{B61BEF0D-F0BB-DE4B-95CE-6DB70DBA9567}" type="datetimeFigureOut">
               <a:rPr lang="en-US" dirty="0"/>
               <a:pPr/>
-              <a:t>10/18/2018</a:t>
+              <a:t>10/19/2018</a:t>
             </a:fld>
             <a:endParaRPr lang="en-US" dirty="0"/>
           </a:p>
@@ -2080,7 +2080,7 @@
             <a:fld id="{B61BEF0D-F0BB-DE4B-95CE-6DB70DBA9567}" type="datetimeFigureOut">
               <a:rPr lang="en-US" dirty="0"/>
               <a:pPr/>
-              <a:t>10/18/2018</a:t>
+              <a:t>10/19/2018</a:t>
             </a:fld>
             <a:endParaRPr lang="en-US" dirty="0"/>
           </a:p>
@@ -2547,7 +2547,7 @@
             <a:fld id="{B61BEF0D-F0BB-DE4B-95CE-6DB70DBA9567}" type="datetimeFigureOut">
               <a:rPr lang="en-US" dirty="0"/>
               <a:pPr/>
-              <a:t>10/18/2018</a:t>
+              <a:t>10/19/2018</a:t>
             </a:fld>
             <a:endParaRPr lang="en-US" dirty="0"/>
           </a:p>
@@ -2749,7 +2749,7 @@
             <a:fld id="{B61BEF0D-F0BB-DE4B-95CE-6DB70DBA9567}" type="datetimeFigureOut">
               <a:rPr lang="en-US" dirty="0"/>
               <a:pPr/>
-              <a:t>10/18/2018</a:t>
+              <a:t>10/19/2018</a:t>
             </a:fld>
             <a:endParaRPr lang="en-US" dirty="0"/>
           </a:p>
@@ -2957,7 +2957,7 @@
             <a:fld id="{B61BEF0D-F0BB-DE4B-95CE-6DB70DBA9567}" type="datetimeFigureOut">
               <a:rPr lang="en-US" dirty="0"/>
               <a:pPr/>
-              <a:t>10/18/2018</a:t>
+              <a:t>10/19/2018</a:t>
             </a:fld>
             <a:endParaRPr lang="en-US" dirty="0"/>
           </a:p>
@@ -3185,7 +3185,7 @@
           <a:p>
             <a:fld id="{05BFA754-D5C3-4E66-96A6-867B257F58DC}" type="datetimeFigureOut">
               <a:rPr lang="en-US" dirty="0"/>
-              <a:t>10/18/2018</a:t>
+              <a:t>10/19/2018</a:t>
             </a:fld>
             <a:endParaRPr lang="en-US" dirty="0"/>
           </a:p>
@@ -3429,7 +3429,7 @@
             <a:fld id="{B61BEF0D-F0BB-DE4B-95CE-6DB70DBA9567}" type="datetimeFigureOut">
               <a:rPr lang="en-US" dirty="0"/>
               <a:pPr/>
-              <a:t>10/18/2018</a:t>
+              <a:t>10/19/2018</a:t>
             </a:fld>
             <a:endParaRPr lang="en-US" dirty="0"/>
           </a:p>
@@ -3692,7 +3692,7 @@
           <a:p>
             <a:fld id="{05BFA754-D5C3-4E66-96A6-867B257F58DC}" type="datetimeFigureOut">
               <a:rPr lang="en-US" dirty="0"/>
-              <a:t>10/18/2018</a:t>
+              <a:t>10/19/2018</a:t>
             </a:fld>
             <a:endParaRPr lang="en-US" dirty="0"/>
           </a:p>
@@ -4101,7 +4101,7 @@
             <a:fld id="{B61BEF0D-F0BB-DE4B-95CE-6DB70DBA9567}" type="datetimeFigureOut">
               <a:rPr lang="en-US" dirty="0"/>
               <a:pPr/>
-              <a:t>10/18/2018</a:t>
+              <a:t>10/19/2018</a:t>
             </a:fld>
             <a:endParaRPr lang="en-US" dirty="0"/>
           </a:p>
@@ -4247,7 +4247,7 @@
             <a:fld id="{B61BEF0D-F0BB-DE4B-95CE-6DB70DBA9567}" type="datetimeFigureOut">
               <a:rPr lang="en-US" dirty="0"/>
               <a:pPr/>
-              <a:t>10/18/2018</a:t>
+              <a:t>10/19/2018</a:t>
             </a:fld>
             <a:endParaRPr lang="en-US" dirty="0"/>
           </a:p>
@@ -4370,7 +4370,7 @@
             <a:fld id="{B61BEF0D-F0BB-DE4B-95CE-6DB70DBA9567}" type="datetimeFigureOut">
               <a:rPr lang="en-US" dirty="0"/>
               <a:pPr/>
-              <a:t>10/18/2018</a:t>
+              <a:t>10/19/2018</a:t>
             </a:fld>
             <a:endParaRPr lang="en-US" dirty="0"/>
           </a:p>
@@ -4622,7 +4622,7 @@
             <a:fld id="{B61BEF0D-F0BB-DE4B-95CE-6DB70DBA9567}" type="datetimeFigureOut">
               <a:rPr lang="en-US" dirty="0"/>
               <a:pPr/>
-              <a:t>10/18/2018</a:t>
+              <a:t>10/19/2018</a:t>
             </a:fld>
             <a:endParaRPr lang="en-US" dirty="0"/>
           </a:p>
@@ -4934,7 +4934,7 @@
             <a:fld id="{B61BEF0D-F0BB-DE4B-95CE-6DB70DBA9567}" type="datetimeFigureOut">
               <a:rPr lang="en-US" dirty="0"/>
               <a:pPr/>
-              <a:t>10/18/2018</a:t>
+              <a:t>10/19/2018</a:t>
             </a:fld>
             <a:endParaRPr lang="en-US" dirty="0"/>
           </a:p>
@@ -5282,7 +5282,7 @@
             <a:fld id="{B61BEF0D-F0BB-DE4B-95CE-6DB70DBA9567}" type="datetimeFigureOut">
               <a:rPr lang="en-US" dirty="0"/>
               <a:pPr/>
-              <a:t>10/18/2018</a:t>
+              <a:t>10/19/2018</a:t>
             </a:fld>
             <a:endParaRPr lang="en-US" dirty="0"/>
           </a:p>
@@ -35779,7 +35779,7 @@
         <p:spPr>
           <a:xfrm>
             <a:off x="806741" y="1675055"/>
-            <a:ext cx="10578518" cy="2862322"/>
+            <a:ext cx="10578518" cy="4247317"/>
           </a:xfrm>
           <a:prstGeom prst="rect">
             <a:avLst/>
@@ -35816,7 +35816,7 @@
             </a:pPr>
             <a:r>
               <a:rPr lang="en-US" dirty="0"/>
-              <a:t>Let the band start off wide and get narrower as the match progresses</a:t>
+              <a:t>Let the band start off wide and get narrower as the match progresses (15 runs -&gt; 10 -&gt; 5 runs)</a:t>
             </a:r>
           </a:p>
           <a:p>
@@ -35852,6 +35852,61 @@
             <a:r>
               <a:rPr lang="en-US" dirty="0"/>
               <a:t>Playing at home vs playing away</a:t>
+            </a:r>
+          </a:p>
+          <a:p>
+            <a:pPr marL="742950" lvl="1" indent="-285750">
+              <a:buFont typeface="Arial" panose="020B0604020202020204" pitchFamily="34" charset="0"/>
+              <a:buChar char="•"/>
+            </a:pPr>
+            <a:endParaRPr lang="en-US" dirty="0"/>
+          </a:p>
+          <a:p>
+            <a:pPr marL="285750" indent="-285750">
+              <a:buFont typeface="Arial" panose="020B0604020202020204" pitchFamily="34" charset="0"/>
+              <a:buChar char="•"/>
+            </a:pPr>
+            <a:r>
+              <a:rPr lang="en-US" dirty="0"/>
+              <a:t>Try to “</a:t>
+            </a:r>
+            <a:r>
+              <a:rPr lang="en-US" dirty="0" err="1"/>
+              <a:t>productionalize</a:t>
+            </a:r>
+            <a:r>
+              <a:rPr lang="en-US" dirty="0"/>
+              <a:t>” the prediction engine</a:t>
+            </a:r>
+          </a:p>
+          <a:p>
+            <a:pPr marL="742950" lvl="1" indent="-285750">
+              <a:buFont typeface="Arial" panose="020B0604020202020204" pitchFamily="34" charset="0"/>
+              <a:buChar char="•"/>
+            </a:pPr>
+            <a:r>
+              <a:rPr lang="en-US" dirty="0"/>
+              <a:t>Set up a server to get automated feeds during each IPM match </a:t>
+            </a:r>
+          </a:p>
+          <a:p>
+            <a:pPr marL="742950" lvl="1" indent="-285750">
+              <a:buFont typeface="Arial" panose="020B0604020202020204" pitchFamily="34" charset="0"/>
+              <a:buChar char="•"/>
+            </a:pPr>
+            <a:r>
+              <a:rPr lang="en-US" dirty="0"/>
+              <a:t>Set up to run predictions at identified stages of each match</a:t>
+            </a:r>
+          </a:p>
+          <a:p>
+            <a:pPr marL="1200150" lvl="2" indent="-285750">
+              <a:buFont typeface="Arial" panose="020B0604020202020204" pitchFamily="34" charset="0"/>
+              <a:buChar char="•"/>
+            </a:pPr>
+            <a:r>
+              <a:rPr lang="en-US" dirty="0"/>
+              <a:t>Use Shiny package in R to host interactive, standalone app on a webpage and build dashboards</a:t>
             </a:r>
           </a:p>
           <a:p>

--- a/CapstoneFinalPresentation_IPLT20CricketPredictions.pptx
+++ b/CapstoneFinalPresentation_IPLT20CricketPredictions.pptx
@@ -6362,10 +6362,10 @@
       </p:sp>
       <p:pic>
         <p:nvPicPr>
-          <p:cNvPr id="4" name="Picture 3">
+          <p:cNvPr id="3" name="Picture 2">
             <a:extLst>
               <a:ext uri="{FF2B5EF4-FFF2-40B4-BE49-F238E27FC236}">
-                <a16:creationId xmlns:a16="http://schemas.microsoft.com/office/drawing/2014/main" id="{6296B9EC-8084-4533-8062-4AE975478228}"/>
+                <a16:creationId xmlns:a16="http://schemas.microsoft.com/office/drawing/2014/main" id="{FAD77645-DD47-4ADD-B17B-B5F65E8C5463}"/>
               </a:ext>
             </a:extLst>
           </p:cNvPr>
@@ -6382,8 +6382,8 @@
         </p:blipFill>
         <p:spPr>
           <a:xfrm>
-            <a:off x="825012" y="1288383"/>
-            <a:ext cx="10541976" cy="5061464"/>
+            <a:off x="978710" y="1236435"/>
+            <a:ext cx="10402334" cy="4812673"/>
           </a:xfrm>
           <a:prstGeom prst="rect">
             <a:avLst/>
